--- a/Einfuerung/Einfuerung-Spiele.pptx
+++ b/Einfuerung/Einfuerung-Spiele.pptx
@@ -5,7 +5,7 @@
     <p:sldMasterId id="2147483660" r:id="rId1"/>
   </p:sldMasterIdLst>
   <p:notesMasterIdLst>
-    <p:notesMasterId r:id="rId15"/>
+    <p:notesMasterId r:id="rId17"/>
   </p:notesMasterIdLst>
   <p:sldIdLst>
     <p:sldId id="296" r:id="rId2"/>
@@ -13,14 +13,16 @@
     <p:sldId id="257" r:id="rId4"/>
     <p:sldId id="258" r:id="rId5"/>
     <p:sldId id="259" r:id="rId6"/>
-    <p:sldId id="293" r:id="rId7"/>
-    <p:sldId id="294" r:id="rId8"/>
-    <p:sldId id="295" r:id="rId9"/>
-    <p:sldId id="263" r:id="rId10"/>
-    <p:sldId id="297" r:id="rId11"/>
-    <p:sldId id="298" r:id="rId12"/>
-    <p:sldId id="300" r:id="rId13"/>
-    <p:sldId id="299" r:id="rId14"/>
+    <p:sldId id="301" r:id="rId7"/>
+    <p:sldId id="293" r:id="rId8"/>
+    <p:sldId id="302" r:id="rId9"/>
+    <p:sldId id="294" r:id="rId10"/>
+    <p:sldId id="295" r:id="rId11"/>
+    <p:sldId id="263" r:id="rId12"/>
+    <p:sldId id="297" r:id="rId13"/>
+    <p:sldId id="298" r:id="rId14"/>
+    <p:sldId id="300" r:id="rId15"/>
+    <p:sldId id="299" r:id="rId16"/>
   </p:sldIdLst>
   <p:sldSz cx="6858000" cy="9906000" type="A4"/>
   <p:notesSz cx="6858000" cy="9144000"/>
@@ -130,6 +132,724 @@
 </p:presentation>
 </file>
 
+<file path=ppt/changesInfos/changesInfo1.xml><?xml version="1.0" encoding="utf-8"?>
+<pc:chgInfo xmlns:a="http://schemas.openxmlformats.org/drawingml/2006/main" xmlns:r="http://schemas.openxmlformats.org/officeDocument/2006/relationships" xmlns:ac="http://schemas.microsoft.com/office/drawing/2013/main/command" xmlns:pc="http://schemas.microsoft.com/office/powerpoint/2013/main/command">
+  <pc:docChgLst>
+    <pc:chgData userId="7b58d8589a454a2e" providerId="LiveId" clId="{307856EB-7AAA-4991-87C5-56CAAE01DB43}"/>
+    <pc:docChg chg="undo custSel addSld delSld modSld">
+      <pc:chgData name="" userId="7b58d8589a454a2e" providerId="LiveId" clId="{307856EB-7AAA-4991-87C5-56CAAE01DB43}" dt="2020-11-02T15:53:56.756" v="466" actId="1076"/>
+      <pc:docMkLst>
+        <pc:docMk/>
+      </pc:docMkLst>
+      <pc:sldChg chg="add del">
+        <pc:chgData name="" userId="7b58d8589a454a2e" providerId="LiveId" clId="{307856EB-7AAA-4991-87C5-56CAAE01DB43}" dt="2020-11-02T15:28:23.290" v="6"/>
+        <pc:sldMkLst>
+          <pc:docMk/>
+          <pc:sldMk cId="492061270" sldId="263"/>
+        </pc:sldMkLst>
+      </pc:sldChg>
+      <pc:sldChg chg="addSp delSp modSp">
+        <pc:chgData name="" userId="7b58d8589a454a2e" providerId="LiveId" clId="{307856EB-7AAA-4991-87C5-56CAAE01DB43}" dt="2020-11-02T15:27:37.806" v="2"/>
+        <pc:sldMkLst>
+          <pc:docMk/>
+          <pc:sldMk cId="3625129120" sldId="293"/>
+        </pc:sldMkLst>
+        <pc:spChg chg="mod">
+          <ac:chgData name="" userId="7b58d8589a454a2e" providerId="LiveId" clId="{307856EB-7AAA-4991-87C5-56CAAE01DB43}" dt="2020-11-02T15:27:37.806" v="2"/>
+          <ac:spMkLst>
+            <pc:docMk/>
+            <pc:sldMk cId="3625129120" sldId="293"/>
+            <ac:spMk id="4" creationId="{00000000-0000-0000-0000-000000000000}"/>
+          </ac:spMkLst>
+        </pc:spChg>
+        <pc:grpChg chg="add">
+          <ac:chgData name="" userId="7b58d8589a454a2e" providerId="LiveId" clId="{307856EB-7AAA-4991-87C5-56CAAE01DB43}" dt="2020-11-02T15:27:29.043" v="1"/>
+          <ac:grpSpMkLst>
+            <pc:docMk/>
+            <pc:sldMk cId="3625129120" sldId="293"/>
+            <ac:grpSpMk id="6" creationId="{881A0A60-7F4F-4C80-90C3-C665B7447BF5}"/>
+          </ac:grpSpMkLst>
+        </pc:grpChg>
+        <pc:picChg chg="del">
+          <ac:chgData name="" userId="7b58d8589a454a2e" providerId="LiveId" clId="{307856EB-7AAA-4991-87C5-56CAAE01DB43}" dt="2020-11-02T15:27:27.635" v="0" actId="478"/>
+          <ac:picMkLst>
+            <pc:docMk/>
+            <pc:sldMk cId="3625129120" sldId="293"/>
+            <ac:picMk id="14" creationId="{00000000-0000-0000-0000-000000000000}"/>
+          </ac:picMkLst>
+        </pc:picChg>
+      </pc:sldChg>
+      <pc:sldChg chg="add del">
+        <pc:chgData name="" userId="7b58d8589a454a2e" providerId="LiveId" clId="{307856EB-7AAA-4991-87C5-56CAAE01DB43}" dt="2020-11-02T15:28:23.290" v="6"/>
+        <pc:sldMkLst>
+          <pc:docMk/>
+          <pc:sldMk cId="525361280" sldId="294"/>
+        </pc:sldMkLst>
+      </pc:sldChg>
+      <pc:sldChg chg="add del">
+        <pc:chgData name="" userId="7b58d8589a454a2e" providerId="LiveId" clId="{307856EB-7AAA-4991-87C5-56CAAE01DB43}" dt="2020-11-02T15:28:23.290" v="6"/>
+        <pc:sldMkLst>
+          <pc:docMk/>
+          <pc:sldMk cId="1453808479" sldId="295"/>
+        </pc:sldMkLst>
+      </pc:sldChg>
+      <pc:sldChg chg="add del">
+        <pc:chgData name="" userId="7b58d8589a454a2e" providerId="LiveId" clId="{307856EB-7AAA-4991-87C5-56CAAE01DB43}" dt="2020-11-02T15:29:11.657" v="8"/>
+        <pc:sldMkLst>
+          <pc:docMk/>
+          <pc:sldMk cId="2229024498" sldId="298"/>
+        </pc:sldMkLst>
+      </pc:sldChg>
+      <pc:sldChg chg="addSp delSp modSp">
+        <pc:chgData name="" userId="7b58d8589a454a2e" providerId="LiveId" clId="{307856EB-7AAA-4991-87C5-56CAAE01DB43}" dt="2020-11-02T15:53:56.756" v="466" actId="1076"/>
+        <pc:sldMkLst>
+          <pc:docMk/>
+          <pc:sldMk cId="4025329549" sldId="300"/>
+        </pc:sldMkLst>
+        <pc:spChg chg="mod">
+          <ac:chgData name="" userId="7b58d8589a454a2e" providerId="LiveId" clId="{307856EB-7AAA-4991-87C5-56CAAE01DB43}" dt="2020-11-02T15:45:14.245" v="263" actId="1036"/>
+          <ac:spMkLst>
+            <pc:docMk/>
+            <pc:sldMk cId="4025329549" sldId="300"/>
+            <ac:spMk id="2" creationId="{00000000-0000-0000-0000-000000000000}"/>
+          </ac:spMkLst>
+        </pc:spChg>
+        <pc:spChg chg="del">
+          <ac:chgData name="" userId="7b58d8589a454a2e" providerId="LiveId" clId="{307856EB-7AAA-4991-87C5-56CAAE01DB43}" dt="2020-11-02T15:45:08.978" v="237" actId="478"/>
+          <ac:spMkLst>
+            <pc:docMk/>
+            <pc:sldMk cId="4025329549" sldId="300"/>
+            <ac:spMk id="3" creationId="{00000000-0000-0000-0000-000000000000}"/>
+          </ac:spMkLst>
+        </pc:spChg>
+        <pc:spChg chg="mod ord">
+          <ac:chgData name="" userId="7b58d8589a454a2e" providerId="LiveId" clId="{307856EB-7AAA-4991-87C5-56CAAE01DB43}" dt="2020-11-02T15:51:33.972" v="455" actId="20577"/>
+          <ac:spMkLst>
+            <pc:docMk/>
+            <pc:sldMk cId="4025329549" sldId="300"/>
+            <ac:spMk id="7" creationId="{00000000-0000-0000-0000-000000000000}"/>
+          </ac:spMkLst>
+        </pc:spChg>
+        <pc:spChg chg="mod">
+          <ac:chgData name="" userId="7b58d8589a454a2e" providerId="LiveId" clId="{307856EB-7AAA-4991-87C5-56CAAE01DB43}" dt="2020-11-02T15:48:16.094" v="330" actId="20577"/>
+          <ac:spMkLst>
+            <pc:docMk/>
+            <pc:sldMk cId="4025329549" sldId="300"/>
+            <ac:spMk id="8" creationId="{00000000-0000-0000-0000-000000000000}"/>
+          </ac:spMkLst>
+        </pc:spChg>
+        <pc:spChg chg="mod ord">
+          <ac:chgData name="" userId="7b58d8589a454a2e" providerId="LiveId" clId="{307856EB-7AAA-4991-87C5-56CAAE01DB43}" dt="2020-11-02T15:45:36.523" v="300" actId="1076"/>
+          <ac:spMkLst>
+            <pc:docMk/>
+            <pc:sldMk cId="4025329549" sldId="300"/>
+            <ac:spMk id="56" creationId="{CECCD2CE-9E92-420C-8FA9-C30AA2D41DF6}"/>
+          </ac:spMkLst>
+        </pc:spChg>
+        <pc:spChg chg="mod">
+          <ac:chgData name="" userId="7b58d8589a454a2e" providerId="LiveId" clId="{307856EB-7AAA-4991-87C5-56CAAE01DB43}" dt="2020-11-02T15:47:35.668" v="322" actId="1076"/>
+          <ac:spMkLst>
+            <pc:docMk/>
+            <pc:sldMk cId="4025329549" sldId="300"/>
+            <ac:spMk id="63" creationId="{C48D9794-8651-486C-A97C-69F967070CCF}"/>
+          </ac:spMkLst>
+        </pc:spChg>
+        <pc:spChg chg="mod">
+          <ac:chgData name="" userId="7b58d8589a454a2e" providerId="LiveId" clId="{307856EB-7AAA-4991-87C5-56CAAE01DB43}" dt="2020-11-02T15:47:29.165" v="321" actId="1076"/>
+          <ac:spMkLst>
+            <pc:docMk/>
+            <pc:sldMk cId="4025329549" sldId="300"/>
+            <ac:spMk id="72" creationId="{B2BC151B-7102-4F6A-9288-81B8CF3A9D0C}"/>
+          </ac:spMkLst>
+        </pc:spChg>
+        <pc:spChg chg="mod">
+          <ac:chgData name="" userId="7b58d8589a454a2e" providerId="LiveId" clId="{307856EB-7AAA-4991-87C5-56CAAE01DB43}" dt="2020-11-02T15:47:29.165" v="321" actId="1076"/>
+          <ac:spMkLst>
+            <pc:docMk/>
+            <pc:sldMk cId="4025329549" sldId="300"/>
+            <ac:spMk id="73" creationId="{B82BA3A5-77BF-47F5-8C91-F6CE37F9BA27}"/>
+          </ac:spMkLst>
+        </pc:spChg>
+        <pc:spChg chg="mod">
+          <ac:chgData name="" userId="7b58d8589a454a2e" providerId="LiveId" clId="{307856EB-7AAA-4991-87C5-56CAAE01DB43}" dt="2020-11-02T15:47:29.165" v="321" actId="1076"/>
+          <ac:spMkLst>
+            <pc:docMk/>
+            <pc:sldMk cId="4025329549" sldId="300"/>
+            <ac:spMk id="79" creationId="{F18A8C60-6BDB-4AC7-BF25-D13B25DCE285}"/>
+          </ac:spMkLst>
+        </pc:spChg>
+        <pc:picChg chg="add del mod">
+          <ac:chgData name="" userId="7b58d8589a454a2e" providerId="LiveId" clId="{307856EB-7AAA-4991-87C5-56CAAE01DB43}" dt="2020-11-02T15:42:04.292" v="207" actId="478"/>
+          <ac:picMkLst>
+            <pc:docMk/>
+            <pc:sldMk cId="4025329549" sldId="300"/>
+            <ac:picMk id="5" creationId="{56CBB05E-884C-4212-A6E6-EAA8B86A3BF1}"/>
+          </ac:picMkLst>
+        </pc:picChg>
+        <pc:picChg chg="add del mod">
+          <ac:chgData name="" userId="7b58d8589a454a2e" providerId="LiveId" clId="{307856EB-7AAA-4991-87C5-56CAAE01DB43}" dt="2020-11-02T15:42:02.984" v="206" actId="478"/>
+          <ac:picMkLst>
+            <pc:docMk/>
+            <pc:sldMk cId="4025329549" sldId="300"/>
+            <ac:picMk id="9" creationId="{18567CF4-E63C-44C9-9717-E6AA847B1563}"/>
+          </ac:picMkLst>
+        </pc:picChg>
+        <pc:picChg chg="add mod">
+          <ac:chgData name="" userId="7b58d8589a454a2e" providerId="LiveId" clId="{307856EB-7AAA-4991-87C5-56CAAE01DB43}" dt="2020-11-02T15:41:36.266" v="174" actId="1035"/>
+          <ac:picMkLst>
+            <pc:docMk/>
+            <pc:sldMk cId="4025329549" sldId="300"/>
+            <ac:picMk id="11" creationId="{B3605E57-F681-4EE3-B838-9E98D6380C2E}"/>
+          </ac:picMkLst>
+        </pc:picChg>
+        <pc:picChg chg="add mod">
+          <ac:chgData name="" userId="7b58d8589a454a2e" providerId="LiveId" clId="{307856EB-7AAA-4991-87C5-56CAAE01DB43}" dt="2020-11-02T15:41:48.207" v="203" actId="1038"/>
+          <ac:picMkLst>
+            <pc:docMk/>
+            <pc:sldMk cId="4025329549" sldId="300"/>
+            <ac:picMk id="13" creationId="{9466B098-4EA3-44CD-96E2-FE5101C07CEC}"/>
+          </ac:picMkLst>
+        </pc:picChg>
+        <pc:picChg chg="add mod">
+          <ac:chgData name="" userId="7b58d8589a454a2e" providerId="LiveId" clId="{307856EB-7AAA-4991-87C5-56CAAE01DB43}" dt="2020-11-02T15:40:34.075" v="123" actId="1076"/>
+          <ac:picMkLst>
+            <pc:docMk/>
+            <pc:sldMk cId="4025329549" sldId="300"/>
+            <ac:picMk id="15" creationId="{EA5117E4-58E2-4860-B1F0-B675A824E8B7}"/>
+          </ac:picMkLst>
+        </pc:picChg>
+        <pc:picChg chg="add mod">
+          <ac:chgData name="" userId="7b58d8589a454a2e" providerId="LiveId" clId="{307856EB-7AAA-4991-87C5-56CAAE01DB43}" dt="2020-11-02T15:46:19.866" v="310" actId="1076"/>
+          <ac:picMkLst>
+            <pc:docMk/>
+            <pc:sldMk cId="4025329549" sldId="300"/>
+            <ac:picMk id="17" creationId="{1F63C131-6D58-44A3-AF8A-4B9A9F9ECBB7}"/>
+          </ac:picMkLst>
+        </pc:picChg>
+        <pc:picChg chg="add del mod">
+          <ac:chgData name="" userId="7b58d8589a454a2e" providerId="LiveId" clId="{307856EB-7AAA-4991-87C5-56CAAE01DB43}" dt="2020-11-02T15:42:19.445" v="208"/>
+          <ac:picMkLst>
+            <pc:docMk/>
+            <pc:sldMk cId="4025329549" sldId="300"/>
+            <ac:picMk id="19" creationId="{8C652069-374B-4DA7-A8F6-EF761A0108E9}"/>
+          </ac:picMkLst>
+        </pc:picChg>
+        <pc:picChg chg="del">
+          <ac:chgData name="" userId="7b58d8589a454a2e" providerId="LiveId" clId="{307856EB-7AAA-4991-87C5-56CAAE01DB43}" dt="2020-11-02T15:40:15.022" v="118" actId="478"/>
+          <ac:picMkLst>
+            <pc:docMk/>
+            <pc:sldMk cId="4025329549" sldId="300"/>
+            <ac:picMk id="20" creationId="{D67CA0AA-179D-4004-9E59-8B6FBADFFCF3}"/>
+          </ac:picMkLst>
+        </pc:picChg>
+        <pc:picChg chg="del">
+          <ac:chgData name="" userId="7b58d8589a454a2e" providerId="LiveId" clId="{307856EB-7AAA-4991-87C5-56CAAE01DB43}" dt="2020-11-02T15:33:37.703" v="10" actId="478"/>
+          <ac:picMkLst>
+            <pc:docMk/>
+            <pc:sldMk cId="4025329549" sldId="300"/>
+            <ac:picMk id="22" creationId="{96C3D877-F8E8-4179-A87D-A4FD9CE33449}"/>
+          </ac:picMkLst>
+        </pc:picChg>
+        <pc:picChg chg="add mod">
+          <ac:chgData name="" userId="7b58d8589a454a2e" providerId="LiveId" clId="{307856EB-7AAA-4991-87C5-56CAAE01DB43}" dt="2020-11-02T15:41:53.985" v="204" actId="1076"/>
+          <ac:picMkLst>
+            <pc:docMk/>
+            <pc:sldMk cId="4025329549" sldId="300"/>
+            <ac:picMk id="23" creationId="{00E46212-3132-4A7A-9500-0CAE932A67F0}"/>
+          </ac:picMkLst>
+        </pc:picChg>
+        <pc:picChg chg="del">
+          <ac:chgData name="" userId="7b58d8589a454a2e" providerId="LiveId" clId="{307856EB-7AAA-4991-87C5-56CAAE01DB43}" dt="2020-11-02T15:36:27.750" v="38" actId="478"/>
+          <ac:picMkLst>
+            <pc:docMk/>
+            <pc:sldMk cId="4025329549" sldId="300"/>
+            <ac:picMk id="24" creationId="{4E4C78C1-1B20-4D27-AA8A-E059BD1CD838}"/>
+          </ac:picMkLst>
+        </pc:picChg>
+        <pc:picChg chg="del">
+          <ac:chgData name="" userId="7b58d8589a454a2e" providerId="LiveId" clId="{307856EB-7AAA-4991-87C5-56CAAE01DB43}" dt="2020-11-02T15:35:04.143" v="16" actId="478"/>
+          <ac:picMkLst>
+            <pc:docMk/>
+            <pc:sldMk cId="4025329549" sldId="300"/>
+            <ac:picMk id="26" creationId="{29340D2C-AD15-4821-A3B6-76162C63C0BB}"/>
+          </ac:picMkLst>
+        </pc:picChg>
+        <pc:picChg chg="add mod">
+          <ac:chgData name="" userId="7b58d8589a454a2e" providerId="LiveId" clId="{307856EB-7AAA-4991-87C5-56CAAE01DB43}" dt="2020-11-02T15:48:09.688" v="325" actId="1076"/>
+          <ac:picMkLst>
+            <pc:docMk/>
+            <pc:sldMk cId="4025329549" sldId="300"/>
+            <ac:picMk id="27" creationId="{62651E7B-3602-4CE8-9D1A-0C9860D4C1AE}"/>
+          </ac:picMkLst>
+        </pc:picChg>
+        <pc:picChg chg="del">
+          <ac:chgData name="" userId="7b58d8589a454a2e" providerId="LiveId" clId="{307856EB-7AAA-4991-87C5-56CAAE01DB43}" dt="2020-11-02T15:35:21.451" v="22" actId="478"/>
+          <ac:picMkLst>
+            <pc:docMk/>
+            <pc:sldMk cId="4025329549" sldId="300"/>
+            <ac:picMk id="28" creationId="{10372D53-9518-4F1D-8DF4-3BD5C413AC26}"/>
+          </ac:picMkLst>
+        </pc:picChg>
+        <pc:picChg chg="del">
+          <ac:chgData name="" userId="7b58d8589a454a2e" providerId="LiveId" clId="{307856EB-7AAA-4991-87C5-56CAAE01DB43}" dt="2020-11-02T15:41:02.986" v="131" actId="478"/>
+          <ac:picMkLst>
+            <pc:docMk/>
+            <pc:sldMk cId="4025329549" sldId="300"/>
+            <ac:picMk id="30" creationId="{86532D69-9E94-4277-BB78-E1A378B08F35}"/>
+          </ac:picMkLst>
+        </pc:picChg>
+        <pc:picChg chg="add mod">
+          <ac:chgData name="" userId="7b58d8589a454a2e" providerId="LiveId" clId="{307856EB-7AAA-4991-87C5-56CAAE01DB43}" dt="2020-11-02T15:39:11.150" v="104" actId="1076"/>
+          <ac:picMkLst>
+            <pc:docMk/>
+            <pc:sldMk cId="4025329549" sldId="300"/>
+            <ac:picMk id="31" creationId="{4FE6528E-ACC0-4EF2-B40B-F14B30EAE828}"/>
+          </ac:picMkLst>
+        </pc:picChg>
+        <pc:picChg chg="del">
+          <ac:chgData name="" userId="7b58d8589a454a2e" providerId="LiveId" clId="{307856EB-7AAA-4991-87C5-56CAAE01DB43}" dt="2020-11-02T15:39:08.679" v="103" actId="478"/>
+          <ac:picMkLst>
+            <pc:docMk/>
+            <pc:sldMk cId="4025329549" sldId="300"/>
+            <ac:picMk id="32" creationId="{AD6F9610-35FA-49E4-9F57-AA88BE89D576}"/>
+          </ac:picMkLst>
+        </pc:picChg>
+        <pc:picChg chg="del">
+          <ac:chgData name="" userId="7b58d8589a454a2e" providerId="LiveId" clId="{307856EB-7AAA-4991-87C5-56CAAE01DB43}" dt="2020-11-02T15:40:43.791" v="126" actId="478"/>
+          <ac:picMkLst>
+            <pc:docMk/>
+            <pc:sldMk cId="4025329549" sldId="300"/>
+            <ac:picMk id="34" creationId="{435334C2-DFDD-4C03-BFFC-40A56BEA8C87}"/>
+          </ac:picMkLst>
+        </pc:picChg>
+        <pc:picChg chg="add mod">
+          <ac:chgData name="" userId="7b58d8589a454a2e" providerId="LiveId" clId="{307856EB-7AAA-4991-87C5-56CAAE01DB43}" dt="2020-11-02T15:51:48.655" v="461" actId="1035"/>
+          <ac:picMkLst>
+            <pc:docMk/>
+            <pc:sldMk cId="4025329549" sldId="300"/>
+            <ac:picMk id="35" creationId="{53E38BBA-C5B3-44F2-BCCD-7F7AB206B9ED}"/>
+          </ac:picMkLst>
+        </pc:picChg>
+        <pc:picChg chg="del">
+          <ac:chgData name="" userId="7b58d8589a454a2e" providerId="LiveId" clId="{307856EB-7AAA-4991-87C5-56CAAE01DB43}" dt="2020-11-02T15:38:56.973" v="78" actId="478"/>
+          <ac:picMkLst>
+            <pc:docMk/>
+            <pc:sldMk cId="4025329549" sldId="300"/>
+            <ac:picMk id="36" creationId="{0F670615-2369-4653-AF98-D8DB1BE23E6E}"/>
+          </ac:picMkLst>
+        </pc:picChg>
+        <pc:picChg chg="del">
+          <ac:chgData name="" userId="7b58d8589a454a2e" providerId="LiveId" clId="{307856EB-7AAA-4991-87C5-56CAAE01DB43}" dt="2020-11-02T15:37:57.384" v="63" actId="478"/>
+          <ac:picMkLst>
+            <pc:docMk/>
+            <pc:sldMk cId="4025329549" sldId="300"/>
+            <ac:picMk id="38" creationId="{CC732CB2-0D96-4FE7-8284-05579600A4C5}"/>
+          </ac:picMkLst>
+        </pc:picChg>
+        <pc:picChg chg="add mod">
+          <ac:chgData name="" userId="7b58d8589a454a2e" providerId="LiveId" clId="{307856EB-7AAA-4991-87C5-56CAAE01DB43}" dt="2020-11-02T15:48:09.688" v="325" actId="1076"/>
+          <ac:picMkLst>
+            <pc:docMk/>
+            <pc:sldMk cId="4025329549" sldId="300"/>
+            <ac:picMk id="39" creationId="{00ADA546-B31A-4783-8A0E-C89284993A8E}"/>
+          </ac:picMkLst>
+        </pc:picChg>
+        <pc:picChg chg="del">
+          <ac:chgData name="" userId="7b58d8589a454a2e" providerId="LiveId" clId="{307856EB-7AAA-4991-87C5-56CAAE01DB43}" dt="2020-11-02T15:45:59.084" v="304" actId="478"/>
+          <ac:picMkLst>
+            <pc:docMk/>
+            <pc:sldMk cId="4025329549" sldId="300"/>
+            <ac:picMk id="40" creationId="{B906F573-A216-4993-8B48-13BEE8D95FAA}"/>
+          </ac:picMkLst>
+        </pc:picChg>
+        <pc:picChg chg="del">
+          <ac:chgData name="" userId="7b58d8589a454a2e" providerId="LiveId" clId="{307856EB-7AAA-4991-87C5-56CAAE01DB43}" dt="2020-11-02T15:33:36.300" v="9" actId="478"/>
+          <ac:picMkLst>
+            <pc:docMk/>
+            <pc:sldMk cId="4025329549" sldId="300"/>
+            <ac:picMk id="42" creationId="{B2D5662E-15AD-46C0-9B46-C86AEA0C0575}"/>
+          </ac:picMkLst>
+        </pc:picChg>
+        <pc:picChg chg="add del mod">
+          <ac:chgData name="" userId="7b58d8589a454a2e" providerId="LiveId" clId="{307856EB-7AAA-4991-87C5-56CAAE01DB43}" dt="2020-11-02T15:42:19.445" v="208"/>
+          <ac:picMkLst>
+            <pc:docMk/>
+            <pc:sldMk cId="4025329549" sldId="300"/>
+            <ac:picMk id="43" creationId="{2AC86924-92A2-4EAE-8396-43AC93ED5B6D}"/>
+          </ac:picMkLst>
+        </pc:picChg>
+        <pc:picChg chg="del">
+          <ac:chgData name="" userId="7b58d8589a454a2e" providerId="LiveId" clId="{307856EB-7AAA-4991-87C5-56CAAE01DB43}" dt="2020-11-02T15:39:55.577" v="113" actId="478"/>
+          <ac:picMkLst>
+            <pc:docMk/>
+            <pc:sldMk cId="4025329549" sldId="300"/>
+            <ac:picMk id="44" creationId="{95570309-4FE3-41F5-85C4-38F31F0A2849}"/>
+          </ac:picMkLst>
+        </pc:picChg>
+        <pc:picChg chg="del">
+          <ac:chgData name="" userId="7b58d8589a454a2e" providerId="LiveId" clId="{307856EB-7AAA-4991-87C5-56CAAE01DB43}" dt="2020-11-02T15:36:49.596" v="43" actId="478"/>
+          <ac:picMkLst>
+            <pc:docMk/>
+            <pc:sldMk cId="4025329549" sldId="300"/>
+            <ac:picMk id="46" creationId="{EC3E0558-A2EF-44EC-A27C-D08A79A3DAED}"/>
+          </ac:picMkLst>
+        </pc:picChg>
+        <pc:picChg chg="add del mod">
+          <ac:chgData name="" userId="7b58d8589a454a2e" providerId="LiveId" clId="{307856EB-7AAA-4991-87C5-56CAAE01DB43}" dt="2020-11-02T15:42:19.445" v="208"/>
+          <ac:picMkLst>
+            <pc:docMk/>
+            <pc:sldMk cId="4025329549" sldId="300"/>
+            <ac:picMk id="47" creationId="{C83B405A-66B4-45B7-A3FD-DBD8B5163EC1}"/>
+          </ac:picMkLst>
+        </pc:picChg>
+        <pc:picChg chg="del">
+          <ac:chgData name="" userId="7b58d8589a454a2e" providerId="LiveId" clId="{307856EB-7AAA-4991-87C5-56CAAE01DB43}" dt="2020-11-02T15:38:35.066" v="73" actId="478"/>
+          <ac:picMkLst>
+            <pc:docMk/>
+            <pc:sldMk cId="4025329549" sldId="300"/>
+            <ac:picMk id="48" creationId="{D543BE9B-02F4-4F98-8C0C-35285CF166CC}"/>
+          </ac:picMkLst>
+        </pc:picChg>
+        <pc:picChg chg="del">
+          <ac:chgData name="" userId="7b58d8589a454a2e" providerId="LiveId" clId="{307856EB-7AAA-4991-87C5-56CAAE01DB43}" dt="2020-11-02T15:37:31.258" v="56" actId="478"/>
+          <ac:picMkLst>
+            <pc:docMk/>
+            <pc:sldMk cId="4025329549" sldId="300"/>
+            <ac:picMk id="50" creationId="{922122D0-281E-49D0-9546-DA205BFCAC1C}"/>
+          </ac:picMkLst>
+        </pc:picChg>
+        <pc:picChg chg="add del mod">
+          <ac:chgData name="" userId="7b58d8589a454a2e" providerId="LiveId" clId="{307856EB-7AAA-4991-87C5-56CAAE01DB43}" dt="2020-11-02T15:42:19.445" v="208"/>
+          <ac:picMkLst>
+            <pc:docMk/>
+            <pc:sldMk cId="4025329549" sldId="300"/>
+            <ac:picMk id="51" creationId="{D7C95818-AEAB-4094-8AF5-B9927C275C50}"/>
+          </ac:picMkLst>
+        </pc:picChg>
+        <pc:picChg chg="del">
+          <ac:chgData name="" userId="7b58d8589a454a2e" providerId="LiveId" clId="{307856EB-7AAA-4991-87C5-56CAAE01DB43}" dt="2020-11-02T15:33:38.243" v="11" actId="478"/>
+          <ac:picMkLst>
+            <pc:docMk/>
+            <pc:sldMk cId="4025329549" sldId="300"/>
+            <ac:picMk id="52" creationId="{2F2A6E04-484B-453E-A458-45C4CDBA7823}"/>
+          </ac:picMkLst>
+        </pc:picChg>
+        <pc:picChg chg="add del mod">
+          <ac:chgData name="" userId="7b58d8589a454a2e" providerId="LiveId" clId="{307856EB-7AAA-4991-87C5-56CAAE01DB43}" dt="2020-11-02T15:42:19.445" v="208"/>
+          <ac:picMkLst>
+            <pc:docMk/>
+            <pc:sldMk cId="4025329549" sldId="300"/>
+            <ac:picMk id="54" creationId="{582AF6F3-6797-458E-8E60-3729BE30690C}"/>
+          </ac:picMkLst>
+        </pc:picChg>
+        <pc:picChg chg="del">
+          <ac:chgData name="" userId="7b58d8589a454a2e" providerId="LiveId" clId="{307856EB-7AAA-4991-87C5-56CAAE01DB43}" dt="2020-11-02T15:44:29.020" v="227" actId="478"/>
+          <ac:picMkLst>
+            <pc:docMk/>
+            <pc:sldMk cId="4025329549" sldId="300"/>
+            <ac:picMk id="55" creationId="{13FF4794-6108-49A8-9F63-FD9436C37E3D}"/>
+          </ac:picMkLst>
+        </pc:picChg>
+        <pc:picChg chg="add mod">
+          <ac:chgData name="" userId="7b58d8589a454a2e" providerId="LiveId" clId="{307856EB-7AAA-4991-87C5-56CAAE01DB43}" dt="2020-11-02T15:38:09.014" v="66" actId="14100"/>
+          <ac:picMkLst>
+            <pc:docMk/>
+            <pc:sldMk cId="4025329549" sldId="300"/>
+            <ac:picMk id="58" creationId="{D30EDAE1-7435-4A43-8B6C-30B665E0C6AA}"/>
+          </ac:picMkLst>
+        </pc:picChg>
+        <pc:picChg chg="add mod">
+          <ac:chgData name="" userId="7b58d8589a454a2e" providerId="LiveId" clId="{307856EB-7AAA-4991-87C5-56CAAE01DB43}" dt="2020-11-02T15:48:09.688" v="325" actId="1076"/>
+          <ac:picMkLst>
+            <pc:docMk/>
+            <pc:sldMk cId="4025329549" sldId="300"/>
+            <ac:picMk id="61" creationId="{E1518B9E-9057-4ABE-8D58-0B74D46F2597}"/>
+          </ac:picMkLst>
+        </pc:picChg>
+        <pc:picChg chg="add del mod">
+          <ac:chgData name="" userId="7b58d8589a454a2e" providerId="LiveId" clId="{307856EB-7AAA-4991-87C5-56CAAE01DB43}" dt="2020-11-02T15:42:19.445" v="208"/>
+          <ac:picMkLst>
+            <pc:docMk/>
+            <pc:sldMk cId="4025329549" sldId="300"/>
+            <ac:picMk id="64" creationId="{56FAA5F0-1F96-4852-8FE3-74DD2D48604A}"/>
+          </ac:picMkLst>
+        </pc:picChg>
+        <pc:picChg chg="add mod">
+          <ac:chgData name="" userId="7b58d8589a454a2e" providerId="LiveId" clId="{307856EB-7AAA-4991-87C5-56CAAE01DB43}" dt="2020-11-02T15:48:09.688" v="325" actId="1076"/>
+          <ac:picMkLst>
+            <pc:docMk/>
+            <pc:sldMk cId="4025329549" sldId="300"/>
+            <ac:picMk id="66" creationId="{0F5C7BF6-9709-40F9-ABC2-3A4162E4DEC2}"/>
+          </ac:picMkLst>
+        </pc:picChg>
+        <pc:picChg chg="mod">
+          <ac:chgData name="" userId="7b58d8589a454a2e" providerId="LiveId" clId="{307856EB-7AAA-4991-87C5-56CAAE01DB43}" dt="2020-11-02T15:47:29.165" v="321" actId="1076"/>
+          <ac:picMkLst>
+            <pc:docMk/>
+            <pc:sldMk cId="4025329549" sldId="300"/>
+            <ac:picMk id="67" creationId="{47E4F6E5-A821-459F-957C-54A478F10101}"/>
+          </ac:picMkLst>
+        </pc:picChg>
+        <pc:picChg chg="add mod">
+          <ac:chgData name="" userId="7b58d8589a454a2e" providerId="LiveId" clId="{307856EB-7AAA-4991-87C5-56CAAE01DB43}" dt="2020-11-02T15:48:09.688" v="325" actId="1076"/>
+          <ac:picMkLst>
+            <pc:docMk/>
+            <pc:sldMk cId="4025329549" sldId="300"/>
+            <ac:picMk id="71" creationId="{C4008F56-E18C-4240-9F83-AF36A2593551}"/>
+          </ac:picMkLst>
+        </pc:picChg>
+        <pc:picChg chg="add del mod">
+          <ac:chgData name="" userId="7b58d8589a454a2e" providerId="LiveId" clId="{307856EB-7AAA-4991-87C5-56CAAE01DB43}" dt="2020-11-02T15:42:19.445" v="208"/>
+          <ac:picMkLst>
+            <pc:docMk/>
+            <pc:sldMk cId="4025329549" sldId="300"/>
+            <ac:picMk id="75" creationId="{E542C9E8-BB32-4DD1-B01E-87C86777BD4F}"/>
+          </ac:picMkLst>
+        </pc:picChg>
+        <pc:picChg chg="add mod">
+          <ac:chgData name="" userId="7b58d8589a454a2e" providerId="LiveId" clId="{307856EB-7AAA-4991-87C5-56CAAE01DB43}" dt="2020-11-02T15:48:09.688" v="325" actId="1076"/>
+          <ac:picMkLst>
+            <pc:docMk/>
+            <pc:sldMk cId="4025329549" sldId="300"/>
+            <ac:picMk id="77" creationId="{CF6EA7DD-E2FC-40A9-9299-AA269DDEE570}"/>
+          </ac:picMkLst>
+        </pc:picChg>
+        <pc:picChg chg="del mod modCrop">
+          <ac:chgData name="" userId="7b58d8589a454a2e" providerId="LiveId" clId="{307856EB-7AAA-4991-87C5-56CAAE01DB43}" dt="2020-11-02T15:53:46.138" v="462" actId="478"/>
+          <ac:picMkLst>
+            <pc:docMk/>
+            <pc:sldMk cId="4025329549" sldId="300"/>
+            <ac:picMk id="80" creationId="{55DC6A29-15FF-462A-A238-D91FF6E6A301}"/>
+          </ac:picMkLst>
+        </pc:picChg>
+        <pc:picChg chg="add mod">
+          <ac:chgData name="" userId="7b58d8589a454a2e" providerId="LiveId" clId="{307856EB-7AAA-4991-87C5-56CAAE01DB43}" dt="2020-11-02T15:41:31.023" v="159" actId="1035"/>
+          <ac:picMkLst>
+            <pc:docMk/>
+            <pc:sldMk cId="4025329549" sldId="300"/>
+            <ac:picMk id="81" creationId="{ADB59766-DCD1-4043-B8F1-366B9189EB05}"/>
+          </ac:picMkLst>
+        </pc:picChg>
+        <pc:picChg chg="add mod">
+          <ac:chgData name="" userId="7b58d8589a454a2e" providerId="LiveId" clId="{307856EB-7AAA-4991-87C5-56CAAE01DB43}" dt="2020-11-02T15:46:23.983" v="311" actId="1076"/>
+          <ac:picMkLst>
+            <pc:docMk/>
+            <pc:sldMk cId="4025329549" sldId="300"/>
+            <ac:picMk id="83" creationId="{F96A3900-2FAB-4669-B748-57C7A8F09AAA}"/>
+          </ac:picMkLst>
+        </pc:picChg>
+        <pc:picChg chg="add mod">
+          <ac:chgData name="" userId="7b58d8589a454a2e" providerId="LiveId" clId="{307856EB-7AAA-4991-87C5-56CAAE01DB43}" dt="2020-11-02T15:36:19.194" v="36" actId="1076"/>
+          <ac:picMkLst>
+            <pc:docMk/>
+            <pc:sldMk cId="4025329549" sldId="300"/>
+            <ac:picMk id="85" creationId="{EBDCD23B-0AC5-44C0-AB79-45FF303D68BA}"/>
+          </ac:picMkLst>
+        </pc:picChg>
+        <pc:picChg chg="add mod">
+          <ac:chgData name="" userId="7b58d8589a454a2e" providerId="LiveId" clId="{307856EB-7AAA-4991-87C5-56CAAE01DB43}" dt="2020-11-02T15:43:45.276" v="226" actId="1038"/>
+          <ac:picMkLst>
+            <pc:docMk/>
+            <pc:sldMk cId="4025329549" sldId="300"/>
+            <ac:picMk id="86" creationId="{34E81B9A-1C20-4888-8691-BA60CDEA65F5}"/>
+          </ac:picMkLst>
+        </pc:picChg>
+        <pc:picChg chg="add mod modCrop">
+          <ac:chgData name="" userId="7b58d8589a454a2e" providerId="LiveId" clId="{307856EB-7AAA-4991-87C5-56CAAE01DB43}" dt="2020-11-02T15:47:47.518" v="324" actId="732"/>
+          <ac:picMkLst>
+            <pc:docMk/>
+            <pc:sldMk cId="4025329549" sldId="300"/>
+            <ac:picMk id="87" creationId="{461FB0A8-D7F1-4DCC-9815-472243434E60}"/>
+          </ac:picMkLst>
+        </pc:picChg>
+        <pc:picChg chg="add mod">
+          <ac:chgData name="" userId="7b58d8589a454a2e" providerId="LiveId" clId="{307856EB-7AAA-4991-87C5-56CAAE01DB43}" dt="2020-11-02T15:48:27.887" v="333" actId="1076"/>
+          <ac:picMkLst>
+            <pc:docMk/>
+            <pc:sldMk cId="4025329549" sldId="300"/>
+            <ac:picMk id="90" creationId="{16F56689-E2CD-4269-9E5B-EE40EF76F2AC}"/>
+          </ac:picMkLst>
+        </pc:picChg>
+        <pc:picChg chg="add mod">
+          <ac:chgData name="" userId="7b58d8589a454a2e" providerId="LiveId" clId="{307856EB-7AAA-4991-87C5-56CAAE01DB43}" dt="2020-11-02T15:49:00.723" v="339" actId="1076"/>
+          <ac:picMkLst>
+            <pc:docMk/>
+            <pc:sldMk cId="4025329549" sldId="300"/>
+            <ac:picMk id="92" creationId="{E1BDA5F5-C646-456E-8F59-772BC841B2EA}"/>
+          </ac:picMkLst>
+        </pc:picChg>
+        <pc:picChg chg="add mod">
+          <ac:chgData name="" userId="7b58d8589a454a2e" providerId="LiveId" clId="{307856EB-7AAA-4991-87C5-56CAAE01DB43}" dt="2020-11-02T15:49:04.389" v="340" actId="1076"/>
+          <ac:picMkLst>
+            <pc:docMk/>
+            <pc:sldMk cId="4025329549" sldId="300"/>
+            <ac:picMk id="93" creationId="{BE887494-E269-4290-AB52-8B0CA8188F1B}"/>
+          </ac:picMkLst>
+        </pc:picChg>
+        <pc:picChg chg="add mod">
+          <ac:chgData name="" userId="7b58d8589a454a2e" providerId="LiveId" clId="{307856EB-7AAA-4991-87C5-56CAAE01DB43}" dt="2020-11-02T15:49:05.746" v="341" actId="1076"/>
+          <ac:picMkLst>
+            <pc:docMk/>
+            <pc:sldMk cId="4025329549" sldId="300"/>
+            <ac:picMk id="94" creationId="{C51E01AE-E86F-4CAF-890C-A130AD5582A7}"/>
+          </ac:picMkLst>
+        </pc:picChg>
+        <pc:picChg chg="add mod">
+          <ac:chgData name="" userId="7b58d8589a454a2e" providerId="LiveId" clId="{307856EB-7AAA-4991-87C5-56CAAE01DB43}" dt="2020-11-02T15:51:43.769" v="458" actId="1035"/>
+          <ac:picMkLst>
+            <pc:docMk/>
+            <pc:sldMk cId="4025329549" sldId="300"/>
+            <ac:picMk id="95" creationId="{21B5BDF4-C504-47EE-901F-669E34D68C5A}"/>
+          </ac:picMkLst>
+        </pc:picChg>
+        <pc:picChg chg="add mod">
+          <ac:chgData name="" userId="7b58d8589a454a2e" providerId="LiveId" clId="{307856EB-7AAA-4991-87C5-56CAAE01DB43}" dt="2020-11-02T15:51:43.769" v="458" actId="1035"/>
+          <ac:picMkLst>
+            <pc:docMk/>
+            <pc:sldMk cId="4025329549" sldId="300"/>
+            <ac:picMk id="96" creationId="{FC67E3C5-2EE1-428D-9AF3-0CF3EB469C76}"/>
+          </ac:picMkLst>
+        </pc:picChg>
+        <pc:picChg chg="add mod">
+          <ac:chgData name="" userId="7b58d8589a454a2e" providerId="LiveId" clId="{307856EB-7AAA-4991-87C5-56CAAE01DB43}" dt="2020-11-02T15:51:43.769" v="458" actId="1035"/>
+          <ac:picMkLst>
+            <pc:docMk/>
+            <pc:sldMk cId="4025329549" sldId="300"/>
+            <ac:picMk id="97" creationId="{D2BD5E4A-615E-4CF7-91F0-9D8E476AD506}"/>
+          </ac:picMkLst>
+        </pc:picChg>
+        <pc:picChg chg="add mod">
+          <ac:chgData name="" userId="7b58d8589a454a2e" providerId="LiveId" clId="{307856EB-7AAA-4991-87C5-56CAAE01DB43}" dt="2020-11-02T15:53:56.756" v="466" actId="1076"/>
+          <ac:picMkLst>
+            <pc:docMk/>
+            <pc:sldMk cId="4025329549" sldId="300"/>
+            <ac:picMk id="98" creationId="{3B4524E3-4489-498D-8522-EADF00E22960}"/>
+          </ac:picMkLst>
+        </pc:picChg>
+        <pc:cxnChg chg="mod">
+          <ac:chgData name="" userId="7b58d8589a454a2e" providerId="LiveId" clId="{307856EB-7AAA-4991-87C5-56CAAE01DB43}" dt="2020-11-02T15:47:39.407" v="323" actId="14100"/>
+          <ac:cxnSpMkLst>
+            <pc:docMk/>
+            <pc:sldMk cId="4025329549" sldId="300"/>
+            <ac:cxnSpMk id="59" creationId="{CDF57946-00D2-4F44-92A1-BA17866B3A53}"/>
+          </ac:cxnSpMkLst>
+        </pc:cxnChg>
+        <pc:cxnChg chg="mod">
+          <ac:chgData name="" userId="7b58d8589a454a2e" providerId="LiveId" clId="{307856EB-7AAA-4991-87C5-56CAAE01DB43}" dt="2020-11-02T15:47:29.165" v="321" actId="1076"/>
+          <ac:cxnSpMkLst>
+            <pc:docMk/>
+            <pc:sldMk cId="4025329549" sldId="300"/>
+            <ac:cxnSpMk id="68" creationId="{8575FF1F-C63C-4688-AA30-060253A3DC64}"/>
+          </ac:cxnSpMkLst>
+        </pc:cxnChg>
+        <pc:cxnChg chg="mod">
+          <ac:chgData name="" userId="7b58d8589a454a2e" providerId="LiveId" clId="{307856EB-7AAA-4991-87C5-56CAAE01DB43}" dt="2020-11-02T15:47:29.165" v="321" actId="1076"/>
+          <ac:cxnSpMkLst>
+            <pc:docMk/>
+            <pc:sldMk cId="4025329549" sldId="300"/>
+            <ac:cxnSpMk id="70" creationId="{4D292F8F-FDC9-4247-8E32-654AE3B5FE52}"/>
+          </ac:cxnSpMkLst>
+        </pc:cxnChg>
+      </pc:sldChg>
+      <pc:sldChg chg="add">
+        <pc:chgData name="" userId="7b58d8589a454a2e" providerId="LiveId" clId="{307856EB-7AAA-4991-87C5-56CAAE01DB43}" dt="2020-11-02T15:28:23.290" v="6"/>
+        <pc:sldMkLst>
+          <pc:docMk/>
+          <pc:sldMk cId="1771070158" sldId="302"/>
+        </pc:sldMkLst>
+      </pc:sldChg>
+      <pc:sldChg chg="addSp delSp modSp add del">
+        <pc:chgData name="" userId="7b58d8589a454a2e" providerId="LiveId" clId="{307856EB-7AAA-4991-87C5-56CAAE01DB43}" dt="2020-11-02T15:50:09.151" v="358" actId="2696"/>
+        <pc:sldMkLst>
+          <pc:docMk/>
+          <pc:sldMk cId="939677296" sldId="303"/>
+        </pc:sldMkLst>
+        <pc:spChg chg="del">
+          <ac:chgData name="" userId="7b58d8589a454a2e" providerId="LiveId" clId="{307856EB-7AAA-4991-87C5-56CAAE01DB43}" dt="2020-11-02T15:46:37.876" v="313" actId="478"/>
+          <ac:spMkLst>
+            <pc:docMk/>
+            <pc:sldMk cId="939677296" sldId="303"/>
+            <ac:spMk id="2" creationId="{DF871325-85B5-4D5A-833F-9B24DF3D9577}"/>
+          </ac:spMkLst>
+        </pc:spChg>
+        <pc:spChg chg="del">
+          <ac:chgData name="" userId="7b58d8589a454a2e" providerId="LiveId" clId="{307856EB-7AAA-4991-87C5-56CAAE01DB43}" dt="2020-11-02T15:46:40.606" v="314" actId="478"/>
+          <ac:spMkLst>
+            <pc:docMk/>
+            <pc:sldMk cId="939677296" sldId="303"/>
+            <ac:spMk id="3" creationId="{66245FDE-017E-4BF6-A61B-0325988689F5}"/>
+          </ac:spMkLst>
+        </pc:spChg>
+        <pc:spChg chg="add">
+          <ac:chgData name="" userId="7b58d8589a454a2e" providerId="LiveId" clId="{307856EB-7AAA-4991-87C5-56CAAE01DB43}" dt="2020-11-02T15:46:35.271" v="312"/>
+          <ac:spMkLst>
+            <pc:docMk/>
+            <pc:sldMk cId="939677296" sldId="303"/>
+            <ac:spMk id="12" creationId="{6501F43F-A54E-4A55-9B6A-114951F44D43}"/>
+          </ac:spMkLst>
+        </pc:spChg>
+        <pc:picChg chg="add del mod">
+          <ac:chgData name="" userId="7b58d8589a454a2e" providerId="LiveId" clId="{307856EB-7AAA-4991-87C5-56CAAE01DB43}" dt="2020-11-02T15:46:46.125" v="317" actId="478"/>
+          <ac:picMkLst>
+            <pc:docMk/>
+            <pc:sldMk cId="939677296" sldId="303"/>
+            <ac:picMk id="5" creationId="{85AB2E92-A296-4086-9DFD-229981B37156}"/>
+          </ac:picMkLst>
+        </pc:picChg>
+        <pc:picChg chg="add del mod">
+          <ac:chgData name="" userId="7b58d8589a454a2e" providerId="LiveId" clId="{307856EB-7AAA-4991-87C5-56CAAE01DB43}" dt="2020-11-02T15:49:11.028" v="342" actId="478"/>
+          <ac:picMkLst>
+            <pc:docMk/>
+            <pc:sldMk cId="939677296" sldId="303"/>
+            <ac:picMk id="6" creationId="{B9A46AA7-DF43-43F6-8AB2-66F0B6971A79}"/>
+          </ac:picMkLst>
+        </pc:picChg>
+        <pc:picChg chg="add del mod">
+          <ac:chgData name="" userId="7b58d8589a454a2e" providerId="LiveId" clId="{307856EB-7AAA-4991-87C5-56CAAE01DB43}" dt="2020-11-02T15:49:11.487" v="343" actId="478"/>
+          <ac:picMkLst>
+            <pc:docMk/>
+            <pc:sldMk cId="939677296" sldId="303"/>
+            <ac:picMk id="7" creationId="{3F8323B3-40F6-4B3E-AEA6-8670487D39BD}"/>
+          </ac:picMkLst>
+        </pc:picChg>
+        <pc:picChg chg="add del mod">
+          <ac:chgData name="" userId="7b58d8589a454a2e" providerId="LiveId" clId="{307856EB-7AAA-4991-87C5-56CAAE01DB43}" dt="2020-11-02T15:49:56.751" v="353"/>
+          <ac:picMkLst>
+            <pc:docMk/>
+            <pc:sldMk cId="939677296" sldId="303"/>
+            <ac:picMk id="8" creationId="{9167E27F-7684-44B3-8838-C772B524A992}"/>
+          </ac:picMkLst>
+        </pc:picChg>
+        <pc:picChg chg="add del mod">
+          <ac:chgData name="" userId="7b58d8589a454a2e" providerId="LiveId" clId="{307856EB-7AAA-4991-87C5-56CAAE01DB43}" dt="2020-11-02T15:49:56.751" v="353"/>
+          <ac:picMkLst>
+            <pc:docMk/>
+            <pc:sldMk cId="939677296" sldId="303"/>
+            <ac:picMk id="9" creationId="{2D8C0EB7-751D-4B85-8593-84DC705A2042}"/>
+          </ac:picMkLst>
+        </pc:picChg>
+        <pc:picChg chg="add del">
+          <ac:chgData name="" userId="7b58d8589a454a2e" providerId="LiveId" clId="{307856EB-7AAA-4991-87C5-56CAAE01DB43}" dt="2020-11-02T15:49:56.751" v="353"/>
+          <ac:picMkLst>
+            <pc:docMk/>
+            <pc:sldMk cId="939677296" sldId="303"/>
+            <ac:picMk id="10" creationId="{A3A75A5A-C834-410D-ADFA-9504BCFF7935}"/>
+          </ac:picMkLst>
+        </pc:picChg>
+        <pc:picChg chg="add del">
+          <ac:chgData name="" userId="7b58d8589a454a2e" providerId="LiveId" clId="{307856EB-7AAA-4991-87C5-56CAAE01DB43}" dt="2020-11-02T15:49:15.353" v="345" actId="478"/>
+          <ac:picMkLst>
+            <pc:docMk/>
+            <pc:sldMk cId="939677296" sldId="303"/>
+            <ac:picMk id="11" creationId="{F30BE744-DEB8-4784-B444-C4705F792669}"/>
+          </ac:picMkLst>
+        </pc:picChg>
+      </pc:sldChg>
+    </pc:docChg>
+  </pc:docChgLst>
+</pc:chgInfo>
+</file>
+
 <file path=ppt/notesMasters/notesMaster1.xml><?xml version="1.0" encoding="utf-8"?>
 <p:notesMaster xmlns:a="http://schemas.openxmlformats.org/drawingml/2006/main" xmlns:r="http://schemas.openxmlformats.org/officeDocument/2006/relationships" xmlns:p="http://schemas.openxmlformats.org/presentationml/2006/main">
   <p:cSld>
@@ -212,7 +932,7 @@
           <a:p>
             <a:fld id="{DD7A25D8-F173-4133-85F8-CB962D678EB5}" type="datetimeFigureOut">
               <a:rPr lang="de-DE" smtClean="0"/>
-              <a:t>21.02.2020</a:t>
+              <a:t>02.11.2020</a:t>
             </a:fld>
             <a:endParaRPr lang="de-DE"/>
           </a:p>
@@ -610,7 +1330,7 @@
           <a:p>
             <a:fld id="{FC9269F9-6F79-4414-A84E-D81C6C443C37}" type="datetimeFigureOut">
               <a:rPr lang="de-DE" smtClean="0"/>
-              <a:t>21.02.2020</a:t>
+              <a:t>02.11.2020</a:t>
             </a:fld>
             <a:endParaRPr lang="de-DE"/>
           </a:p>
@@ -1817,7 +2537,7 @@
           <a:p>
             <a:fld id="{FC9269F9-6F79-4414-A84E-D81C6C443C37}" type="datetimeFigureOut">
               <a:rPr lang="de-DE" smtClean="0"/>
-              <a:t>21.02.2020</a:t>
+              <a:t>02.11.2020</a:t>
             </a:fld>
             <a:endParaRPr lang="de-DE"/>
           </a:p>
@@ -2368,7 +3088,7 @@
           <a:p>
             <a:fld id="{FC9269F9-6F79-4414-A84E-D81C6C443C37}" type="datetimeFigureOut">
               <a:rPr lang="de-DE" smtClean="0"/>
-              <a:t>21.02.2020</a:t>
+              <a:t>02.11.2020</a:t>
             </a:fld>
             <a:endParaRPr lang="de-DE"/>
           </a:p>
@@ -3358,7 +4078,7 @@
           <a:p>
             <a:fld id="{FC9269F9-6F79-4414-A84E-D81C6C443C37}" type="datetimeFigureOut">
               <a:rPr lang="de-DE" smtClean="0"/>
-              <a:t>21.02.2020</a:t>
+              <a:t>02.11.2020</a:t>
             </a:fld>
             <a:endParaRPr lang="de-DE"/>
           </a:p>
@@ -3724,7 +4444,7 @@
           <a:p>
             <a:fld id="{FC9269F9-6F79-4414-A84E-D81C6C443C37}" type="datetimeFigureOut">
               <a:rPr lang="de-DE" smtClean="0"/>
-              <a:t>21.02.2020</a:t>
+              <a:t>02.11.2020</a:t>
             </a:fld>
             <a:endParaRPr lang="de-DE"/>
           </a:p>
@@ -3937,7 +4657,7 @@
           <a:p>
             <a:fld id="{FC9269F9-6F79-4414-A84E-D81C6C443C37}" type="datetimeFigureOut">
               <a:rPr lang="de-DE" smtClean="0"/>
-              <a:t>21.02.2020</a:t>
+              <a:t>02.11.2020</a:t>
             </a:fld>
             <a:endParaRPr lang="de-DE"/>
           </a:p>
@@ -4695,21 +5415,26 @@
         </p:nvSpPr>
         <p:spPr/>
         <p:txBody>
-          <a:bodyPr/>
+          <a:bodyPr>
+            <a:normAutofit/>
+          </a:bodyPr>
           <a:lstStyle/>
           <a:p>
+            <a:r>
+              <a:rPr lang="de-DE" dirty="0"/>
+              <a:t>Ein Programm für den </a:t>
+            </a:r>
             <a:r>
               <a:rPr lang="de-DE" dirty="0" err="1"/>
               <a:t>Calliope</a:t>
             </a:r>
             <a:r>
               <a:rPr lang="de-DE" dirty="0"/>
-              <a:t> </a:t>
-            </a:r>
-            <a:r>
-              <a:rPr lang="de-DE" dirty="0" err="1"/>
-              <a:t>Unboxing</a:t>
-            </a:r>
+              <a:t> schreiben</a:t>
+            </a:r>
+            <a:br>
+              <a:rPr lang="de-DE" dirty="0"/>
+            </a:br>
             <a:endParaRPr lang="de-DE" dirty="0"/>
           </a:p>
         </p:txBody>
@@ -4729,7 +5454,10 @@
           <a:bodyPr/>
           <a:lstStyle/>
           <a:p>
-            <a:endParaRPr lang="de-DE" dirty="0"/>
+            <a:r>
+              <a:rPr lang="de-DE" dirty="0"/>
+              <a:t>Grundlagen</a:t>
+            </a:r>
           </a:p>
         </p:txBody>
       </p:sp>
@@ -4745,259 +5473,383 @@
         </p:nvSpPr>
         <p:spPr>
           <a:xfrm>
-            <a:off x="4800581" y="1923896"/>
-            <a:ext cx="1688354" cy="1969150"/>
+            <a:off x="456983" y="1806764"/>
+            <a:ext cx="5929529" cy="6743356"/>
           </a:xfrm>
         </p:spPr>
         <p:txBody>
           <a:bodyPr/>
           <a:lstStyle/>
           <a:p>
-            <a:r>
-              <a:rPr lang="de-DE" dirty="0"/>
-              <a:t>Stückliste:</a:t>
-            </a:r>
-          </a:p>
-          <a:p>
-            <a:pPr marL="171450" indent="-171450">
-              <a:buFont typeface="Arial" panose="020B0604020202020204" pitchFamily="34" charset="0"/>
-              <a:buChar char="•"/>
+            <a:pPr marL="228600" lvl="0" indent="-228600">
+              <a:buFont typeface="+mj-lt"/>
+              <a:buAutoNum type="arabicPeriod"/>
             </a:pPr>
             <a:r>
-              <a:rPr lang="de-DE" dirty="0" err="1"/>
-              <a:t>Calliope</a:t>
-            </a:r>
-            <a:r>
-              <a:rPr lang="de-DE" dirty="0"/>
-              <a:t> (in Hülle)</a:t>
-            </a:r>
-          </a:p>
-          <a:p>
-            <a:pPr marL="171450" indent="-171450">
-              <a:buFont typeface="Arial" panose="020B0604020202020204" pitchFamily="34" charset="0"/>
-              <a:buChar char="•"/>
+              <a:rPr lang="de-DE" sz="1400" dirty="0"/>
+              <a:t>Füge nun den Block „zeige Zeichenfolge“ in den Block „Wenn Knopf A gedrückt“ ein</a:t>
+            </a:r>
+          </a:p>
+          <a:p>
+            <a:pPr marL="228600" lvl="0" indent="-228600">
+              <a:buFont typeface="+mj-lt"/>
+              <a:buAutoNum type="arabicPeriod"/>
             </a:pPr>
-            <a:r>
-              <a:rPr lang="de-DE" dirty="0"/>
-              <a:t>USB-Kabel</a:t>
-            </a:r>
-          </a:p>
-          <a:p>
-            <a:pPr marL="171450" indent="-171450">
-              <a:buFont typeface="Arial" panose="020B0604020202020204" pitchFamily="34" charset="0"/>
-              <a:buChar char="•"/>
+            <a:endParaRPr lang="de-DE" sz="1400" dirty="0"/>
+          </a:p>
+          <a:p>
+            <a:pPr marL="228600" lvl="0" indent="-228600">
+              <a:buFont typeface="+mj-lt"/>
+              <a:buAutoNum type="arabicPeriod"/>
             </a:pPr>
             <a:r>
-              <a:rPr lang="de-DE" dirty="0"/>
-              <a:t>Batteriepack mit 2 AAA Batterien</a:t>
-            </a:r>
-          </a:p>
-          <a:p>
-            <a:pPr marL="171450" indent="-171450">
-              <a:buFont typeface="Arial" panose="020B0604020202020204" pitchFamily="34" charset="0"/>
-              <a:buChar char="•"/>
+              <a:rPr lang="de-DE" sz="1400" dirty="0"/>
+              <a:t>Schreibe in den Textbereich des Blockes „zeige Text“ folgenden Text: „Hello World!“</a:t>
+            </a:r>
+          </a:p>
+          <a:p>
+            <a:pPr marL="228600" lvl="0" indent="-228600">
+              <a:buFont typeface="+mj-lt"/>
+              <a:buAutoNum type="arabicPeriod"/>
             </a:pPr>
-            <a:r>
-              <a:rPr lang="de-DE" dirty="0"/>
-              <a:t>Bedienungsanleitung</a:t>
-            </a:r>
-          </a:p>
-          <a:p>
-            <a:pPr marL="171450" indent="-171450">
-              <a:buFont typeface="Arial" panose="020B0604020202020204" pitchFamily="34" charset="0"/>
-              <a:buChar char="•"/>
+            <a:endParaRPr lang="de-DE" sz="1400" dirty="0"/>
+          </a:p>
+          <a:p>
+            <a:pPr marL="228600" lvl="0" indent="-228600">
+              <a:buFont typeface="+mj-lt"/>
+              <a:buAutoNum type="arabicPeriod"/>
             </a:pPr>
             <a:r>
-              <a:rPr lang="de-DE" dirty="0"/>
-              <a:t>Box </a:t>
-            </a:r>
+              <a:rPr lang="de-DE" sz="1400" dirty="0"/>
+              <a:t>Das Programm ist fertig und kann im „Vorschau &amp; Simulationsbereich“ auf der linken Seite angeschaut werden. Durch einen Klick auf den Knopf A wird die Laufschrift aktiviert.</a:t>
+            </a:r>
+          </a:p>
+          <a:p>
+            <a:pPr marL="228600" indent="-228600">
+              <a:buFont typeface="+mj-lt"/>
+              <a:buAutoNum type="arabicPeriod"/>
+            </a:pPr>
+            <a:endParaRPr lang="de-DE" dirty="0"/>
           </a:p>
         </p:txBody>
       </p:sp>
       <p:pic>
         <p:nvPicPr>
-          <p:cNvPr id="5" name="Grafik 4"/>
+          <p:cNvPr id="6" name="Grafik 5">
+            <a:extLst>
+              <a:ext uri="{FF2B5EF4-FFF2-40B4-BE49-F238E27FC236}">
+                <a16:creationId xmlns:a16="http://schemas.microsoft.com/office/drawing/2014/main" id="{EB6A2EC6-18DE-41B2-BCF0-C4C775D3D331}"/>
+              </a:ext>
+            </a:extLst>
+          </p:cNvPr>
           <p:cNvPicPr>
             <a:picLocks noChangeAspect="1"/>
           </p:cNvPicPr>
           <p:nvPr/>
         </p:nvPicPr>
         <p:blipFill>
-          <a:blip r:embed="rId2" cstate="print">
-            <a:extLst>
-              <a:ext uri="{28A0092B-C50C-407E-A947-70E740481C1C}">
-                <a14:useLocalDpi xmlns:a14="http://schemas.microsoft.com/office/drawing/2010/main" val="0"/>
-              </a:ext>
-            </a:extLst>
-          </a:blip>
+          <a:blip r:embed="rId2"/>
           <a:stretch>
             <a:fillRect/>
           </a:stretch>
         </p:blipFill>
         <p:spPr>
           <a:xfrm>
-            <a:off x="500126" y="4244886"/>
-            <a:ext cx="1845798" cy="1384739"/>
+            <a:off x="242576" y="4663829"/>
+            <a:ext cx="6349115" cy="3886291"/>
           </a:xfrm>
           <a:prstGeom prst="rect">
             <a:avLst/>
           </a:prstGeom>
         </p:spPr>
       </p:pic>
-      <p:pic>
-        <p:nvPicPr>
-          <p:cNvPr id="6" name="Grafik 5"/>
-          <p:cNvPicPr>
-            <a:picLocks noChangeAspect="1"/>
-          </p:cNvPicPr>
+      <p:sp>
+        <p:nvSpPr>
+          <p:cNvPr id="8" name="Rechteck 7">
+            <a:extLst>
+              <a:ext uri="{FF2B5EF4-FFF2-40B4-BE49-F238E27FC236}">
+                <a16:creationId xmlns:a16="http://schemas.microsoft.com/office/drawing/2014/main" id="{CE1AB847-489D-4813-B4BA-563E644ABE70}"/>
+              </a:ext>
+            </a:extLst>
+          </p:cNvPr>
+          <p:cNvSpPr/>
           <p:nvPr/>
-        </p:nvPicPr>
-        <p:blipFill>
-          <a:blip r:embed="rId3" cstate="print">
-            <a:extLst>
-              <a:ext uri="{28A0092B-C50C-407E-A947-70E740481C1C}">
-                <a14:useLocalDpi xmlns:a14="http://schemas.microsoft.com/office/drawing/2010/main" val="0"/>
-              </a:ext>
-            </a:extLst>
-          </a:blip>
-          <a:stretch>
-            <a:fillRect/>
-          </a:stretch>
-        </p:blipFill>
-        <p:spPr>
-          <a:xfrm>
-            <a:off x="2485418" y="1923896"/>
-            <a:ext cx="2148596" cy="1611902"/>
+        </p:nvSpPr>
+        <p:spPr>
+          <a:xfrm>
+            <a:off x="235744" y="5558090"/>
+            <a:ext cx="1652752" cy="2682240"/>
           </a:xfrm>
           <a:prstGeom prst="rect">
             <a:avLst/>
           </a:prstGeom>
-        </p:spPr>
-      </p:pic>
-      <p:pic>
-        <p:nvPicPr>
-          <p:cNvPr id="7" name="Grafik 6"/>
-          <p:cNvPicPr>
-            <a:picLocks noChangeAspect="1"/>
-          </p:cNvPicPr>
+          <a:noFill/>
+          <a:ln w="28575">
+            <a:solidFill>
+              <a:srgbClr val="FF0000"/>
+            </a:solidFill>
+          </a:ln>
+        </p:spPr>
+        <p:style>
+          <a:lnRef idx="2">
+            <a:schemeClr val="accent1">
+              <a:shade val="50000"/>
+            </a:schemeClr>
+          </a:lnRef>
+          <a:fillRef idx="1">
+            <a:schemeClr val="accent1"/>
+          </a:fillRef>
+          <a:effectRef idx="0">
+            <a:schemeClr val="accent1"/>
+          </a:effectRef>
+          <a:fontRef idx="minor">
+            <a:schemeClr val="lt1"/>
+          </a:fontRef>
+        </p:style>
+        <p:txBody>
+          <a:bodyPr rtlCol="0" anchor="ctr"/>
+          <a:lstStyle/>
+          <a:p>
+            <a:pPr algn="ctr"/>
+            <a:endParaRPr lang="de-DE"/>
+          </a:p>
+        </p:txBody>
+      </p:sp>
+      <p:sp>
+        <p:nvSpPr>
+          <p:cNvPr id="9" name="Rechteck 8">
+            <a:extLst>
+              <a:ext uri="{FF2B5EF4-FFF2-40B4-BE49-F238E27FC236}">
+                <a16:creationId xmlns:a16="http://schemas.microsoft.com/office/drawing/2014/main" id="{C85A66DF-EBA6-4A17-A1A6-EB3C2D6D7AC4}"/>
+              </a:ext>
+            </a:extLst>
+          </p:cNvPr>
+          <p:cNvSpPr/>
           <p:nvPr/>
-        </p:nvPicPr>
-        <p:blipFill>
-          <a:blip r:embed="rId4" cstate="print">
-            <a:extLst>
-              <a:ext uri="{28A0092B-C50C-407E-A947-70E740481C1C}">
-                <a14:useLocalDpi xmlns:a14="http://schemas.microsoft.com/office/drawing/2010/main" val="0"/>
-              </a:ext>
-            </a:extLst>
-          </a:blip>
-          <a:stretch>
-            <a:fillRect/>
-          </a:stretch>
-        </p:blipFill>
-        <p:spPr>
-          <a:xfrm>
-            <a:off x="917278" y="6449050"/>
-            <a:ext cx="2462487" cy="1847387"/>
+        </p:nvSpPr>
+        <p:spPr>
+          <a:xfrm>
+            <a:off x="3038855" y="5558090"/>
+            <a:ext cx="3471359" cy="2682240"/>
           </a:xfrm>
           <a:prstGeom prst="rect">
             <a:avLst/>
           </a:prstGeom>
-        </p:spPr>
-      </p:pic>
-      <p:pic>
-        <p:nvPicPr>
-          <p:cNvPr id="8" name="Grafik 7"/>
-          <p:cNvPicPr>
-            <a:picLocks noChangeAspect="1"/>
-          </p:cNvPicPr>
+          <a:noFill/>
+          <a:ln w="28575">
+            <a:solidFill>
+              <a:srgbClr val="92D050"/>
+            </a:solidFill>
+          </a:ln>
+        </p:spPr>
+        <p:style>
+          <a:lnRef idx="2">
+            <a:schemeClr val="accent1">
+              <a:shade val="50000"/>
+            </a:schemeClr>
+          </a:lnRef>
+          <a:fillRef idx="1">
+            <a:schemeClr val="accent1"/>
+          </a:fillRef>
+          <a:effectRef idx="0">
+            <a:schemeClr val="accent1"/>
+          </a:effectRef>
+          <a:fontRef idx="minor">
+            <a:schemeClr val="lt1"/>
+          </a:fontRef>
+        </p:style>
+        <p:txBody>
+          <a:bodyPr rtlCol="0" anchor="ctr"/>
+          <a:lstStyle/>
+          <a:p>
+            <a:pPr algn="ctr"/>
+            <a:endParaRPr lang="de-DE"/>
+          </a:p>
+        </p:txBody>
+      </p:sp>
+      <p:sp>
+        <p:nvSpPr>
+          <p:cNvPr id="10" name="Textfeld 9">
+            <a:extLst>
+              <a:ext uri="{FF2B5EF4-FFF2-40B4-BE49-F238E27FC236}">
+                <a16:creationId xmlns:a16="http://schemas.microsoft.com/office/drawing/2014/main" id="{DD3D363A-2A0A-4655-93E1-4201A1FDB347}"/>
+              </a:ext>
+            </a:extLst>
+          </p:cNvPr>
+          <p:cNvSpPr txBox="1"/>
           <p:nvPr/>
-        </p:nvPicPr>
-        <p:blipFill>
-          <a:blip r:embed="rId5" cstate="print">
-            <a:extLst>
-              <a:ext uri="{28A0092B-C50C-407E-A947-70E740481C1C}">
-                <a14:useLocalDpi xmlns:a14="http://schemas.microsoft.com/office/drawing/2010/main" val="0"/>
-              </a:ext>
-            </a:extLst>
-          </a:blip>
-          <a:stretch>
-            <a:fillRect/>
-          </a:stretch>
-        </p:blipFill>
-        <p:spPr>
-          <a:xfrm>
-            <a:off x="3731097" y="6452177"/>
-            <a:ext cx="2458319" cy="1844260"/>
+        </p:nvSpPr>
+        <p:spPr>
+          <a:xfrm>
+            <a:off x="221239" y="7610395"/>
+            <a:ext cx="1287468" cy="523220"/>
           </a:xfrm>
           <a:prstGeom prst="rect">
             <a:avLst/>
           </a:prstGeom>
-        </p:spPr>
-      </p:pic>
-      <p:pic>
-        <p:nvPicPr>
-          <p:cNvPr id="9" name="Grafik 8"/>
-          <p:cNvPicPr>
-            <a:picLocks noChangeAspect="1"/>
-          </p:cNvPicPr>
+          <a:noFill/>
+        </p:spPr>
+        <p:txBody>
+          <a:bodyPr wrap="none" rtlCol="0">
+            <a:spAutoFit/>
+          </a:bodyPr>
+          <a:lstStyle/>
+          <a:p>
+            <a:r>
+              <a:rPr lang="de-DE" sz="1400" dirty="0">
+                <a:solidFill>
+                  <a:srgbClr val="FF0000"/>
+                </a:solidFill>
+              </a:rPr>
+              <a:t>Voransicht </a:t>
+            </a:r>
+          </a:p>
+          <a:p>
+            <a:r>
+              <a:rPr lang="de-DE" sz="1400" dirty="0">
+                <a:solidFill>
+                  <a:srgbClr val="FF0000"/>
+                </a:solidFill>
+              </a:rPr>
+              <a:t>und Simulation</a:t>
+            </a:r>
+          </a:p>
+        </p:txBody>
+      </p:sp>
+      <p:sp>
+        <p:nvSpPr>
+          <p:cNvPr id="11" name="Textfeld 10">
+            <a:extLst>
+              <a:ext uri="{FF2B5EF4-FFF2-40B4-BE49-F238E27FC236}">
+                <a16:creationId xmlns:a16="http://schemas.microsoft.com/office/drawing/2014/main" id="{6CE631E5-7E59-40CD-B373-A2CBF7E31029}"/>
+              </a:ext>
+            </a:extLst>
+          </p:cNvPr>
+          <p:cNvSpPr txBox="1"/>
           <p:nvPr/>
-        </p:nvPicPr>
-        <p:blipFill>
-          <a:blip r:embed="rId6" cstate="print">
-            <a:extLst>
-              <a:ext uri="{28A0092B-C50C-407E-A947-70E740481C1C}">
-                <a14:useLocalDpi xmlns:a14="http://schemas.microsoft.com/office/drawing/2010/main" val="0"/>
-              </a:ext>
-            </a:extLst>
-          </a:blip>
-          <a:stretch>
-            <a:fillRect/>
-          </a:stretch>
-        </p:blipFill>
-        <p:spPr>
-          <a:xfrm>
-            <a:off x="4800581" y="4261846"/>
-            <a:ext cx="1799706" cy="1350818"/>
+        </p:nvSpPr>
+        <p:spPr>
+          <a:xfrm>
+            <a:off x="1917201" y="7829245"/>
+            <a:ext cx="1121654" cy="307777"/>
           </a:xfrm>
           <a:prstGeom prst="rect">
             <a:avLst/>
           </a:prstGeom>
-        </p:spPr>
-      </p:pic>
-      <p:pic>
-        <p:nvPicPr>
-          <p:cNvPr id="10" name="Grafik 9"/>
-          <p:cNvPicPr>
-            <a:picLocks noChangeAspect="1"/>
-          </p:cNvPicPr>
+          <a:noFill/>
+        </p:spPr>
+        <p:txBody>
+          <a:bodyPr wrap="none" rtlCol="0">
+            <a:spAutoFit/>
+          </a:bodyPr>
+          <a:lstStyle/>
+          <a:p>
+            <a:r>
+              <a:rPr lang="de-DE" sz="1400" dirty="0">
+                <a:solidFill>
+                  <a:srgbClr val="7030A0"/>
+                </a:solidFill>
+              </a:rPr>
+              <a:t>Blockbereich</a:t>
+            </a:r>
+          </a:p>
+        </p:txBody>
+      </p:sp>
+      <p:sp>
+        <p:nvSpPr>
+          <p:cNvPr id="12" name="Textfeld 11">
+            <a:extLst>
+              <a:ext uri="{FF2B5EF4-FFF2-40B4-BE49-F238E27FC236}">
+                <a16:creationId xmlns:a16="http://schemas.microsoft.com/office/drawing/2014/main" id="{58B9DD3A-767D-4BD4-94CF-3C1CD6EFA6A7}"/>
+              </a:ext>
+            </a:extLst>
+          </p:cNvPr>
+          <p:cNvSpPr txBox="1"/>
           <p:nvPr/>
-        </p:nvPicPr>
-        <p:blipFill>
-          <a:blip r:embed="rId7" cstate="print">
-            <a:extLst>
-              <a:ext uri="{28A0092B-C50C-407E-A947-70E740481C1C}">
-                <a14:useLocalDpi xmlns:a14="http://schemas.microsoft.com/office/drawing/2010/main" val="0"/>
-              </a:ext>
-            </a:extLst>
-          </a:blip>
-          <a:stretch>
-            <a:fillRect/>
-          </a:stretch>
-        </p:blipFill>
-        <p:spPr>
-          <a:xfrm>
-            <a:off x="2485418" y="3784581"/>
-            <a:ext cx="2175669" cy="2306466"/>
+        </p:nvSpPr>
+        <p:spPr>
+          <a:xfrm>
+            <a:off x="3043795" y="7831393"/>
+            <a:ext cx="1254702" cy="307777"/>
           </a:xfrm>
           <a:prstGeom prst="rect">
             <a:avLst/>
           </a:prstGeom>
-        </p:spPr>
-      </p:pic>
+          <a:noFill/>
+        </p:spPr>
+        <p:txBody>
+          <a:bodyPr wrap="none" rtlCol="0">
+            <a:spAutoFit/>
+          </a:bodyPr>
+          <a:lstStyle/>
+          <a:p>
+            <a:r>
+              <a:rPr lang="de-DE" sz="1400" dirty="0">
+                <a:solidFill>
+                  <a:srgbClr val="92D050"/>
+                </a:solidFill>
+              </a:rPr>
+              <a:t>Arbeitsbereich</a:t>
+            </a:r>
+          </a:p>
+        </p:txBody>
+      </p:sp>
+      <p:sp>
+        <p:nvSpPr>
+          <p:cNvPr id="13" name="Rechteck 12">
+            <a:extLst>
+              <a:ext uri="{FF2B5EF4-FFF2-40B4-BE49-F238E27FC236}">
+                <a16:creationId xmlns:a16="http://schemas.microsoft.com/office/drawing/2014/main" id="{D5529A55-EA32-48E9-B3A8-595EC560E2C4}"/>
+              </a:ext>
+            </a:extLst>
+          </p:cNvPr>
+          <p:cNvSpPr/>
+          <p:nvPr/>
+        </p:nvSpPr>
+        <p:spPr>
+          <a:xfrm>
+            <a:off x="1928119" y="5558090"/>
+            <a:ext cx="1071113" cy="2682240"/>
+          </a:xfrm>
+          <a:prstGeom prst="rect">
+            <a:avLst/>
+          </a:prstGeom>
+          <a:noFill/>
+          <a:ln w="28575">
+            <a:solidFill>
+              <a:srgbClr val="7030A0"/>
+            </a:solidFill>
+          </a:ln>
+        </p:spPr>
+        <p:style>
+          <a:lnRef idx="2">
+            <a:schemeClr val="accent1">
+              <a:shade val="50000"/>
+            </a:schemeClr>
+          </a:lnRef>
+          <a:fillRef idx="1">
+            <a:schemeClr val="accent1"/>
+          </a:fillRef>
+          <a:effectRef idx="0">
+            <a:schemeClr val="accent1"/>
+          </a:effectRef>
+          <a:fontRef idx="minor">
+            <a:schemeClr val="lt1"/>
+          </a:fontRef>
+        </p:style>
+        <p:txBody>
+          <a:bodyPr rtlCol="0" anchor="ctr"/>
+          <a:lstStyle/>
+          <a:p>
+            <a:pPr algn="ctr"/>
+            <a:endParaRPr lang="de-DE"/>
+          </a:p>
+        </p:txBody>
+      </p:sp>
     </p:spTree>
     <p:extLst>
       <p:ext uri="{BB962C8B-B14F-4D97-AF65-F5344CB8AC3E}">
-        <p14:creationId xmlns:p14="http://schemas.microsoft.com/office/powerpoint/2010/main" val="164617255"/>
+        <p14:creationId xmlns:p14="http://schemas.microsoft.com/office/powerpoint/2010/main" val="1453808479"/>
       </p:ext>
     </p:extLst>
   </p:cSld>
@@ -5041,8 +5893,20 @@
           <a:p>
             <a:r>
               <a:rPr lang="de-DE" dirty="0"/>
-              <a:t>Kurzanleitungen Standardbefehle</a:t>
-            </a:r>
+              <a:t>Ein Programm auf den </a:t>
+            </a:r>
+            <a:r>
+              <a:rPr lang="de-DE" dirty="0" err="1"/>
+              <a:t>Calliope</a:t>
+            </a:r>
+            <a:r>
+              <a:rPr lang="de-DE" dirty="0"/>
+              <a:t> hochladen</a:t>
+            </a:r>
+            <a:br>
+              <a:rPr lang="de-DE" dirty="0"/>
+            </a:br>
+            <a:endParaRPr lang="de-DE" dirty="0"/>
           </a:p>
         </p:txBody>
       </p:sp>
@@ -5061,369 +5925,489 @@
           <a:bodyPr/>
           <a:lstStyle/>
           <a:p>
-            <a:endParaRPr lang="de-DE"/>
-          </a:p>
-        </p:txBody>
-      </p:sp>
-      <p:pic>
-        <p:nvPicPr>
-          <p:cNvPr id="6" name="Inhaltsplatzhalter 5"/>
-          <p:cNvPicPr>
-            <a:picLocks noGrp="1" noChangeAspect="1"/>
-          </p:cNvPicPr>
+            <a:r>
+              <a:rPr lang="de-DE" dirty="0"/>
+              <a:t>Grundlagen</a:t>
+            </a:r>
+          </a:p>
+        </p:txBody>
+      </p:sp>
+      <p:sp>
+        <p:nvSpPr>
+          <p:cNvPr id="4" name="Inhaltsplatzhalter 3"/>
+          <p:cNvSpPr>
+            <a:spLocks noGrp="1"/>
+          </p:cNvSpPr>
           <p:nvPr>
             <p:ph sz="quarter" idx="14"/>
           </p:nvPr>
+        </p:nvSpPr>
+        <p:spPr>
+          <a:xfrm>
+            <a:off x="468001" y="2085975"/>
+            <a:ext cx="3619258" cy="6629400"/>
+          </a:xfrm>
+        </p:spPr>
+        <p:txBody>
+          <a:bodyPr/>
+          <a:lstStyle/>
+          <a:p>
+            <a:pPr marL="228600" lvl="0" indent="-228600">
+              <a:buFont typeface="+mj-lt"/>
+              <a:buAutoNum type="arabicPeriod"/>
+            </a:pPr>
+            <a:r>
+              <a:rPr lang="de-DE" sz="1400" dirty="0"/>
+              <a:t>Öffne </a:t>
+            </a:r>
+            <a:r>
+              <a:rPr lang="de-DE" sz="1400" b="1" dirty="0"/>
+              <a:t>makecode.calliope.cc/</a:t>
+            </a:r>
+            <a:r>
+              <a:rPr lang="de-DE" sz="1400" b="1" dirty="0" err="1"/>
+              <a:t>beta</a:t>
+            </a:r>
+            <a:r>
+              <a:rPr lang="de-DE" sz="1400" b="1" dirty="0"/>
+              <a:t> </a:t>
+            </a:r>
+            <a:r>
+              <a:rPr lang="de-DE" sz="1400" dirty="0"/>
+              <a:t>im </a:t>
+            </a:r>
+            <a:br>
+              <a:rPr lang="de-DE" sz="1400" dirty="0"/>
+            </a:br>
+            <a:r>
+              <a:rPr lang="de-DE" sz="1400" dirty="0"/>
+              <a:t>Web-Browser.</a:t>
+            </a:r>
+          </a:p>
+          <a:p>
+            <a:pPr marL="228600" lvl="0" indent="-228600">
+              <a:buFont typeface="+mj-lt"/>
+              <a:buAutoNum type="arabicPeriod"/>
+            </a:pPr>
+            <a:endParaRPr lang="de-DE" sz="1400" dirty="0"/>
+          </a:p>
+          <a:p>
+            <a:pPr marL="228600" indent="-228600">
+              <a:buFont typeface="+mj-lt"/>
+              <a:buAutoNum type="arabicPeriod"/>
+            </a:pPr>
+            <a:r>
+              <a:rPr lang="de-DE" sz="1400" dirty="0"/>
+              <a:t>Wähle nun einen Namen für das Programm, z.B. «</a:t>
+            </a:r>
+            <a:r>
+              <a:rPr lang="de-DE" sz="1400" dirty="0" err="1"/>
+              <a:t>mein_Code</a:t>
+            </a:r>
+            <a:r>
+              <a:rPr lang="de-DE" sz="1400" dirty="0"/>
+              <a:t>».</a:t>
+            </a:r>
+          </a:p>
+          <a:p>
+            <a:pPr marL="228600" lvl="0" indent="-228600">
+              <a:buFont typeface="+mj-lt"/>
+              <a:buAutoNum type="arabicPeriod"/>
+            </a:pPr>
+            <a:endParaRPr lang="de-DE" sz="1400" dirty="0"/>
+          </a:p>
+          <a:p>
+            <a:pPr marL="228600" lvl="0" indent="-228600">
+              <a:buFont typeface="+mj-lt"/>
+              <a:buAutoNum type="arabicPeriod"/>
+            </a:pPr>
+            <a:r>
+              <a:rPr lang="de-DE" sz="1400" dirty="0"/>
+              <a:t>Die Erstellung des Beispielcodes </a:t>
+            </a:r>
+            <a:br>
+              <a:rPr lang="de-DE" sz="1400" dirty="0"/>
+            </a:br>
+            <a:r>
+              <a:rPr lang="de-DE" sz="1400" dirty="0"/>
+              <a:t>„</a:t>
+            </a:r>
+            <a:r>
+              <a:rPr lang="de-DE" sz="1400" dirty="0" err="1"/>
+              <a:t>Hello</a:t>
+            </a:r>
+            <a:r>
+              <a:rPr lang="de-DE" sz="1400" dirty="0"/>
+              <a:t> World“ haben wir im vorherigen Kapitel behandelt.</a:t>
+            </a:r>
+          </a:p>
+          <a:p>
+            <a:pPr marL="228600" lvl="0" indent="-228600">
+              <a:buFont typeface="+mj-lt"/>
+              <a:buAutoNum type="arabicPeriod"/>
+            </a:pPr>
+            <a:endParaRPr lang="de-DE" sz="1400" dirty="0"/>
+          </a:p>
+          <a:p>
+            <a:pPr marL="228600" indent="-228600">
+              <a:buFont typeface="+mj-lt"/>
+              <a:buAutoNum type="arabicPeriod"/>
+            </a:pPr>
+            <a:endParaRPr lang="de-DE" sz="1400" dirty="0"/>
+          </a:p>
+          <a:p>
+            <a:pPr marL="228600" lvl="0" indent="-228600">
+              <a:buFont typeface="+mj-lt"/>
+              <a:buAutoNum type="arabicPeriod"/>
+            </a:pPr>
+            <a:r>
+              <a:rPr lang="de-DE" sz="1400" dirty="0"/>
+              <a:t>Klicke auf «Herunterladen» und speichere die Datei «mini-</a:t>
+            </a:r>
+            <a:r>
+              <a:rPr lang="de-DE" sz="1400" dirty="0" err="1"/>
+              <a:t>mein_Code.hex</a:t>
+            </a:r>
+            <a:r>
+              <a:rPr lang="de-DE" sz="1400" dirty="0"/>
+              <a:t>».</a:t>
+            </a:r>
+          </a:p>
+          <a:p>
+            <a:pPr marL="228600" indent="-228600">
+              <a:buFont typeface="+mj-lt"/>
+              <a:buAutoNum type="arabicPeriod"/>
+            </a:pPr>
+            <a:endParaRPr lang="de-DE" sz="1400" dirty="0"/>
+          </a:p>
+          <a:p>
+            <a:pPr marL="228600" indent="-228600">
+              <a:buFont typeface="+mj-lt"/>
+              <a:buAutoNum type="arabicPeriod"/>
+            </a:pPr>
+            <a:r>
+              <a:rPr lang="de-DE" sz="1400" dirty="0"/>
+              <a:t>Schließe den </a:t>
+            </a:r>
+            <a:r>
+              <a:rPr lang="de-DE" sz="1400" dirty="0" err="1"/>
+              <a:t>Calliope</a:t>
+            </a:r>
+            <a:r>
+              <a:rPr lang="de-DE" sz="1400" dirty="0"/>
+              <a:t> über das USB-Kabel an. </a:t>
+            </a:r>
+          </a:p>
+          <a:p>
+            <a:pPr marL="228600" indent="-228600">
+              <a:buFont typeface="+mj-lt"/>
+              <a:buAutoNum type="arabicPeriod"/>
+            </a:pPr>
+            <a:endParaRPr lang="de-DE" sz="1400" dirty="0"/>
+          </a:p>
+          <a:p>
+            <a:pPr marL="228600" lvl="0" indent="-228600">
+              <a:buFont typeface="+mj-lt"/>
+              <a:buAutoNum type="arabicPeriod"/>
+            </a:pPr>
+            <a:r>
+              <a:rPr lang="de-DE" sz="1400" dirty="0"/>
+              <a:t>Öffne den Datei-Explorer (</a:t>
+            </a:r>
+            <a:r>
+              <a:rPr lang="de-DE" sz="1400" dirty="0" err="1"/>
+              <a:t>Win</a:t>
+            </a:r>
+            <a:r>
+              <a:rPr lang="de-DE" sz="1400" dirty="0"/>
+              <a:t>) oder Finder (Mac) und ziehe die gespeicherte Datei auf das Laufwerk «MINI».</a:t>
+            </a:r>
+          </a:p>
+          <a:p>
+            <a:pPr marL="228600" indent="-228600">
+              <a:buFont typeface="+mj-lt"/>
+              <a:buAutoNum type="arabicPeriod"/>
+            </a:pPr>
+            <a:endParaRPr lang="de-DE" sz="1400" dirty="0"/>
+          </a:p>
+          <a:p>
+            <a:pPr marL="228600" lvl="0" indent="-228600">
+              <a:buFont typeface="+mj-lt"/>
+              <a:buAutoNum type="arabicPeriod"/>
+            </a:pPr>
+            <a:r>
+              <a:rPr lang="de-DE" sz="1400" dirty="0"/>
+              <a:t>Solange das Programm auf den </a:t>
+            </a:r>
+            <a:r>
+              <a:rPr lang="de-DE" sz="1400" dirty="0" err="1"/>
+              <a:t>Calliope</a:t>
+            </a:r>
+            <a:r>
+              <a:rPr lang="de-DE" sz="1400" dirty="0"/>
+              <a:t> hochgeladen wird, blinkt ein gelbes Licht auf der Vorderseite. Das Programm startet anschließend von selbst.</a:t>
+            </a:r>
+          </a:p>
+          <a:p>
+            <a:pPr marL="228600" indent="-228600">
+              <a:buFont typeface="+mj-lt"/>
+              <a:buAutoNum type="arabicPeriod"/>
+            </a:pPr>
+            <a:endParaRPr lang="de-DE" sz="1400" dirty="0"/>
+          </a:p>
+          <a:p>
+            <a:pPr marL="228600" lvl="0" indent="-228600">
+              <a:buFont typeface="+mj-lt"/>
+              <a:buAutoNum type="arabicPeriod"/>
+            </a:pPr>
+            <a:r>
+              <a:rPr lang="de-DE" sz="1400" dirty="0"/>
+              <a:t>Bei jeder Änderung des Programmes muss es neu auf den </a:t>
+            </a:r>
+            <a:r>
+              <a:rPr lang="de-DE" sz="1400" dirty="0" err="1"/>
+              <a:t>Calliope</a:t>
+            </a:r>
+            <a:r>
+              <a:rPr lang="de-DE" sz="1400" dirty="0"/>
+              <a:t> hochgeladen werden (Schritt 4 - 7 wiederholen).</a:t>
+            </a:r>
+          </a:p>
+          <a:p>
+            <a:pPr marL="228600" indent="-228600">
+              <a:buFont typeface="+mj-lt"/>
+              <a:buAutoNum type="arabicPeriod"/>
+            </a:pPr>
+            <a:endParaRPr lang="de-DE" dirty="0"/>
+          </a:p>
+        </p:txBody>
+      </p:sp>
+      <p:pic>
+        <p:nvPicPr>
+          <p:cNvPr id="8" name="Grafik 7"/>
+          <p:cNvPicPr/>
+          <p:nvPr/>
         </p:nvPicPr>
-        <p:blipFill>
-          <a:blip r:embed="rId2">
+        <p:blipFill rotWithShape="1">
+          <a:blip r:embed="rId2" cstate="print">
             <a:extLst>
               <a:ext uri="{28A0092B-C50C-407E-A947-70E740481C1C}">
                 <a14:useLocalDpi xmlns:a14="http://schemas.microsoft.com/office/drawing/2010/main" val="0"/>
               </a:ext>
             </a:extLst>
           </a:blip>
-          <a:stretch>
-            <a:fillRect/>
-          </a:stretch>
+          <a:srcRect r="14640"/>
+          <a:stretch/>
         </p:blipFill>
-        <p:spPr>
-          <a:xfrm>
-            <a:off x="490753" y="1389847"/>
-            <a:ext cx="3198259" cy="3609975"/>
-          </a:xfrm>
+        <p:spPr bwMode="auto">
+          <a:xfrm>
+            <a:off x="4120889" y="5159303"/>
+            <a:ext cx="2409825" cy="3336290"/>
+          </a:xfrm>
+          <a:prstGeom prst="rect">
+            <a:avLst/>
+          </a:prstGeom>
+          <a:ln>
+            <a:noFill/>
+          </a:ln>
+          <a:extLst>
+            <a:ext uri="{53640926-AAD7-44D8-BBD7-CCE9431645EC}">
+              <a14:shadowObscured xmlns:a14="http://schemas.microsoft.com/office/drawing/2010/main"/>
+            </a:ext>
+          </a:extLst>
         </p:spPr>
       </p:pic>
       <p:sp>
         <p:nvSpPr>
-          <p:cNvPr id="7" name="Textfeld 6"/>
-          <p:cNvSpPr txBox="1"/>
+          <p:cNvPr id="9" name="Ellipse 8"/>
+          <p:cNvSpPr/>
           <p:nvPr/>
         </p:nvSpPr>
         <p:spPr>
           <a:xfrm>
-            <a:off x="3689012" y="1351747"/>
-            <a:ext cx="2845138" cy="4031873"/>
-          </a:xfrm>
-          <a:prstGeom prst="rect">
+            <a:off x="5382659" y="5868969"/>
+            <a:ext cx="1266825" cy="361950"/>
+          </a:xfrm>
+          <a:prstGeom prst="ellipse">
             <a:avLst/>
           </a:prstGeom>
           <a:noFill/>
-        </p:spPr>
-        <p:txBody>
-          <a:bodyPr wrap="square" rtlCol="0">
-            <a:spAutoFit/>
+          <a:ln w="19050">
+            <a:solidFill>
+              <a:srgbClr val="FF0000"/>
+            </a:solidFill>
+          </a:ln>
+        </p:spPr>
+        <p:style>
+          <a:lnRef idx="2">
+            <a:schemeClr val="accent2"/>
+          </a:lnRef>
+          <a:fillRef idx="1">
+            <a:schemeClr val="lt1"/>
+          </a:fillRef>
+          <a:effectRef idx="0">
+            <a:schemeClr val="accent2"/>
+          </a:effectRef>
+          <a:fontRef idx="minor">
+            <a:schemeClr val="dk1"/>
+          </a:fontRef>
+        </p:style>
+        <p:txBody>
+          <a:bodyPr rot="0" spcFirstLastPara="0" vert="horz" wrap="square" lIns="91440" tIns="45720" rIns="91440" bIns="45720" numCol="1" spcCol="0" rtlCol="0" fromWordArt="0" anchor="ctr" anchorCtr="0" forceAA="0" compatLnSpc="1">
+            <a:prstTxWarp prst="textNoShape">
+              <a:avLst/>
+            </a:prstTxWarp>
+            <a:noAutofit/>
           </a:bodyPr>
           <a:lstStyle/>
           <a:p>
-            <a:r>
-              <a:rPr lang="de-DE" sz="2000" dirty="0"/>
-              <a:t>Grundlagen:</a:t>
-            </a:r>
-          </a:p>
-          <a:p>
-            <a:pPr marL="285750" indent="-285750">
-              <a:buFont typeface="Arial" panose="020B0604020202020204" pitchFamily="34" charset="0"/>
-              <a:buChar char="•"/>
-            </a:pPr>
-            <a:r>
-              <a:rPr lang="de-DE" sz="1600" dirty="0"/>
-              <a:t>LED-Matrix</a:t>
-            </a:r>
-            <a:br>
-              <a:rPr lang="de-DE" sz="1600" dirty="0"/>
-            </a:br>
-            <a:r>
-              <a:rPr lang="de-DE" sz="1600" dirty="0"/>
-              <a:t>(Lauftext, Symbole, Zahlen)</a:t>
-            </a:r>
-          </a:p>
-          <a:p>
-            <a:pPr marL="285750" indent="-285750">
-              <a:buFont typeface="Arial" panose="020B0604020202020204" pitchFamily="34" charset="0"/>
-              <a:buChar char="•"/>
-            </a:pPr>
-            <a:r>
-              <a:rPr lang="de-DE" sz="1600" dirty="0"/>
-              <a:t>RGB-LED</a:t>
-            </a:r>
-          </a:p>
-          <a:p>
-            <a:pPr marL="285750" indent="-285750">
-              <a:buFont typeface="Arial" panose="020B0604020202020204" pitchFamily="34" charset="0"/>
-              <a:buChar char="•"/>
-            </a:pPr>
-            <a:r>
-              <a:rPr lang="de-DE" sz="1600" dirty="0"/>
-              <a:t>Pause</a:t>
-            </a:r>
-          </a:p>
-          <a:p>
-            <a:pPr marL="285750" indent="-285750">
-              <a:buFont typeface="Arial" panose="020B0604020202020204" pitchFamily="34" charset="0"/>
-              <a:buChar char="•"/>
-            </a:pPr>
-            <a:r>
-              <a:rPr lang="de-DE" sz="1600" dirty="0"/>
-              <a:t>Dauerhaft</a:t>
-            </a:r>
-          </a:p>
-          <a:p>
-            <a:r>
-              <a:rPr lang="de-DE" sz="2000" dirty="0"/>
-              <a:t>Eingabe:</a:t>
-            </a:r>
-          </a:p>
-          <a:p>
-            <a:pPr marL="285750" indent="-285750">
-              <a:buFont typeface="Arial" panose="020B0604020202020204" pitchFamily="34" charset="0"/>
-              <a:buChar char="•"/>
-            </a:pPr>
-            <a:r>
-              <a:rPr lang="de-DE" sz="1600" dirty="0"/>
-              <a:t>Event-Handler</a:t>
-            </a:r>
-          </a:p>
-          <a:p>
-            <a:pPr marL="285750" indent="-285750">
-              <a:buFont typeface="Arial" panose="020B0604020202020204" pitchFamily="34" charset="0"/>
-              <a:buChar char="•"/>
-            </a:pPr>
-            <a:r>
-              <a:rPr lang="de-DE" sz="1600" dirty="0"/>
-              <a:t>Sensorwerte</a:t>
-            </a:r>
-          </a:p>
-          <a:p>
-            <a:r>
-              <a:rPr lang="de-DE" sz="2000" dirty="0"/>
-              <a:t>Musik:</a:t>
-            </a:r>
-          </a:p>
-          <a:p>
-            <a:pPr marL="285750" indent="-285750">
-              <a:buFont typeface="Arial" panose="020B0604020202020204" pitchFamily="34" charset="0"/>
-              <a:buChar char="•"/>
-            </a:pPr>
-            <a:r>
-              <a:rPr lang="de-DE" sz="1600" dirty="0"/>
-              <a:t>Noten</a:t>
-            </a:r>
-          </a:p>
-          <a:p>
-            <a:pPr marL="285750" indent="-285750">
-              <a:buFont typeface="Arial" panose="020B0604020202020204" pitchFamily="34" charset="0"/>
-              <a:buChar char="•"/>
-            </a:pPr>
-            <a:r>
-              <a:rPr lang="de-DE" sz="1600" dirty="0"/>
-              <a:t>Beatgeschwindigkeit</a:t>
-            </a:r>
-          </a:p>
-          <a:p>
-            <a:r>
-              <a:rPr lang="de-DE" sz="2000" dirty="0"/>
-              <a:t>LED:</a:t>
-            </a:r>
-          </a:p>
-          <a:p>
-            <a:pPr marL="285750" indent="-285750">
-              <a:buFont typeface="Arial" panose="020B0604020202020204" pitchFamily="34" charset="0"/>
-              <a:buChar char="•"/>
-            </a:pPr>
-            <a:r>
-              <a:rPr lang="de-DE" sz="1600" dirty="0"/>
-              <a:t>Sonderfunktionen LED-Matrix</a:t>
-            </a:r>
-          </a:p>
-        </p:txBody>
-      </p:sp>
-      <p:sp>
-        <p:nvSpPr>
-          <p:cNvPr id="8" name="Textfeld 7"/>
-          <p:cNvSpPr txBox="1"/>
+            <a:endParaRPr lang="de-DE"/>
+          </a:p>
+        </p:txBody>
+      </p:sp>
+      <p:sp>
+        <p:nvSpPr>
+          <p:cNvPr id="10" name="Ellipse 9"/>
+          <p:cNvSpPr/>
           <p:nvPr/>
         </p:nvSpPr>
         <p:spPr>
           <a:xfrm>
-            <a:off x="490753" y="5102216"/>
-            <a:ext cx="6043397" cy="3908762"/>
-          </a:xfrm>
-          <a:prstGeom prst="rect">
+            <a:off x="4087259" y="7963199"/>
+            <a:ext cx="762000" cy="304800"/>
+          </a:xfrm>
+          <a:prstGeom prst="ellipse">
             <a:avLst/>
           </a:prstGeom>
           <a:noFill/>
-        </p:spPr>
-        <p:txBody>
-          <a:bodyPr wrap="square" rtlCol="0">
-            <a:spAutoFit/>
+          <a:ln w="19050">
+            <a:solidFill>
+              <a:srgbClr val="FF0000"/>
+            </a:solidFill>
+          </a:ln>
+        </p:spPr>
+        <p:style>
+          <a:lnRef idx="2">
+            <a:schemeClr val="accent2"/>
+          </a:lnRef>
+          <a:fillRef idx="1">
+            <a:schemeClr val="lt1"/>
+          </a:fillRef>
+          <a:effectRef idx="0">
+            <a:schemeClr val="accent2"/>
+          </a:effectRef>
+          <a:fontRef idx="minor">
+            <a:schemeClr val="dk1"/>
+          </a:fontRef>
+        </p:style>
+        <p:txBody>
+          <a:bodyPr rot="0" spcFirstLastPara="0" vert="horz" wrap="square" lIns="91440" tIns="45720" rIns="91440" bIns="45720" numCol="1" spcCol="0" rtlCol="0" fromWordArt="0" anchor="ctr" anchorCtr="0" forceAA="0" compatLnSpc="1">
+            <a:prstTxWarp prst="textNoShape">
+              <a:avLst/>
+            </a:prstTxWarp>
+            <a:noAutofit/>
           </a:bodyPr>
           <a:lstStyle/>
           <a:p>
-            <a:r>
-              <a:rPr lang="de-DE" sz="2000" dirty="0"/>
-              <a:t>Schleifen:</a:t>
-            </a:r>
-          </a:p>
-          <a:p>
-            <a:pPr marL="285750" indent="-285750">
-              <a:buFont typeface="Arial" panose="020B0604020202020204" pitchFamily="34" charset="0"/>
-              <a:buChar char="•"/>
-            </a:pPr>
-            <a:r>
-              <a:rPr lang="de-DE" sz="1600" dirty="0"/>
-              <a:t>Wiederholung von Programmteilen</a:t>
-            </a:r>
-          </a:p>
-          <a:p>
-            <a:r>
-              <a:rPr lang="de-DE" sz="2000" dirty="0"/>
-              <a:t>Logik:</a:t>
-            </a:r>
-          </a:p>
-          <a:p>
-            <a:pPr marL="285750" indent="-285750">
-              <a:buFont typeface="Arial" panose="020B0604020202020204" pitchFamily="34" charset="0"/>
-              <a:buChar char="•"/>
-            </a:pPr>
-            <a:r>
-              <a:rPr lang="de-DE" sz="1600" dirty="0"/>
-              <a:t>Vergleiche und andere Wahrheitsüberprüfungen</a:t>
-            </a:r>
-          </a:p>
-          <a:p>
-            <a:pPr marL="285750" indent="-285750">
-              <a:buFont typeface="Arial" panose="020B0604020202020204" pitchFamily="34" charset="0"/>
-              <a:buChar char="•"/>
-            </a:pPr>
-            <a:r>
-              <a:rPr lang="de-DE" sz="1600" dirty="0"/>
-              <a:t>Wenn-Dann-Funktionen</a:t>
-            </a:r>
-          </a:p>
-          <a:p>
-            <a:r>
-              <a:rPr lang="de-DE" sz="2000" dirty="0"/>
-              <a:t>Variablen</a:t>
-            </a:r>
-          </a:p>
-          <a:p>
-            <a:pPr marL="285750" indent="-285750">
-              <a:buFont typeface="Arial" panose="020B0604020202020204" pitchFamily="34" charset="0"/>
-              <a:buChar char="•"/>
-            </a:pPr>
-            <a:r>
-              <a:rPr lang="de-DE" sz="1600" dirty="0"/>
-              <a:t>Funktionen rund um Platzhalter/Parameter</a:t>
-            </a:r>
-          </a:p>
-          <a:p>
-            <a:r>
-              <a:rPr lang="de-DE" sz="2000" dirty="0"/>
-              <a:t>Mathematik:</a:t>
-            </a:r>
-          </a:p>
-          <a:p>
-            <a:pPr marL="285750" indent="-285750">
-              <a:buFont typeface="Arial" panose="020B0604020202020204" pitchFamily="34" charset="0"/>
-              <a:buChar char="•"/>
-            </a:pPr>
-            <a:r>
-              <a:rPr lang="de-DE" sz="1600" dirty="0"/>
-              <a:t>Rechenfunktionen</a:t>
-            </a:r>
-          </a:p>
-          <a:p>
-            <a:r>
-              <a:rPr lang="de-DE" sz="2000" dirty="0"/>
-              <a:t>Funk:</a:t>
-            </a:r>
-          </a:p>
-          <a:p>
-            <a:pPr marL="285750" indent="-285750">
-              <a:buFont typeface="Arial" panose="020B0604020202020204" pitchFamily="34" charset="0"/>
-              <a:buChar char="•"/>
-            </a:pPr>
-            <a:r>
-              <a:rPr lang="de-DE" sz="1600" dirty="0"/>
-              <a:t>Bluetooth</a:t>
-            </a:r>
-          </a:p>
-          <a:p>
-            <a:r>
-              <a:rPr lang="de-DE" sz="2000" dirty="0"/>
-              <a:t>Motoren:</a:t>
-            </a:r>
-          </a:p>
-          <a:p>
-            <a:pPr marL="285750" indent="-285750">
-              <a:buFont typeface="Arial" panose="020B0604020202020204" pitchFamily="34" charset="0"/>
-              <a:buChar char="•"/>
-            </a:pPr>
-            <a:r>
-              <a:rPr lang="de-DE" sz="1600" dirty="0"/>
-              <a:t>Einstellung der Geschwindigkeit und Richtung der Antriebe</a:t>
-            </a:r>
-          </a:p>
-          <a:p>
-            <a:endParaRPr lang="de-DE" sz="1600" dirty="0"/>
-          </a:p>
-        </p:txBody>
-      </p:sp>
+            <a:endParaRPr lang="de-DE"/>
+          </a:p>
+        </p:txBody>
+      </p:sp>
+      <p:cxnSp>
+        <p:nvCxnSpPr>
+          <p:cNvPr id="11" name="Gerade Verbindung mit Pfeil 10"/>
+          <p:cNvCxnSpPr/>
+          <p:nvPr/>
+        </p:nvCxnSpPr>
+        <p:spPr>
+          <a:xfrm flipH="1">
+            <a:off x="4810524" y="6239174"/>
+            <a:ext cx="1181100" cy="1790700"/>
+          </a:xfrm>
+          <a:prstGeom prst="straightConnector1">
+            <a:avLst/>
+          </a:prstGeom>
+          <a:ln w="19050">
+            <a:solidFill>
+              <a:srgbClr val="FF0000"/>
+            </a:solidFill>
+            <a:tailEnd type="triangle"/>
+          </a:ln>
+        </p:spPr>
+        <p:style>
+          <a:lnRef idx="1">
+            <a:schemeClr val="accent1"/>
+          </a:lnRef>
+          <a:fillRef idx="0">
+            <a:schemeClr val="accent1"/>
+          </a:fillRef>
+          <a:effectRef idx="0">
+            <a:schemeClr val="accent1"/>
+          </a:effectRef>
+          <a:fontRef idx="minor">
+            <a:schemeClr val="tx1"/>
+          </a:fontRef>
+        </p:style>
+      </p:cxnSp>
       <p:pic>
         <p:nvPicPr>
-          <p:cNvPr id="9" name="Grafik 8"/>
+          <p:cNvPr id="13" name="Grafik 12">
+            <a:extLst>
+              <a:ext uri="{FF2B5EF4-FFF2-40B4-BE49-F238E27FC236}">
+                <a16:creationId xmlns:a16="http://schemas.microsoft.com/office/drawing/2014/main" id="{CD0A5D1E-77AF-4AA3-B95D-391362F3B660}"/>
+              </a:ext>
+            </a:extLst>
+          </p:cNvPr>
           <p:cNvPicPr>
             <a:picLocks noChangeAspect="1"/>
           </p:cNvPicPr>
           <p:nvPr/>
         </p:nvPicPr>
         <p:blipFill>
-          <a:blip r:embed="rId3">
-            <a:extLst>
-              <a:ext uri="{28A0092B-C50C-407E-A947-70E740481C1C}">
-                <a14:useLocalDpi xmlns:a14="http://schemas.microsoft.com/office/drawing/2010/main" val="0"/>
-              </a:ext>
-            </a:extLst>
-          </a:blip>
+          <a:blip r:embed="rId3"/>
           <a:stretch>
             <a:fillRect/>
           </a:stretch>
         </p:blipFill>
         <p:spPr>
           <a:xfrm>
-            <a:off x="3752555" y="2956900"/>
-            <a:ext cx="1727289" cy="273064"/>
+            <a:off x="4287774" y="1971312"/>
+            <a:ext cx="1904365" cy="1288982"/>
           </a:xfrm>
           <a:prstGeom prst="rect">
             <a:avLst/>
           </a:prstGeom>
+          <a:ln>
+            <a:solidFill>
+              <a:schemeClr val="tx1"/>
+            </a:solidFill>
+          </a:ln>
         </p:spPr>
       </p:pic>
       <p:pic>
         <p:nvPicPr>
-          <p:cNvPr id="10" name="Grafik 9"/>
+          <p:cNvPr id="5" name="Grafik 4">
+            <a:extLst>
+              <a:ext uri="{FF2B5EF4-FFF2-40B4-BE49-F238E27FC236}">
+                <a16:creationId xmlns:a16="http://schemas.microsoft.com/office/drawing/2014/main" id="{0F06347D-80F8-46AD-9E49-56025F746E58}"/>
+              </a:ext>
+            </a:extLst>
+          </p:cNvPr>
           <p:cNvPicPr>
             <a:picLocks noChangeAspect="1"/>
           </p:cNvPicPr>
           <p:nvPr/>
         </p:nvPicPr>
         <p:blipFill>
-          <a:blip r:embed="rId4">
-            <a:extLst>
-              <a:ext uri="{28A0092B-C50C-407E-A947-70E740481C1C}">
-                <a14:useLocalDpi xmlns:a14="http://schemas.microsoft.com/office/drawing/2010/main" val="0"/>
-              </a:ext>
-            </a:extLst>
-          </a:blip>
+          <a:blip r:embed="rId4"/>
           <a:stretch>
             <a:fillRect/>
           </a:stretch>
         </p:blipFill>
         <p:spPr>
           <a:xfrm>
-            <a:off x="490752" y="7608791"/>
-            <a:ext cx="1727289" cy="273064"/>
+            <a:off x="4287774" y="4637783"/>
+            <a:ext cx="1866900" cy="333375"/>
           </a:xfrm>
           <a:prstGeom prst="rect">
             <a:avLst/>
@@ -5432,238 +6416,28 @@
       </p:pic>
       <p:pic>
         <p:nvPicPr>
-          <p:cNvPr id="11" name="Grafik 10"/>
+          <p:cNvPr id="14" name="Grafik 13">
+            <a:extLst>
+              <a:ext uri="{FF2B5EF4-FFF2-40B4-BE49-F238E27FC236}">
+                <a16:creationId xmlns:a16="http://schemas.microsoft.com/office/drawing/2014/main" id="{B3BDECC5-6075-4892-BA39-07F4DD8A353D}"/>
+              </a:ext>
+            </a:extLst>
+          </p:cNvPr>
           <p:cNvPicPr>
             <a:picLocks noChangeAspect="1"/>
           </p:cNvPicPr>
           <p:nvPr/>
         </p:nvPicPr>
         <p:blipFill>
-          <a:blip r:embed="rId5">
-            <a:extLst>
-              <a:ext uri="{28A0092B-C50C-407E-A947-70E740481C1C}">
-                <a14:useLocalDpi xmlns:a14="http://schemas.microsoft.com/office/drawing/2010/main" val="0"/>
-              </a:ext>
-            </a:extLst>
-          </a:blip>
+          <a:blip r:embed="rId5"/>
           <a:stretch>
             <a:fillRect/>
           </a:stretch>
         </p:blipFill>
         <p:spPr>
           <a:xfrm>
-            <a:off x="3752556" y="1433915"/>
-            <a:ext cx="1727289" cy="273064"/>
-          </a:xfrm>
-          <a:prstGeom prst="rect">
-            <a:avLst/>
-          </a:prstGeom>
-        </p:spPr>
-      </p:pic>
-      <p:pic>
-        <p:nvPicPr>
-          <p:cNvPr id="12" name="Grafik 11"/>
-          <p:cNvPicPr>
-            <a:picLocks noChangeAspect="1"/>
-          </p:cNvPicPr>
-          <p:nvPr/>
-        </p:nvPicPr>
-        <p:blipFill>
-          <a:blip r:embed="rId6">
-            <a:extLst>
-              <a:ext uri="{28A0092B-C50C-407E-A947-70E740481C1C}">
-                <a14:useLocalDpi xmlns:a14="http://schemas.microsoft.com/office/drawing/2010/main" val="0"/>
-              </a:ext>
-            </a:extLst>
-          </a:blip>
-          <a:stretch>
-            <a:fillRect/>
-          </a:stretch>
-        </p:blipFill>
-        <p:spPr>
-          <a:xfrm>
-            <a:off x="3755687" y="4550310"/>
-            <a:ext cx="1727289" cy="273064"/>
-          </a:xfrm>
-          <a:prstGeom prst="rect">
-            <a:avLst/>
-          </a:prstGeom>
-        </p:spPr>
-      </p:pic>
-      <p:pic>
-        <p:nvPicPr>
-          <p:cNvPr id="13" name="Grafik 12"/>
-          <p:cNvPicPr>
-            <a:picLocks noChangeAspect="1"/>
-          </p:cNvPicPr>
-          <p:nvPr/>
-        </p:nvPicPr>
-        <p:blipFill>
-          <a:blip r:embed="rId7">
-            <a:extLst>
-              <a:ext uri="{28A0092B-C50C-407E-A947-70E740481C1C}">
-                <a14:useLocalDpi xmlns:a14="http://schemas.microsoft.com/office/drawing/2010/main" val="0"/>
-              </a:ext>
-            </a:extLst>
-          </a:blip>
-          <a:stretch>
-            <a:fillRect/>
-          </a:stretch>
-        </p:blipFill>
-        <p:spPr>
-          <a:xfrm>
-            <a:off x="490752" y="5734164"/>
-            <a:ext cx="1727289" cy="273064"/>
-          </a:xfrm>
-          <a:prstGeom prst="rect">
-            <a:avLst/>
-          </a:prstGeom>
-        </p:spPr>
-      </p:pic>
-      <p:pic>
-        <p:nvPicPr>
-          <p:cNvPr id="14" name="Grafik 13"/>
-          <p:cNvPicPr>
-            <a:picLocks noChangeAspect="1"/>
-          </p:cNvPicPr>
-          <p:nvPr/>
-        </p:nvPicPr>
-        <p:blipFill>
-          <a:blip r:embed="rId8">
-            <a:extLst>
-              <a:ext uri="{28A0092B-C50C-407E-A947-70E740481C1C}">
-                <a14:useLocalDpi xmlns:a14="http://schemas.microsoft.com/office/drawing/2010/main" val="0"/>
-              </a:ext>
-            </a:extLst>
-          </a:blip>
-          <a:stretch>
-            <a:fillRect/>
-          </a:stretch>
-        </p:blipFill>
-        <p:spPr>
-          <a:xfrm>
-            <a:off x="490752" y="7062204"/>
-            <a:ext cx="1727289" cy="273064"/>
-          </a:xfrm>
-          <a:prstGeom prst="rect">
-            <a:avLst/>
-          </a:prstGeom>
-        </p:spPr>
-      </p:pic>
-      <p:pic>
-        <p:nvPicPr>
-          <p:cNvPr id="15" name="Grafik 14"/>
-          <p:cNvPicPr>
-            <a:picLocks noChangeAspect="1"/>
-          </p:cNvPicPr>
-          <p:nvPr/>
-        </p:nvPicPr>
-        <p:blipFill>
-          <a:blip r:embed="rId9">
-            <a:extLst>
-              <a:ext uri="{28A0092B-C50C-407E-A947-70E740481C1C}">
-                <a14:useLocalDpi xmlns:a14="http://schemas.microsoft.com/office/drawing/2010/main" val="0"/>
-              </a:ext>
-            </a:extLst>
-          </a:blip>
-          <a:stretch>
-            <a:fillRect/>
-          </a:stretch>
-        </p:blipFill>
-        <p:spPr>
-          <a:xfrm>
-            <a:off x="490752" y="8173864"/>
-            <a:ext cx="1727289" cy="273064"/>
-          </a:xfrm>
-          <a:prstGeom prst="rect">
-            <a:avLst/>
-          </a:prstGeom>
-        </p:spPr>
-      </p:pic>
-      <p:pic>
-        <p:nvPicPr>
-          <p:cNvPr id="16" name="Grafik 15"/>
-          <p:cNvPicPr>
-            <a:picLocks noChangeAspect="1"/>
-          </p:cNvPicPr>
-          <p:nvPr/>
-        </p:nvPicPr>
-        <p:blipFill>
-          <a:blip r:embed="rId10">
-            <a:extLst>
-              <a:ext uri="{28A0092B-C50C-407E-A947-70E740481C1C}">
-                <a14:useLocalDpi xmlns:a14="http://schemas.microsoft.com/office/drawing/2010/main" val="0"/>
-              </a:ext>
-            </a:extLst>
-          </a:blip>
-          <a:stretch>
-            <a:fillRect/>
-          </a:stretch>
-        </p:blipFill>
-        <p:spPr>
-          <a:xfrm>
-            <a:off x="3755687" y="3742536"/>
-            <a:ext cx="1727289" cy="273064"/>
-          </a:xfrm>
-          <a:prstGeom prst="rect">
-            <a:avLst/>
-          </a:prstGeom>
-        </p:spPr>
-      </p:pic>
-      <p:pic>
-        <p:nvPicPr>
-          <p:cNvPr id="17" name="Grafik 16"/>
-          <p:cNvPicPr>
-            <a:picLocks noChangeAspect="1"/>
-          </p:cNvPicPr>
-          <p:nvPr/>
-        </p:nvPicPr>
-        <p:blipFill>
-          <a:blip r:embed="rId11">
-            <a:extLst>
-              <a:ext uri="{28A0092B-C50C-407E-A947-70E740481C1C}">
-                <a14:useLocalDpi xmlns:a14="http://schemas.microsoft.com/office/drawing/2010/main" val="0"/>
-              </a:ext>
-            </a:extLst>
-          </a:blip>
-          <a:stretch>
-            <a:fillRect/>
-          </a:stretch>
-        </p:blipFill>
-        <p:spPr>
-          <a:xfrm>
-            <a:off x="496417" y="5181467"/>
-            <a:ext cx="1727289" cy="273064"/>
-          </a:xfrm>
-          <a:prstGeom prst="rect">
-            <a:avLst/>
-          </a:prstGeom>
-        </p:spPr>
-      </p:pic>
-      <p:pic>
-        <p:nvPicPr>
-          <p:cNvPr id="18" name="Grafik 17"/>
-          <p:cNvPicPr>
-            <a:picLocks noChangeAspect="1"/>
-          </p:cNvPicPr>
-          <p:nvPr/>
-        </p:nvPicPr>
-        <p:blipFill>
-          <a:blip r:embed="rId12">
-            <a:extLst>
-              <a:ext uri="{28A0092B-C50C-407E-A947-70E740481C1C}">
-                <a14:useLocalDpi xmlns:a14="http://schemas.microsoft.com/office/drawing/2010/main" val="0"/>
-              </a:ext>
-            </a:extLst>
-          </a:blip>
-          <a:stretch>
-            <a:fillRect/>
-          </a:stretch>
-        </p:blipFill>
-        <p:spPr>
-          <a:xfrm>
-            <a:off x="490753" y="6508148"/>
-            <a:ext cx="1727289" cy="273064"/>
+            <a:off x="3854527" y="3436998"/>
+            <a:ext cx="1763291" cy="895350"/>
           </a:xfrm>
           <a:prstGeom prst="rect">
             <a:avLst/>
@@ -5673,7 +6447,7 @@
     </p:spTree>
     <p:extLst>
       <p:ext uri="{BB962C8B-B14F-4D97-AF65-F5344CB8AC3E}">
-        <p14:creationId xmlns:p14="http://schemas.microsoft.com/office/powerpoint/2010/main" val="2229024498"/>
+        <p14:creationId xmlns:p14="http://schemas.microsoft.com/office/powerpoint/2010/main" val="492061270"/>
       </p:ext>
     </p:extLst>
   </p:cSld>
@@ -5700,12 +6474,673 @@
           <a:chExt cx="0" cy="0"/>
         </a:xfrm>
       </p:grpSpPr>
+      <p:sp>
+        <p:nvSpPr>
+          <p:cNvPr id="2" name="Titel 1"/>
+          <p:cNvSpPr>
+            <a:spLocks noGrp="1"/>
+          </p:cNvSpPr>
+          <p:nvPr>
+            <p:ph type="title"/>
+          </p:nvPr>
+        </p:nvSpPr>
+        <p:spPr/>
+        <p:txBody>
+          <a:bodyPr/>
+          <a:lstStyle/>
+          <a:p>
+            <a:r>
+              <a:rPr lang="de-DE" dirty="0" err="1"/>
+              <a:t>Calliope</a:t>
+            </a:r>
+            <a:r>
+              <a:rPr lang="de-DE" dirty="0"/>
+              <a:t> </a:t>
+            </a:r>
+            <a:r>
+              <a:rPr lang="de-DE" dirty="0" err="1"/>
+              <a:t>Unboxing</a:t>
+            </a:r>
+            <a:endParaRPr lang="de-DE" dirty="0"/>
+          </a:p>
+        </p:txBody>
+      </p:sp>
+      <p:sp>
+        <p:nvSpPr>
+          <p:cNvPr id="3" name="Textplatzhalter 2"/>
+          <p:cNvSpPr>
+            <a:spLocks noGrp="1"/>
+          </p:cNvSpPr>
+          <p:nvPr>
+            <p:ph type="body" sz="quarter" idx="13"/>
+          </p:nvPr>
+        </p:nvSpPr>
+        <p:spPr/>
+        <p:txBody>
+          <a:bodyPr/>
+          <a:lstStyle/>
+          <a:p>
+            <a:endParaRPr lang="de-DE" dirty="0"/>
+          </a:p>
+        </p:txBody>
+      </p:sp>
+      <p:sp>
+        <p:nvSpPr>
+          <p:cNvPr id="4" name="Inhaltsplatzhalter 3"/>
+          <p:cNvSpPr>
+            <a:spLocks noGrp="1"/>
+          </p:cNvSpPr>
+          <p:nvPr>
+            <p:ph sz="quarter" idx="14"/>
+          </p:nvPr>
+        </p:nvSpPr>
+        <p:spPr>
+          <a:xfrm>
+            <a:off x="4800581" y="1923896"/>
+            <a:ext cx="1688354" cy="1969150"/>
+          </a:xfrm>
+        </p:spPr>
+        <p:txBody>
+          <a:bodyPr/>
+          <a:lstStyle/>
+          <a:p>
+            <a:r>
+              <a:rPr lang="de-DE" dirty="0"/>
+              <a:t>Stückliste:</a:t>
+            </a:r>
+          </a:p>
+          <a:p>
+            <a:pPr marL="171450" indent="-171450">
+              <a:buFont typeface="Arial" panose="020B0604020202020204" pitchFamily="34" charset="0"/>
+              <a:buChar char="•"/>
+            </a:pPr>
+            <a:r>
+              <a:rPr lang="de-DE" dirty="0" err="1"/>
+              <a:t>Calliope</a:t>
+            </a:r>
+            <a:r>
+              <a:rPr lang="de-DE" dirty="0"/>
+              <a:t> (in Hülle)</a:t>
+            </a:r>
+          </a:p>
+          <a:p>
+            <a:pPr marL="171450" indent="-171450">
+              <a:buFont typeface="Arial" panose="020B0604020202020204" pitchFamily="34" charset="0"/>
+              <a:buChar char="•"/>
+            </a:pPr>
+            <a:r>
+              <a:rPr lang="de-DE" dirty="0"/>
+              <a:t>USB-Kabel</a:t>
+            </a:r>
+          </a:p>
+          <a:p>
+            <a:pPr marL="171450" indent="-171450">
+              <a:buFont typeface="Arial" panose="020B0604020202020204" pitchFamily="34" charset="0"/>
+              <a:buChar char="•"/>
+            </a:pPr>
+            <a:r>
+              <a:rPr lang="de-DE" dirty="0"/>
+              <a:t>Batteriepack mit 2 AAA Batterien</a:t>
+            </a:r>
+          </a:p>
+          <a:p>
+            <a:pPr marL="171450" indent="-171450">
+              <a:buFont typeface="Arial" panose="020B0604020202020204" pitchFamily="34" charset="0"/>
+              <a:buChar char="•"/>
+            </a:pPr>
+            <a:r>
+              <a:rPr lang="de-DE" dirty="0"/>
+              <a:t>Bedienungsanleitung</a:t>
+            </a:r>
+          </a:p>
+          <a:p>
+            <a:pPr marL="171450" indent="-171450">
+              <a:buFont typeface="Arial" panose="020B0604020202020204" pitchFamily="34" charset="0"/>
+              <a:buChar char="•"/>
+            </a:pPr>
+            <a:r>
+              <a:rPr lang="de-DE" dirty="0"/>
+              <a:t>Box </a:t>
+            </a:r>
+          </a:p>
+        </p:txBody>
+      </p:sp>
       <p:pic>
         <p:nvPicPr>
-          <p:cNvPr id="80" name="Grafik 79">
+          <p:cNvPr id="5" name="Grafik 4"/>
+          <p:cNvPicPr>
+            <a:picLocks noChangeAspect="1"/>
+          </p:cNvPicPr>
+          <p:nvPr/>
+        </p:nvPicPr>
+        <p:blipFill>
+          <a:blip r:embed="rId2" cstate="print">
+            <a:extLst>
+              <a:ext uri="{28A0092B-C50C-407E-A947-70E740481C1C}">
+                <a14:useLocalDpi xmlns:a14="http://schemas.microsoft.com/office/drawing/2010/main" val="0"/>
+              </a:ext>
+            </a:extLst>
+          </a:blip>
+          <a:stretch>
+            <a:fillRect/>
+          </a:stretch>
+        </p:blipFill>
+        <p:spPr>
+          <a:xfrm>
+            <a:off x="500126" y="4244886"/>
+            <a:ext cx="1845798" cy="1384739"/>
+          </a:xfrm>
+          <a:prstGeom prst="rect">
+            <a:avLst/>
+          </a:prstGeom>
+        </p:spPr>
+      </p:pic>
+      <p:pic>
+        <p:nvPicPr>
+          <p:cNvPr id="6" name="Grafik 5"/>
+          <p:cNvPicPr>
+            <a:picLocks noChangeAspect="1"/>
+          </p:cNvPicPr>
+          <p:nvPr/>
+        </p:nvPicPr>
+        <p:blipFill>
+          <a:blip r:embed="rId3" cstate="print">
+            <a:extLst>
+              <a:ext uri="{28A0092B-C50C-407E-A947-70E740481C1C}">
+                <a14:useLocalDpi xmlns:a14="http://schemas.microsoft.com/office/drawing/2010/main" val="0"/>
+              </a:ext>
+            </a:extLst>
+          </a:blip>
+          <a:stretch>
+            <a:fillRect/>
+          </a:stretch>
+        </p:blipFill>
+        <p:spPr>
+          <a:xfrm>
+            <a:off x="2485418" y="1923896"/>
+            <a:ext cx="2148596" cy="1611902"/>
+          </a:xfrm>
+          <a:prstGeom prst="rect">
+            <a:avLst/>
+          </a:prstGeom>
+        </p:spPr>
+      </p:pic>
+      <p:pic>
+        <p:nvPicPr>
+          <p:cNvPr id="7" name="Grafik 6"/>
+          <p:cNvPicPr>
+            <a:picLocks noChangeAspect="1"/>
+          </p:cNvPicPr>
+          <p:nvPr/>
+        </p:nvPicPr>
+        <p:blipFill>
+          <a:blip r:embed="rId4" cstate="print">
+            <a:extLst>
+              <a:ext uri="{28A0092B-C50C-407E-A947-70E740481C1C}">
+                <a14:useLocalDpi xmlns:a14="http://schemas.microsoft.com/office/drawing/2010/main" val="0"/>
+              </a:ext>
+            </a:extLst>
+          </a:blip>
+          <a:stretch>
+            <a:fillRect/>
+          </a:stretch>
+        </p:blipFill>
+        <p:spPr>
+          <a:xfrm>
+            <a:off x="917278" y="6449050"/>
+            <a:ext cx="2462487" cy="1847387"/>
+          </a:xfrm>
+          <a:prstGeom prst="rect">
+            <a:avLst/>
+          </a:prstGeom>
+        </p:spPr>
+      </p:pic>
+      <p:pic>
+        <p:nvPicPr>
+          <p:cNvPr id="8" name="Grafik 7"/>
+          <p:cNvPicPr>
+            <a:picLocks noChangeAspect="1"/>
+          </p:cNvPicPr>
+          <p:nvPr/>
+        </p:nvPicPr>
+        <p:blipFill>
+          <a:blip r:embed="rId5" cstate="print">
+            <a:extLst>
+              <a:ext uri="{28A0092B-C50C-407E-A947-70E740481C1C}">
+                <a14:useLocalDpi xmlns:a14="http://schemas.microsoft.com/office/drawing/2010/main" val="0"/>
+              </a:ext>
+            </a:extLst>
+          </a:blip>
+          <a:stretch>
+            <a:fillRect/>
+          </a:stretch>
+        </p:blipFill>
+        <p:spPr>
+          <a:xfrm>
+            <a:off x="3731097" y="6452177"/>
+            <a:ext cx="2458319" cy="1844260"/>
+          </a:xfrm>
+          <a:prstGeom prst="rect">
+            <a:avLst/>
+          </a:prstGeom>
+        </p:spPr>
+      </p:pic>
+      <p:pic>
+        <p:nvPicPr>
+          <p:cNvPr id="9" name="Grafik 8"/>
+          <p:cNvPicPr>
+            <a:picLocks noChangeAspect="1"/>
+          </p:cNvPicPr>
+          <p:nvPr/>
+        </p:nvPicPr>
+        <p:blipFill>
+          <a:blip r:embed="rId6" cstate="print">
+            <a:extLst>
+              <a:ext uri="{28A0092B-C50C-407E-A947-70E740481C1C}">
+                <a14:useLocalDpi xmlns:a14="http://schemas.microsoft.com/office/drawing/2010/main" val="0"/>
+              </a:ext>
+            </a:extLst>
+          </a:blip>
+          <a:stretch>
+            <a:fillRect/>
+          </a:stretch>
+        </p:blipFill>
+        <p:spPr>
+          <a:xfrm>
+            <a:off x="4800581" y="4261846"/>
+            <a:ext cx="1799706" cy="1350818"/>
+          </a:xfrm>
+          <a:prstGeom prst="rect">
+            <a:avLst/>
+          </a:prstGeom>
+        </p:spPr>
+      </p:pic>
+      <p:pic>
+        <p:nvPicPr>
+          <p:cNvPr id="10" name="Grafik 9"/>
+          <p:cNvPicPr>
+            <a:picLocks noChangeAspect="1"/>
+          </p:cNvPicPr>
+          <p:nvPr/>
+        </p:nvPicPr>
+        <p:blipFill>
+          <a:blip r:embed="rId7" cstate="print">
+            <a:extLst>
+              <a:ext uri="{28A0092B-C50C-407E-A947-70E740481C1C}">
+                <a14:useLocalDpi xmlns:a14="http://schemas.microsoft.com/office/drawing/2010/main" val="0"/>
+              </a:ext>
+            </a:extLst>
+          </a:blip>
+          <a:stretch>
+            <a:fillRect/>
+          </a:stretch>
+        </p:blipFill>
+        <p:spPr>
+          <a:xfrm>
+            <a:off x="2485418" y="3784581"/>
+            <a:ext cx="2175669" cy="2306466"/>
+          </a:xfrm>
+          <a:prstGeom prst="rect">
+            <a:avLst/>
+          </a:prstGeom>
+        </p:spPr>
+      </p:pic>
+    </p:spTree>
+    <p:extLst>
+      <p:ext uri="{BB962C8B-B14F-4D97-AF65-F5344CB8AC3E}">
+        <p14:creationId xmlns:p14="http://schemas.microsoft.com/office/powerpoint/2010/main" val="164617255"/>
+      </p:ext>
+    </p:extLst>
+  </p:cSld>
+  <p:clrMapOvr>
+    <a:masterClrMapping/>
+  </p:clrMapOvr>
+</p:sld>
+</file>
+
+<file path=ppt/slides/slide13.xml><?xml version="1.0" encoding="utf-8"?>
+<p:sld xmlns:a="http://schemas.openxmlformats.org/drawingml/2006/main" xmlns:r="http://schemas.openxmlformats.org/officeDocument/2006/relationships" xmlns:p="http://schemas.openxmlformats.org/presentationml/2006/main">
+  <p:cSld>
+    <p:spTree>
+      <p:nvGrpSpPr>
+        <p:cNvPr id="1" name=""/>
+        <p:cNvGrpSpPr/>
+        <p:nvPr/>
+      </p:nvGrpSpPr>
+      <p:grpSpPr>
+        <a:xfrm>
+          <a:off x="0" y="0"/>
+          <a:ext cx="0" cy="0"/>
+          <a:chOff x="0" y="0"/>
+          <a:chExt cx="0" cy="0"/>
+        </a:xfrm>
+      </p:grpSpPr>
+      <p:sp>
+        <p:nvSpPr>
+          <p:cNvPr id="2" name="Titel 1"/>
+          <p:cNvSpPr>
+            <a:spLocks noGrp="1"/>
+          </p:cNvSpPr>
+          <p:nvPr>
+            <p:ph type="title"/>
+          </p:nvPr>
+        </p:nvSpPr>
+        <p:spPr/>
+        <p:txBody>
+          <a:bodyPr/>
+          <a:lstStyle/>
+          <a:p>
+            <a:r>
+              <a:rPr lang="de-DE" dirty="0"/>
+              <a:t>Kurzanleitungen Standardbefehle</a:t>
+            </a:r>
+          </a:p>
+        </p:txBody>
+      </p:sp>
+      <p:sp>
+        <p:nvSpPr>
+          <p:cNvPr id="3" name="Textplatzhalter 2"/>
+          <p:cNvSpPr>
+            <a:spLocks noGrp="1"/>
+          </p:cNvSpPr>
+          <p:nvPr>
+            <p:ph type="body" sz="quarter" idx="13"/>
+          </p:nvPr>
+        </p:nvSpPr>
+        <p:spPr/>
+        <p:txBody>
+          <a:bodyPr/>
+          <a:lstStyle/>
+          <a:p>
+            <a:endParaRPr lang="de-DE"/>
+          </a:p>
+        </p:txBody>
+      </p:sp>
+      <p:sp>
+        <p:nvSpPr>
+          <p:cNvPr id="7" name="Textfeld 6"/>
+          <p:cNvSpPr txBox="1"/>
+          <p:nvPr/>
+        </p:nvSpPr>
+        <p:spPr>
+          <a:xfrm>
+            <a:off x="3689012" y="1351747"/>
+            <a:ext cx="2845138" cy="4278094"/>
+          </a:xfrm>
+          <a:prstGeom prst="rect">
+            <a:avLst/>
+          </a:prstGeom>
+          <a:noFill/>
+        </p:spPr>
+        <p:txBody>
+          <a:bodyPr wrap="square" rtlCol="0">
+            <a:spAutoFit/>
+          </a:bodyPr>
+          <a:lstStyle/>
+          <a:p>
+            <a:r>
+              <a:rPr lang="de-DE" sz="2000" dirty="0"/>
+              <a:t>Grundlagen:</a:t>
+            </a:r>
+          </a:p>
+          <a:p>
+            <a:pPr marL="285750" indent="-285750">
+              <a:buFont typeface="Arial" panose="020B0604020202020204" pitchFamily="34" charset="0"/>
+              <a:buChar char="•"/>
+            </a:pPr>
+            <a:r>
+              <a:rPr lang="de-DE" sz="1600" dirty="0"/>
+              <a:t>LED-Matrix</a:t>
+            </a:r>
+            <a:br>
+              <a:rPr lang="de-DE" sz="1600" dirty="0"/>
+            </a:br>
+            <a:r>
+              <a:rPr lang="de-DE" sz="1600" dirty="0"/>
+              <a:t>(Lauftext, Symbole, Zahlen)</a:t>
+            </a:r>
+          </a:p>
+          <a:p>
+            <a:pPr marL="285750" indent="-285750">
+              <a:buFont typeface="Arial" panose="020B0604020202020204" pitchFamily="34" charset="0"/>
+              <a:buChar char="•"/>
+            </a:pPr>
+            <a:r>
+              <a:rPr lang="de-DE" sz="1600" dirty="0"/>
+              <a:t>RGB-LED</a:t>
+            </a:r>
+          </a:p>
+          <a:p>
+            <a:pPr marL="285750" indent="-285750">
+              <a:buFont typeface="Arial" panose="020B0604020202020204" pitchFamily="34" charset="0"/>
+              <a:buChar char="•"/>
+            </a:pPr>
+            <a:r>
+              <a:rPr lang="de-DE" sz="1600" dirty="0"/>
+              <a:t>Pause</a:t>
+            </a:r>
+          </a:p>
+          <a:p>
+            <a:pPr marL="285750" indent="-285750">
+              <a:buFont typeface="Arial" panose="020B0604020202020204" pitchFamily="34" charset="0"/>
+              <a:buChar char="•"/>
+            </a:pPr>
+            <a:r>
+              <a:rPr lang="de-DE" sz="1600" dirty="0"/>
+              <a:t>Dauerhaft</a:t>
+            </a:r>
+          </a:p>
+          <a:p>
+            <a:r>
+              <a:rPr lang="de-DE" sz="2000" dirty="0"/>
+              <a:t>Eingabe:</a:t>
+            </a:r>
+          </a:p>
+          <a:p>
+            <a:pPr marL="285750" indent="-285750">
+              <a:buFont typeface="Arial" panose="020B0604020202020204" pitchFamily="34" charset="0"/>
+              <a:buChar char="•"/>
+            </a:pPr>
+            <a:r>
+              <a:rPr lang="de-DE" sz="1600" dirty="0"/>
+              <a:t>Event-Handler</a:t>
+            </a:r>
+          </a:p>
+          <a:p>
+            <a:pPr marL="285750" indent="-285750">
+              <a:buFont typeface="Arial" panose="020B0604020202020204" pitchFamily="34" charset="0"/>
+              <a:buChar char="•"/>
+            </a:pPr>
+            <a:r>
+              <a:rPr lang="de-DE" sz="1600" dirty="0"/>
+              <a:t>Sensorwerte</a:t>
+            </a:r>
+          </a:p>
+          <a:p>
+            <a:endParaRPr lang="de-DE" sz="1600" dirty="0"/>
+          </a:p>
+          <a:p>
+            <a:r>
+              <a:rPr lang="de-DE" sz="2000" dirty="0"/>
+              <a:t>Musik:</a:t>
+            </a:r>
+          </a:p>
+          <a:p>
+            <a:pPr marL="285750" indent="-285750">
+              <a:buFont typeface="Arial" panose="020B0604020202020204" pitchFamily="34" charset="0"/>
+              <a:buChar char="•"/>
+            </a:pPr>
+            <a:r>
+              <a:rPr lang="de-DE" sz="1600" dirty="0"/>
+              <a:t>Noten</a:t>
+            </a:r>
+          </a:p>
+          <a:p>
+            <a:pPr marL="285750" indent="-285750">
+              <a:buFont typeface="Arial" panose="020B0604020202020204" pitchFamily="34" charset="0"/>
+              <a:buChar char="•"/>
+            </a:pPr>
+            <a:r>
+              <a:rPr lang="de-DE" sz="1600" dirty="0"/>
+              <a:t>Beatgeschwindigkeit</a:t>
+            </a:r>
+          </a:p>
+          <a:p>
+            <a:r>
+              <a:rPr lang="de-DE" sz="2000" dirty="0"/>
+              <a:t>LED:</a:t>
+            </a:r>
+          </a:p>
+          <a:p>
+            <a:pPr marL="285750" indent="-285750">
+              <a:buFont typeface="Arial" panose="020B0604020202020204" pitchFamily="34" charset="0"/>
+              <a:buChar char="•"/>
+            </a:pPr>
+            <a:r>
+              <a:rPr lang="de-DE" sz="1600" dirty="0"/>
+              <a:t>Sonderfunktionen LED-Matrix</a:t>
+            </a:r>
+          </a:p>
+        </p:txBody>
+      </p:sp>
+      <p:sp>
+        <p:nvSpPr>
+          <p:cNvPr id="8" name="Textfeld 7"/>
+          <p:cNvSpPr txBox="1"/>
+          <p:nvPr/>
+        </p:nvSpPr>
+        <p:spPr>
+          <a:xfrm>
+            <a:off x="490753" y="5102216"/>
+            <a:ext cx="6043397" cy="3908762"/>
+          </a:xfrm>
+          <a:prstGeom prst="rect">
+            <a:avLst/>
+          </a:prstGeom>
+          <a:noFill/>
+        </p:spPr>
+        <p:txBody>
+          <a:bodyPr wrap="square" rtlCol="0">
+            <a:spAutoFit/>
+          </a:bodyPr>
+          <a:lstStyle/>
+          <a:p>
+            <a:r>
+              <a:rPr lang="de-DE" sz="2000" dirty="0"/>
+              <a:t>Schleifen:</a:t>
+            </a:r>
+          </a:p>
+          <a:p>
+            <a:pPr marL="285750" indent="-285750">
+              <a:buFont typeface="Arial" panose="020B0604020202020204" pitchFamily="34" charset="0"/>
+              <a:buChar char="•"/>
+            </a:pPr>
+            <a:r>
+              <a:rPr lang="de-DE" sz="1600" dirty="0"/>
+              <a:t>Wiederholung von Programmteilen</a:t>
+            </a:r>
+          </a:p>
+          <a:p>
+            <a:r>
+              <a:rPr lang="de-DE" sz="2000" dirty="0"/>
+              <a:t>Logik:</a:t>
+            </a:r>
+          </a:p>
+          <a:p>
+            <a:pPr marL="285750" indent="-285750">
+              <a:buFont typeface="Arial" panose="020B0604020202020204" pitchFamily="34" charset="0"/>
+              <a:buChar char="•"/>
+            </a:pPr>
+            <a:r>
+              <a:rPr lang="de-DE" sz="1600" dirty="0"/>
+              <a:t>Vergleiche und andere Wahrheitsüberprüfungen</a:t>
+            </a:r>
+          </a:p>
+          <a:p>
+            <a:pPr marL="285750" indent="-285750">
+              <a:buFont typeface="Arial" panose="020B0604020202020204" pitchFamily="34" charset="0"/>
+              <a:buChar char="•"/>
+            </a:pPr>
+            <a:r>
+              <a:rPr lang="de-DE" sz="1600" dirty="0"/>
+              <a:t>Wenn-Dann-Funktionen</a:t>
+            </a:r>
+          </a:p>
+          <a:p>
+            <a:r>
+              <a:rPr lang="de-DE" sz="2000" dirty="0"/>
+              <a:t>Variablen</a:t>
+            </a:r>
+          </a:p>
+          <a:p>
+            <a:pPr marL="285750" indent="-285750">
+              <a:buFont typeface="Arial" panose="020B0604020202020204" pitchFamily="34" charset="0"/>
+              <a:buChar char="•"/>
+            </a:pPr>
+            <a:r>
+              <a:rPr lang="de-DE" sz="1600" dirty="0"/>
+              <a:t>Funktionen rund um Platzhalter/Parameter</a:t>
+            </a:r>
+          </a:p>
+          <a:p>
+            <a:r>
+              <a:rPr lang="de-DE" sz="2000" dirty="0"/>
+              <a:t>Mathematik:</a:t>
+            </a:r>
+          </a:p>
+          <a:p>
+            <a:pPr marL="285750" indent="-285750">
+              <a:buFont typeface="Arial" panose="020B0604020202020204" pitchFamily="34" charset="0"/>
+              <a:buChar char="•"/>
+            </a:pPr>
+            <a:r>
+              <a:rPr lang="de-DE" sz="1600" dirty="0"/>
+              <a:t>Rechenfunktionen</a:t>
+            </a:r>
+          </a:p>
+          <a:p>
+            <a:r>
+              <a:rPr lang="de-DE" sz="2000" dirty="0"/>
+              <a:t>Funk:</a:t>
+            </a:r>
+          </a:p>
+          <a:p>
+            <a:pPr marL="285750" indent="-285750">
+              <a:buFont typeface="Arial" panose="020B0604020202020204" pitchFamily="34" charset="0"/>
+              <a:buChar char="•"/>
+            </a:pPr>
+            <a:r>
+              <a:rPr lang="de-DE" sz="1600" dirty="0"/>
+              <a:t>Bluetooth</a:t>
+            </a:r>
+          </a:p>
+          <a:p>
+            <a:r>
+              <a:rPr lang="de-DE" sz="2000" dirty="0"/>
+              <a:t>Motoren:</a:t>
+            </a:r>
+          </a:p>
+          <a:p>
+            <a:pPr marL="285750" indent="-285750">
+              <a:buFont typeface="Arial" panose="020B0604020202020204" pitchFamily="34" charset="0"/>
+              <a:buChar char="•"/>
+            </a:pPr>
+            <a:r>
+              <a:rPr lang="de-DE" sz="1600" dirty="0"/>
+              <a:t>Einstellung der Geschwindigkeit und Richtung der Antriebe</a:t>
+            </a:r>
+          </a:p>
+          <a:p>
+            <a:endParaRPr lang="de-DE" sz="1600" dirty="0"/>
+          </a:p>
+        </p:txBody>
+      </p:sp>
+      <p:pic>
+        <p:nvPicPr>
+          <p:cNvPr id="5" name="Grafik 4">
             <a:extLst>
               <a:ext uri="{FF2B5EF4-FFF2-40B4-BE49-F238E27FC236}">
-                <a16:creationId xmlns:a16="http://schemas.microsoft.com/office/drawing/2014/main" id="{55DC6A29-15FF-462A-A238-D91FF6E6A301}"/>
+                <a16:creationId xmlns:a16="http://schemas.microsoft.com/office/drawing/2014/main" id="{83A434A9-C24F-4450-84D2-698E6F752ADE}"/>
               </a:ext>
             </a:extLst>
           </p:cNvPr>
@@ -5715,362 +7150,40 @@
           <p:nvPr/>
         </p:nvPicPr>
         <p:blipFill>
-          <a:blip r:embed="rId2"/>
+          <a:blip r:embed="rId2">
+            <a:extLst>
+              <a:ext uri="{28A0092B-C50C-407E-A947-70E740481C1C}">
+                <a14:useLocalDpi xmlns:a14="http://schemas.microsoft.com/office/drawing/2010/main" val="0"/>
+              </a:ext>
+            </a:extLst>
+          </a:blip>
           <a:stretch>
             <a:fillRect/>
           </a:stretch>
         </p:blipFill>
         <p:spPr>
           <a:xfrm>
-            <a:off x="4105139" y="5621059"/>
-            <a:ext cx="2710815" cy="827197"/>
+            <a:off x="3752555" y="1389847"/>
+            <a:ext cx="1638595" cy="312395"/>
           </a:xfrm>
           <a:prstGeom prst="rect">
             <a:avLst/>
           </a:prstGeom>
+          <a:ln>
+            <a:solidFill>
+              <a:schemeClr val="bg1">
+                <a:lumMod val="85000"/>
+              </a:schemeClr>
+            </a:solidFill>
+          </a:ln>
         </p:spPr>
       </p:pic>
-      <p:sp>
-        <p:nvSpPr>
-          <p:cNvPr id="2" name="Titel 1"/>
-          <p:cNvSpPr>
-            <a:spLocks noGrp="1"/>
-          </p:cNvSpPr>
-          <p:nvPr>
-            <p:ph type="title"/>
-          </p:nvPr>
-        </p:nvSpPr>
-        <p:spPr/>
-        <p:txBody>
-          <a:bodyPr/>
-          <a:lstStyle/>
-          <a:p>
-            <a:r>
-              <a:rPr lang="de-DE" dirty="0"/>
-              <a:t>Kurzanleitung zu den Spielbefehlen</a:t>
-            </a:r>
-          </a:p>
-        </p:txBody>
-      </p:sp>
-      <p:sp>
-        <p:nvSpPr>
-          <p:cNvPr id="3" name="Textplatzhalter 2"/>
-          <p:cNvSpPr>
-            <a:spLocks noGrp="1"/>
-          </p:cNvSpPr>
-          <p:nvPr>
-            <p:ph type="body" sz="quarter" idx="13"/>
-          </p:nvPr>
-        </p:nvSpPr>
-        <p:spPr/>
-        <p:txBody>
-          <a:bodyPr/>
-          <a:lstStyle/>
-          <a:p>
-            <a:endParaRPr lang="de-DE"/>
-          </a:p>
-        </p:txBody>
-      </p:sp>
-      <p:sp>
-        <p:nvSpPr>
-          <p:cNvPr id="7" name="Textfeld 6"/>
-          <p:cNvSpPr txBox="1"/>
-          <p:nvPr/>
-        </p:nvSpPr>
-        <p:spPr>
-          <a:xfrm>
-            <a:off x="3359715" y="1788565"/>
-            <a:ext cx="3438347" cy="7417415"/>
-          </a:xfrm>
-          <a:prstGeom prst="rect">
-            <a:avLst/>
-          </a:prstGeom>
-          <a:noFill/>
-        </p:spPr>
-        <p:txBody>
-          <a:bodyPr wrap="square" rtlCol="0">
-            <a:spAutoFit/>
-          </a:bodyPr>
-          <a:lstStyle/>
-          <a:p>
-            <a:pPr marL="285750" indent="-285750">
-              <a:buFont typeface="Arial" panose="020B0604020202020204" pitchFamily="34" charset="0"/>
-              <a:buChar char="•"/>
-            </a:pPr>
-            <a:r>
-              <a:rPr lang="de-DE" sz="1400" dirty="0"/>
-              <a:t>Erzeugt einen Block (eine LED leuchtet) an der Position x=2 und y=2</a:t>
-            </a:r>
-          </a:p>
-          <a:p>
-            <a:pPr marL="285750" indent="-285750">
-              <a:buFont typeface="Arial" panose="020B0604020202020204" pitchFamily="34" charset="0"/>
-              <a:buChar char="•"/>
-            </a:pPr>
-            <a:r>
-              <a:rPr lang="de-DE" sz="1400" dirty="0"/>
-              <a:t>Diese Sprite wird auf eine Variable z.B. „Spielfigur“ gespeichert</a:t>
-            </a:r>
-          </a:p>
-          <a:p>
-            <a:pPr marL="285750" indent="-285750">
-              <a:buFont typeface="Arial" panose="020B0604020202020204" pitchFamily="34" charset="0"/>
-              <a:buChar char="•"/>
-            </a:pPr>
-            <a:endParaRPr lang="de-DE" sz="1400" dirty="0"/>
-          </a:p>
-          <a:p>
-            <a:pPr marL="285750" indent="-285750">
-              <a:buFont typeface="Arial" panose="020B0604020202020204" pitchFamily="34" charset="0"/>
-              <a:buChar char="•"/>
-            </a:pPr>
-            <a:endParaRPr lang="de-DE" sz="1400" dirty="0"/>
-          </a:p>
-          <a:p>
-            <a:pPr marL="285750" indent="-285750">
-              <a:buFont typeface="Arial" panose="020B0604020202020204" pitchFamily="34" charset="0"/>
-              <a:buChar char="•"/>
-            </a:pPr>
-            <a:r>
-              <a:rPr lang="de-DE" sz="1400" dirty="0"/>
-              <a:t>Löscht den Sprite, welcher auf der angegebenen Variable gespeichert ist</a:t>
-            </a:r>
-          </a:p>
-          <a:p>
-            <a:pPr marL="285750" indent="-285750">
-              <a:buFont typeface="Arial" panose="020B0604020202020204" pitchFamily="34" charset="0"/>
-              <a:buChar char="•"/>
-            </a:pPr>
-            <a:endParaRPr lang="de-DE" sz="1400" dirty="0"/>
-          </a:p>
-          <a:p>
-            <a:pPr marL="285750" indent="-285750">
-              <a:buFont typeface="Arial" panose="020B0604020202020204" pitchFamily="34" charset="0"/>
-              <a:buChar char="•"/>
-            </a:pPr>
-            <a:r>
-              <a:rPr lang="de-DE" sz="1400" dirty="0"/>
-              <a:t>Der Sprite kann entweder in x- bzw. y-Richtung bewegt werden oder in die Richtung nach der er ausgerichtet ist</a:t>
-            </a:r>
-          </a:p>
-          <a:p>
-            <a:pPr marL="285750" indent="-285750">
-              <a:buFont typeface="Arial" panose="020B0604020202020204" pitchFamily="34" charset="0"/>
-              <a:buChar char="•"/>
-            </a:pPr>
-            <a:endParaRPr lang="de-DE" sz="1400" dirty="0"/>
-          </a:p>
-          <a:p>
-            <a:pPr marL="285750" indent="-285750">
-              <a:buFont typeface="Arial" panose="020B0604020202020204" pitchFamily="34" charset="0"/>
-              <a:buChar char="•"/>
-            </a:pPr>
-            <a:r>
-              <a:rPr lang="de-DE" sz="1400" dirty="0"/>
-              <a:t>Hier wird die Richtung des Sprites geändert</a:t>
-            </a:r>
-          </a:p>
-          <a:p>
-            <a:pPr marL="285750" indent="-285750">
-              <a:buFont typeface="Arial" panose="020B0604020202020204" pitchFamily="34" charset="0"/>
-              <a:buChar char="•"/>
-            </a:pPr>
-            <a:endParaRPr lang="de-DE" sz="1400" dirty="0"/>
-          </a:p>
-          <a:p>
-            <a:pPr marL="285750" indent="-285750">
-              <a:buFont typeface="Arial" panose="020B0604020202020204" pitchFamily="34" charset="0"/>
-              <a:buChar char="•"/>
-            </a:pPr>
-            <a:r>
-              <a:rPr lang="de-DE" sz="1400" dirty="0"/>
-              <a:t>Schiebt den Sprite sofort auf einen x- bzw. x-Wert</a:t>
-            </a:r>
-          </a:p>
-          <a:p>
-            <a:endParaRPr lang="de-DE" sz="1400" dirty="0"/>
-          </a:p>
-          <a:p>
-            <a:pPr marL="285750" indent="-285750">
-              <a:buFont typeface="Arial" panose="020B0604020202020204" pitchFamily="34" charset="0"/>
-              <a:buChar char="•"/>
-            </a:pPr>
-            <a:r>
-              <a:rPr lang="de-DE" sz="1400" dirty="0"/>
-              <a:t>Es kann noch mehr als nur </a:t>
-            </a:r>
-          </a:p>
-          <a:p>
-            <a:r>
-              <a:rPr lang="de-DE" sz="1400" dirty="0"/>
-              <a:t>       die Koordinaten geändert </a:t>
-            </a:r>
-          </a:p>
-          <a:p>
-            <a:r>
-              <a:rPr lang="de-DE" sz="1400" dirty="0"/>
-              <a:t>       werden</a:t>
-            </a:r>
-          </a:p>
-          <a:p>
-            <a:endParaRPr lang="de-DE" sz="1400" dirty="0"/>
-          </a:p>
-          <a:p>
-            <a:pPr marL="285750" indent="-285750">
-              <a:buFont typeface="Arial" panose="020B0604020202020204" pitchFamily="34" charset="0"/>
-              <a:buChar char="•"/>
-            </a:pPr>
-            <a:r>
-              <a:rPr lang="de-DE" sz="1400" dirty="0"/>
-              <a:t>Hiermit können die Eigenschaften x-, y-Wert, Helligkeit… des Sprites abgefragt werden</a:t>
-            </a:r>
-          </a:p>
-          <a:p>
-            <a:endParaRPr lang="de-DE" sz="1400" dirty="0"/>
-          </a:p>
-          <a:p>
-            <a:pPr marL="285750" indent="-285750">
-              <a:buFont typeface="Arial" panose="020B0604020202020204" pitchFamily="34" charset="0"/>
-              <a:buChar char="•"/>
-            </a:pPr>
-            <a:r>
-              <a:rPr lang="de-DE" sz="1400" dirty="0"/>
-              <a:t>Startet einen Countdown mit Animation z.B. vor Beginn des Spieles</a:t>
-            </a:r>
-          </a:p>
-          <a:p>
-            <a:pPr marL="285750" indent="-285750">
-              <a:buFont typeface="Arial" panose="020B0604020202020204" pitchFamily="34" charset="0"/>
-              <a:buChar char="•"/>
-            </a:pPr>
-            <a:endParaRPr lang="de-DE" sz="1400" dirty="0"/>
-          </a:p>
-          <a:p>
-            <a:pPr marL="285750" indent="-285750">
-              <a:buFont typeface="Arial" panose="020B0604020202020204" pitchFamily="34" charset="0"/>
-              <a:buChar char="•"/>
-            </a:pPr>
-            <a:endParaRPr lang="de-DE" sz="1400" dirty="0"/>
-          </a:p>
-          <a:p>
-            <a:pPr marL="285750" indent="-285750">
-              <a:buFont typeface="Arial" panose="020B0604020202020204" pitchFamily="34" charset="0"/>
-              <a:buChar char="•"/>
-            </a:pPr>
-            <a:r>
-              <a:rPr lang="de-DE" sz="1400" dirty="0"/>
-              <a:t>Sinnvoll zum abfragen, ob der Sprite den Rand oder z.B. einen anderen Sprite berührt</a:t>
-            </a:r>
-          </a:p>
-        </p:txBody>
-      </p:sp>
-      <p:sp>
-        <p:nvSpPr>
-          <p:cNvPr id="8" name="Textfeld 7"/>
-          <p:cNvSpPr txBox="1"/>
-          <p:nvPr/>
-        </p:nvSpPr>
-        <p:spPr>
-          <a:xfrm>
-            <a:off x="29972" y="5809715"/>
-            <a:ext cx="3399028" cy="3570208"/>
-          </a:xfrm>
-          <a:prstGeom prst="rect">
-            <a:avLst/>
-          </a:prstGeom>
-          <a:noFill/>
-        </p:spPr>
-        <p:txBody>
-          <a:bodyPr wrap="square" rtlCol="0">
-            <a:spAutoFit/>
-          </a:bodyPr>
-          <a:lstStyle/>
-          <a:p>
-            <a:pPr marL="342900" indent="-342900">
-              <a:buFont typeface="Arial" panose="020B0604020202020204" pitchFamily="34" charset="0"/>
-              <a:buChar char="•"/>
-            </a:pPr>
-            <a:r>
-              <a:rPr lang="de-DE" sz="1400" dirty="0"/>
-              <a:t>Es kann auch ein Spielstand erzeugt und verändert werden, dieser wird nachdem ein Spiel beendet wurde in der Animation angezeigt</a:t>
-            </a:r>
-          </a:p>
-          <a:p>
-            <a:r>
-              <a:rPr lang="de-DE" sz="1400" b="1" dirty="0"/>
-              <a:t>Hinweis: </a:t>
-            </a:r>
-            <a:r>
-              <a:rPr lang="de-DE" sz="1400" dirty="0"/>
-              <a:t>wenn der Spielstand geändert wird erscheint eine Animation auf dem </a:t>
-            </a:r>
-            <a:r>
-              <a:rPr lang="de-DE" sz="1400" dirty="0" err="1"/>
-              <a:t>Calliope</a:t>
-            </a:r>
-            <a:r>
-              <a:rPr lang="de-DE" sz="1400" dirty="0"/>
-              <a:t>. Dies lässt sich umgehen indem man den Spielstand auf seinen aktuellen Wert +1 </a:t>
-            </a:r>
-            <a:r>
-              <a:rPr lang="de-DE" sz="1400" u="sng" dirty="0"/>
-              <a:t>setzt</a:t>
-            </a:r>
-            <a:r>
-              <a:rPr lang="de-DE" sz="1400" dirty="0"/>
-              <a:t>. (</a:t>
-            </a:r>
-            <a:r>
-              <a:rPr lang="de-DE" sz="1000" i="1" dirty="0"/>
-              <a:t>Spielstand=Spielstand+1</a:t>
-            </a:r>
-            <a:r>
-              <a:rPr lang="de-DE" sz="1400" i="1" dirty="0"/>
-              <a:t>)</a:t>
-            </a:r>
-            <a:endParaRPr lang="de-DE" sz="1000" i="1" dirty="0"/>
-          </a:p>
-          <a:p>
-            <a:endParaRPr lang="de-DE" sz="1400" dirty="0"/>
-          </a:p>
-          <a:p>
-            <a:pPr marL="342900" indent="-342900">
-              <a:buFont typeface="Arial" panose="020B0604020202020204" pitchFamily="34" charset="0"/>
-              <a:buChar char="•"/>
-            </a:pPr>
-            <a:r>
-              <a:rPr lang="de-DE" sz="1400" dirty="0"/>
-              <a:t>Diese Blöcke lassen das Spiel Pausieren, wieder fortsetzen oder Beenden</a:t>
-            </a:r>
-          </a:p>
-          <a:p>
-            <a:pPr marL="342900" indent="-342900">
-              <a:buFont typeface="Arial" panose="020B0604020202020204" pitchFamily="34" charset="0"/>
-              <a:buChar char="•"/>
-            </a:pPr>
-            <a:endParaRPr lang="de-DE" sz="1400" dirty="0"/>
-          </a:p>
-          <a:p>
-            <a:pPr marL="342900" indent="-342900">
-              <a:buFont typeface="Arial" panose="020B0604020202020204" pitchFamily="34" charset="0"/>
-              <a:buChar char="•"/>
-            </a:pPr>
-            <a:r>
-              <a:rPr lang="de-DE" sz="1400" dirty="0"/>
-              <a:t>Lässt den Sprite vom Rand der LED-Matrix abprallen</a:t>
-            </a:r>
-          </a:p>
-          <a:p>
-            <a:endParaRPr lang="de-DE" sz="1600" dirty="0"/>
-          </a:p>
-        </p:txBody>
-      </p:sp>
       <p:pic>
         <p:nvPicPr>
           <p:cNvPr id="20" name="Grafik 19">
             <a:extLst>
               <a:ext uri="{FF2B5EF4-FFF2-40B4-BE49-F238E27FC236}">
-                <a16:creationId xmlns:a16="http://schemas.microsoft.com/office/drawing/2014/main" id="{D67CA0AA-179D-4004-9E59-8B6FBADFFCF3}"/>
+                <a16:creationId xmlns:a16="http://schemas.microsoft.com/office/drawing/2014/main" id="{B0B9EBF0-C1D5-4482-9192-A4E3DA4E9204}"/>
               </a:ext>
             </a:extLst>
           </p:cNvPr>
@@ -6080,7 +7193,7 @@
           <p:nvPr/>
         </p:nvPicPr>
         <p:blipFill>
-          <a:blip r:embed="rId3" cstate="print">
+          <a:blip r:embed="rId3">
             <a:extLst>
               <a:ext uri="{28A0092B-C50C-407E-A947-70E740481C1C}">
                 <a14:useLocalDpi xmlns:a14="http://schemas.microsoft.com/office/drawing/2010/main" val="0"/>
@@ -6093,12 +7206,19 @@
         </p:blipFill>
         <p:spPr>
           <a:xfrm>
-            <a:off x="4124130" y="6539596"/>
-            <a:ext cx="1249674" cy="206184"/>
+            <a:off x="3752555" y="2926569"/>
+            <a:ext cx="1638595" cy="312395"/>
           </a:xfrm>
           <a:prstGeom prst="rect">
             <a:avLst/>
           </a:prstGeom>
+          <a:ln>
+            <a:solidFill>
+              <a:schemeClr val="bg1">
+                <a:lumMod val="85000"/>
+              </a:schemeClr>
+            </a:solidFill>
+          </a:ln>
         </p:spPr>
       </p:pic>
       <p:pic>
@@ -6106,7 +7226,7 @@
           <p:cNvPr id="22" name="Grafik 21">
             <a:extLst>
               <a:ext uri="{FF2B5EF4-FFF2-40B4-BE49-F238E27FC236}">
-                <a16:creationId xmlns:a16="http://schemas.microsoft.com/office/drawing/2014/main" id="{96C3D877-F8E8-4179-A87D-A4FD9CE33449}"/>
+                <a16:creationId xmlns:a16="http://schemas.microsoft.com/office/drawing/2014/main" id="{BD34C6A8-81F9-46C2-A46C-6B6A5B20712C}"/>
               </a:ext>
             </a:extLst>
           </p:cNvPr>
@@ -6129,12 +7249,19 @@
         </p:blipFill>
         <p:spPr>
           <a:xfrm>
-            <a:off x="1714692" y="5326429"/>
-            <a:ext cx="1637894" cy="275276"/>
+            <a:off x="3752555" y="4010311"/>
+            <a:ext cx="1638596" cy="320558"/>
           </a:xfrm>
           <a:prstGeom prst="rect">
             <a:avLst/>
           </a:prstGeom>
+          <a:ln>
+            <a:solidFill>
+              <a:schemeClr val="bg1">
+                <a:lumMod val="85000"/>
+              </a:schemeClr>
+            </a:solidFill>
+          </a:ln>
         </p:spPr>
       </p:pic>
       <p:pic>
@@ -6142,7 +7269,7 @@
           <p:cNvPr id="24" name="Grafik 23">
             <a:extLst>
               <a:ext uri="{FF2B5EF4-FFF2-40B4-BE49-F238E27FC236}">
-                <a16:creationId xmlns:a16="http://schemas.microsoft.com/office/drawing/2014/main" id="{4E4C78C1-1B20-4D27-AA8A-E059BD1CD838}"/>
+                <a16:creationId xmlns:a16="http://schemas.microsoft.com/office/drawing/2014/main" id="{33C1E751-C5CF-4178-80F6-87A7B9BC4146}"/>
               </a:ext>
             </a:extLst>
           </p:cNvPr>
@@ -6152,7 +7279,7 @@
           <p:nvPr/>
         </p:nvPicPr>
         <p:blipFill>
-          <a:blip r:embed="rId5" cstate="print">
+          <a:blip r:embed="rId5">
             <a:extLst>
               <a:ext uri="{28A0092B-C50C-407E-A947-70E740481C1C}">
                 <a14:useLocalDpi xmlns:a14="http://schemas.microsoft.com/office/drawing/2010/main" val="0"/>
@@ -6165,12 +7292,19 @@
         </p:blipFill>
         <p:spPr>
           <a:xfrm>
-            <a:off x="3485298" y="3518939"/>
-            <a:ext cx="1728723" cy="203775"/>
+            <a:off x="3752553" y="4769254"/>
+            <a:ext cx="1638595" cy="320557"/>
           </a:xfrm>
           <a:prstGeom prst="rect">
             <a:avLst/>
           </a:prstGeom>
+          <a:ln>
+            <a:solidFill>
+              <a:schemeClr val="bg1">
+                <a:lumMod val="85000"/>
+              </a:schemeClr>
+            </a:solidFill>
+          </a:ln>
         </p:spPr>
       </p:pic>
       <p:pic>
@@ -6178,7 +7312,7 @@
           <p:cNvPr id="26" name="Grafik 25">
             <a:extLst>
               <a:ext uri="{FF2B5EF4-FFF2-40B4-BE49-F238E27FC236}">
-                <a16:creationId xmlns:a16="http://schemas.microsoft.com/office/drawing/2014/main" id="{29340D2C-AD15-4821-A3B6-76162C63C0BB}"/>
+                <a16:creationId xmlns:a16="http://schemas.microsoft.com/office/drawing/2014/main" id="{72588322-802B-4A94-A611-6851B2A271CE}"/>
               </a:ext>
             </a:extLst>
           </p:cNvPr>
@@ -6188,7 +7322,7 @@
           <p:nvPr/>
         </p:nvPicPr>
         <p:blipFill>
-          <a:blip r:embed="rId6" cstate="print">
+          <a:blip r:embed="rId6">
             <a:extLst>
               <a:ext uri="{28A0092B-C50C-407E-A947-70E740481C1C}">
                 <a14:useLocalDpi xmlns:a14="http://schemas.microsoft.com/office/drawing/2010/main" val="0"/>
@@ -6201,12 +7335,19 @@
         </p:blipFill>
         <p:spPr>
           <a:xfrm>
-            <a:off x="4726909" y="8267700"/>
-            <a:ext cx="1961973" cy="219484"/>
+            <a:off x="490751" y="5126254"/>
+            <a:ext cx="1638595" cy="321105"/>
           </a:xfrm>
           <a:prstGeom prst="rect">
             <a:avLst/>
           </a:prstGeom>
+          <a:ln>
+            <a:solidFill>
+              <a:schemeClr val="bg1">
+                <a:lumMod val="85000"/>
+              </a:schemeClr>
+            </a:solidFill>
+          </a:ln>
         </p:spPr>
       </p:pic>
       <p:pic>
@@ -6214,7 +7355,7 @@
           <p:cNvPr id="28" name="Grafik 27">
             <a:extLst>
               <a:ext uri="{FF2B5EF4-FFF2-40B4-BE49-F238E27FC236}">
-                <a16:creationId xmlns:a16="http://schemas.microsoft.com/office/drawing/2014/main" id="{10372D53-9518-4F1D-8DF4-3BD5C413AC26}"/>
+                <a16:creationId xmlns:a16="http://schemas.microsoft.com/office/drawing/2014/main" id="{87A95C56-B8AF-4D33-BF4B-7372128773E5}"/>
               </a:ext>
             </a:extLst>
           </p:cNvPr>
@@ -6224,7 +7365,7 @@
           <p:nvPr/>
         </p:nvPicPr>
         <p:blipFill>
-          <a:blip r:embed="rId7" cstate="print">
+          <a:blip r:embed="rId7">
             <a:extLst>
               <a:ext uri="{28A0092B-C50C-407E-A947-70E740481C1C}">
                 <a14:useLocalDpi xmlns:a14="http://schemas.microsoft.com/office/drawing/2010/main" val="0"/>
@@ -6237,12 +7378,19 @@
         </p:blipFill>
         <p:spPr>
           <a:xfrm>
-            <a:off x="3545311" y="8028975"/>
-            <a:ext cx="1871225" cy="240502"/>
+            <a:off x="490752" y="7600424"/>
+            <a:ext cx="1638594" cy="320557"/>
           </a:xfrm>
           <a:prstGeom prst="rect">
             <a:avLst/>
           </a:prstGeom>
+          <a:ln>
+            <a:solidFill>
+              <a:schemeClr val="bg1">
+                <a:lumMod val="85000"/>
+              </a:schemeClr>
+            </a:solidFill>
+          </a:ln>
         </p:spPr>
       </p:pic>
       <p:pic>
@@ -6250,7 +7398,7 @@
           <p:cNvPr id="30" name="Grafik 29">
             <a:extLst>
               <a:ext uri="{FF2B5EF4-FFF2-40B4-BE49-F238E27FC236}">
-                <a16:creationId xmlns:a16="http://schemas.microsoft.com/office/drawing/2014/main" id="{86532D69-9E94-4277-BB78-E1A378B08F35}"/>
+                <a16:creationId xmlns:a16="http://schemas.microsoft.com/office/drawing/2014/main" id="{1CB1C55B-88E2-4791-8F4C-82CDE9F6158A}"/>
               </a:ext>
             </a:extLst>
           </p:cNvPr>
@@ -6260,7 +7408,7 @@
           <p:nvPr/>
         </p:nvPicPr>
         <p:blipFill>
-          <a:blip r:embed="rId8" cstate="print">
+          <a:blip r:embed="rId8">
             <a:extLst>
               <a:ext uri="{28A0092B-C50C-407E-A947-70E740481C1C}">
                 <a14:useLocalDpi xmlns:a14="http://schemas.microsoft.com/office/drawing/2010/main" val="0"/>
@@ -6273,12 +7421,19 @@
         </p:blipFill>
         <p:spPr>
           <a:xfrm>
-            <a:off x="5235347" y="3591646"/>
-            <a:ext cx="1598500" cy="203775"/>
+            <a:off x="490752" y="5720144"/>
+            <a:ext cx="1638594" cy="320556"/>
           </a:xfrm>
           <a:prstGeom prst="rect">
             <a:avLst/>
           </a:prstGeom>
+          <a:ln>
+            <a:solidFill>
+              <a:schemeClr val="bg1">
+                <a:lumMod val="85000"/>
+              </a:schemeClr>
+            </a:solidFill>
+          </a:ln>
         </p:spPr>
       </p:pic>
       <p:pic>
@@ -6286,7 +7441,7 @@
           <p:cNvPr id="32" name="Grafik 31">
             <a:extLst>
               <a:ext uri="{FF2B5EF4-FFF2-40B4-BE49-F238E27FC236}">
-                <a16:creationId xmlns:a16="http://schemas.microsoft.com/office/drawing/2014/main" id="{AD6F9610-35FA-49E4-9F57-AA88BE89D576}"/>
+                <a16:creationId xmlns:a16="http://schemas.microsoft.com/office/drawing/2014/main" id="{26CAB59F-FD0B-465A-87F1-8A2F1486C1BD}"/>
               </a:ext>
             </a:extLst>
           </p:cNvPr>
@@ -6296,7 +7451,7 @@
           <p:nvPr/>
         </p:nvPicPr>
         <p:blipFill>
-          <a:blip r:embed="rId9" cstate="print">
+          <a:blip r:embed="rId9">
             <a:extLst>
               <a:ext uri="{28A0092B-C50C-407E-A947-70E740481C1C}">
                 <a14:useLocalDpi xmlns:a14="http://schemas.microsoft.com/office/drawing/2010/main" val="0"/>
@@ -6309,12 +7464,19 @@
         </p:blipFill>
         <p:spPr>
           <a:xfrm>
-            <a:off x="4302789" y="7256023"/>
-            <a:ext cx="2440497" cy="325638"/>
+            <a:off x="490752" y="7056083"/>
+            <a:ext cx="1638594" cy="319274"/>
           </a:xfrm>
           <a:prstGeom prst="rect">
             <a:avLst/>
           </a:prstGeom>
+          <a:ln>
+            <a:solidFill>
+              <a:schemeClr val="bg1">
+                <a:lumMod val="85000"/>
+              </a:schemeClr>
+            </a:solidFill>
+          </a:ln>
         </p:spPr>
       </p:pic>
       <p:pic>
@@ -6322,7 +7484,7 @@
           <p:cNvPr id="34" name="Grafik 33">
             <a:extLst>
               <a:ext uri="{FF2B5EF4-FFF2-40B4-BE49-F238E27FC236}">
-                <a16:creationId xmlns:a16="http://schemas.microsoft.com/office/drawing/2014/main" id="{435334C2-DFDD-4C03-BFFC-40A56BEA8C87}"/>
+                <a16:creationId xmlns:a16="http://schemas.microsoft.com/office/drawing/2014/main" id="{FECA2ACD-F927-4C9D-BC42-CBC829368BEA}"/>
               </a:ext>
             </a:extLst>
           </p:cNvPr>
@@ -6332,7 +7494,7 @@
           <p:nvPr/>
         </p:nvPicPr>
         <p:blipFill>
-          <a:blip r:embed="rId10" cstate="print">
+          <a:blip r:embed="rId10">
             <a:extLst>
               <a:ext uri="{28A0092B-C50C-407E-A947-70E740481C1C}">
                 <a14:useLocalDpi xmlns:a14="http://schemas.microsoft.com/office/drawing/2010/main" val="0"/>
@@ -6345,12 +7507,19 @@
         </p:blipFill>
         <p:spPr>
           <a:xfrm>
-            <a:off x="3489557" y="4399633"/>
-            <a:ext cx="2545040" cy="250840"/>
+            <a:off x="490752" y="6501463"/>
+            <a:ext cx="1638594" cy="329553"/>
           </a:xfrm>
           <a:prstGeom prst="rect">
             <a:avLst/>
           </a:prstGeom>
+          <a:ln>
+            <a:solidFill>
+              <a:schemeClr val="bg1">
+                <a:lumMod val="85000"/>
+              </a:schemeClr>
+            </a:solidFill>
+          </a:ln>
         </p:spPr>
       </p:pic>
       <p:pic>
@@ -6358,7 +7527,7 @@
           <p:cNvPr id="36" name="Grafik 35">
             <a:extLst>
               <a:ext uri="{FF2B5EF4-FFF2-40B4-BE49-F238E27FC236}">
-                <a16:creationId xmlns:a16="http://schemas.microsoft.com/office/drawing/2014/main" id="{0F670615-2369-4653-AF98-D8DB1BE23E6E}"/>
+                <a16:creationId xmlns:a16="http://schemas.microsoft.com/office/drawing/2014/main" id="{75B0B659-1EDE-4D28-8396-841646F0E3D0}"/>
               </a:ext>
             </a:extLst>
           </p:cNvPr>
@@ -6368,7 +7537,7 @@
           <p:nvPr/>
         </p:nvPicPr>
         <p:blipFill>
-          <a:blip r:embed="rId11" cstate="print">
+          <a:blip r:embed="rId11">
             <a:extLst>
               <a:ext uri="{28A0092B-C50C-407E-A947-70E740481C1C}">
                 <a14:useLocalDpi xmlns:a14="http://schemas.microsoft.com/office/drawing/2010/main" val="0"/>
@@ -6381,20 +7550,27 @@
         </p:blipFill>
         <p:spPr>
           <a:xfrm>
-            <a:off x="3595265" y="1570858"/>
-            <a:ext cx="3089238" cy="272877"/>
+            <a:off x="490752" y="8146048"/>
+            <a:ext cx="1638594" cy="320557"/>
           </a:xfrm>
           <a:prstGeom prst="rect">
             <a:avLst/>
           </a:prstGeom>
+          <a:ln>
+            <a:solidFill>
+              <a:schemeClr val="bg1">
+                <a:lumMod val="85000"/>
+              </a:schemeClr>
+            </a:solidFill>
+          </a:ln>
         </p:spPr>
       </p:pic>
       <p:pic>
         <p:nvPicPr>
-          <p:cNvPr id="38" name="Grafik 37">
+          <p:cNvPr id="39" name="Grafik 38">
             <a:extLst>
               <a:ext uri="{FF2B5EF4-FFF2-40B4-BE49-F238E27FC236}">
-                <a16:creationId xmlns:a16="http://schemas.microsoft.com/office/drawing/2014/main" id="{CC732CB2-0D96-4FE7-8284-05579600A4C5}"/>
+                <a16:creationId xmlns:a16="http://schemas.microsoft.com/office/drawing/2014/main" id="{8FFB6B23-79B0-460B-9550-11BC6280A3B1}"/>
               </a:ext>
             </a:extLst>
           </p:cNvPr>
@@ -6403,359 +7579,403 @@
           </p:cNvPicPr>
           <p:nvPr/>
         </p:nvPicPr>
-        <p:blipFill>
-          <a:blip r:embed="rId12" cstate="print">
-            <a:extLst>
-              <a:ext uri="{28A0092B-C50C-407E-A947-70E740481C1C}">
-                <a14:useLocalDpi xmlns:a14="http://schemas.microsoft.com/office/drawing/2010/main" val="0"/>
-              </a:ext>
-            </a:extLst>
-          </a:blip>
-          <a:stretch>
-            <a:fillRect/>
-          </a:stretch>
+        <p:blipFill rotWithShape="1">
+          <a:blip r:embed="rId12"/>
+          <a:srcRect t="932" b="1494"/>
+          <a:stretch/>
         </p:blipFill>
         <p:spPr>
           <a:xfrm>
-            <a:off x="3797529" y="2696865"/>
-            <a:ext cx="1760792" cy="300623"/>
+            <a:off x="321371" y="1389847"/>
+            <a:ext cx="3399411" cy="3236922"/>
           </a:xfrm>
           <a:prstGeom prst="rect">
             <a:avLst/>
           </a:prstGeom>
         </p:spPr>
       </p:pic>
-      <p:pic>
-        <p:nvPicPr>
-          <p:cNvPr id="40" name="Grafik 39">
-            <a:extLst>
-              <a:ext uri="{FF2B5EF4-FFF2-40B4-BE49-F238E27FC236}">
-                <a16:creationId xmlns:a16="http://schemas.microsoft.com/office/drawing/2014/main" id="{B906F573-A216-4993-8B48-13BEE8D95FAA}"/>
-              </a:ext>
-            </a:extLst>
-          </p:cNvPr>
-          <p:cNvPicPr>
-            <a:picLocks noChangeAspect="1"/>
-          </p:cNvPicPr>
+    </p:spTree>
+    <p:extLst>
+      <p:ext uri="{BB962C8B-B14F-4D97-AF65-F5344CB8AC3E}">
+        <p14:creationId xmlns:p14="http://schemas.microsoft.com/office/powerpoint/2010/main" val="2229024498"/>
+      </p:ext>
+    </p:extLst>
+  </p:cSld>
+  <p:clrMapOvr>
+    <a:masterClrMapping/>
+  </p:clrMapOvr>
+</p:sld>
+</file>
+
+<file path=ppt/slides/slide14.xml><?xml version="1.0" encoding="utf-8"?>
+<p:sld xmlns:a="http://schemas.openxmlformats.org/drawingml/2006/main" xmlns:r="http://schemas.openxmlformats.org/officeDocument/2006/relationships" xmlns:p="http://schemas.openxmlformats.org/presentationml/2006/main">
+  <p:cSld>
+    <p:spTree>
+      <p:nvGrpSpPr>
+        <p:cNvPr id="1" name=""/>
+        <p:cNvGrpSpPr/>
+        <p:nvPr/>
+      </p:nvGrpSpPr>
+      <p:grpSpPr>
+        <a:xfrm>
+          <a:off x="0" y="0"/>
+          <a:ext cx="0" cy="0"/>
+          <a:chOff x="0" y="0"/>
+          <a:chExt cx="0" cy="0"/>
+        </a:xfrm>
+      </p:grpSpPr>
+      <p:sp>
+        <p:nvSpPr>
+          <p:cNvPr id="7" name="Textfeld 6"/>
+          <p:cNvSpPr txBox="1"/>
           <p:nvPr/>
-        </p:nvPicPr>
-        <p:blipFill>
-          <a:blip r:embed="rId13" cstate="print">
-            <a:extLst>
-              <a:ext uri="{28A0092B-C50C-407E-A947-70E740481C1C}">
-                <a14:useLocalDpi xmlns:a14="http://schemas.microsoft.com/office/drawing/2010/main" val="0"/>
-              </a:ext>
-            </a:extLst>
-          </a:blip>
-          <a:stretch>
-            <a:fillRect/>
-          </a:stretch>
-        </p:blipFill>
-        <p:spPr>
-          <a:xfrm>
-            <a:off x="535762" y="8409677"/>
-            <a:ext cx="1641140" cy="277351"/>
+        </p:nvSpPr>
+        <p:spPr>
+          <a:xfrm>
+            <a:off x="3356191" y="608053"/>
+            <a:ext cx="3438347" cy="8710077"/>
           </a:xfrm>
           <a:prstGeom prst="rect">
             <a:avLst/>
           </a:prstGeom>
-        </p:spPr>
-      </p:pic>
-      <p:pic>
-        <p:nvPicPr>
-          <p:cNvPr id="42" name="Grafik 41">
-            <a:extLst>
-              <a:ext uri="{FF2B5EF4-FFF2-40B4-BE49-F238E27FC236}">
-                <a16:creationId xmlns:a16="http://schemas.microsoft.com/office/drawing/2014/main" id="{B2D5662E-15AD-46C0-9B46-C86AEA0C0575}"/>
-              </a:ext>
-            </a:extLst>
-          </p:cNvPr>
-          <p:cNvPicPr>
-            <a:picLocks noChangeAspect="1"/>
-          </p:cNvPicPr>
+          <a:noFill/>
+        </p:spPr>
+        <p:txBody>
+          <a:bodyPr wrap="square" rtlCol="0">
+            <a:spAutoFit/>
+          </a:bodyPr>
+          <a:lstStyle/>
+          <a:p>
+            <a:endParaRPr lang="de-DE" sz="1400" dirty="0"/>
+          </a:p>
+          <a:p>
+            <a:pPr marL="285750" indent="-285750">
+              <a:buFont typeface="Arial" panose="020B0604020202020204" pitchFamily="34" charset="0"/>
+              <a:buChar char="•"/>
+            </a:pPr>
+            <a:r>
+              <a:rPr lang="de-DE" sz="1400" dirty="0"/>
+              <a:t>Es können auch Leben erstellt oder geändert werden</a:t>
+            </a:r>
+          </a:p>
+          <a:p>
+            <a:pPr marL="285750" indent="-285750">
+              <a:buFont typeface="Arial" panose="020B0604020202020204" pitchFamily="34" charset="0"/>
+              <a:buChar char="•"/>
+            </a:pPr>
+            <a:endParaRPr lang="de-DE" sz="1400" dirty="0"/>
+          </a:p>
+          <a:p>
+            <a:pPr marL="285750" indent="-285750">
+              <a:buFont typeface="Arial" panose="020B0604020202020204" pitchFamily="34" charset="0"/>
+              <a:buChar char="•"/>
+            </a:pPr>
+            <a:endParaRPr lang="de-DE" sz="1400" dirty="0"/>
+          </a:p>
+          <a:p>
+            <a:pPr marL="285750" indent="-285750">
+              <a:buFont typeface="Arial" panose="020B0604020202020204" pitchFamily="34" charset="0"/>
+              <a:buChar char="•"/>
+            </a:pPr>
+            <a:r>
+              <a:rPr lang="de-DE" sz="1400" dirty="0"/>
+              <a:t>Erzeugt einen Block (eine LED leuchtet) an der Position x=2 und y=2</a:t>
+            </a:r>
+          </a:p>
+          <a:p>
+            <a:pPr marL="285750" indent="-285750">
+              <a:buFont typeface="Arial" panose="020B0604020202020204" pitchFamily="34" charset="0"/>
+              <a:buChar char="•"/>
+            </a:pPr>
+            <a:r>
+              <a:rPr lang="de-DE" sz="1400" dirty="0"/>
+              <a:t>Diese Sprite wird auf eine Variable z.B. „Spielfigur“ gespeichert</a:t>
+            </a:r>
+          </a:p>
+          <a:p>
+            <a:endParaRPr lang="de-DE" sz="1400" dirty="0"/>
+          </a:p>
+          <a:p>
+            <a:endParaRPr lang="de-DE" sz="1400" dirty="0"/>
+          </a:p>
+          <a:p>
+            <a:pPr marL="285750" indent="-285750">
+              <a:buFont typeface="Arial" panose="020B0604020202020204" pitchFamily="34" charset="0"/>
+              <a:buChar char="•"/>
+            </a:pPr>
+            <a:r>
+              <a:rPr lang="de-DE" sz="1400" dirty="0"/>
+              <a:t>Löscht den Sprite, welcher auf der angegebenen Variable gespeichert ist</a:t>
+            </a:r>
+          </a:p>
+          <a:p>
+            <a:pPr marL="285750" indent="-285750">
+              <a:buFont typeface="Arial" panose="020B0604020202020204" pitchFamily="34" charset="0"/>
+              <a:buChar char="•"/>
+            </a:pPr>
+            <a:endParaRPr lang="de-DE" sz="1400" dirty="0"/>
+          </a:p>
+          <a:p>
+            <a:pPr marL="285750" indent="-285750">
+              <a:buFont typeface="Arial" panose="020B0604020202020204" pitchFamily="34" charset="0"/>
+              <a:buChar char="•"/>
+            </a:pPr>
+            <a:r>
+              <a:rPr lang="de-DE" sz="1400" dirty="0"/>
+              <a:t>Der Sprite kann entweder in x- bzw. y-Richtung bewegt werden oder in die Richtung nach der er ausgerichtet ist</a:t>
+            </a:r>
+          </a:p>
+          <a:p>
+            <a:pPr marL="285750" indent="-285750">
+              <a:buFont typeface="Arial" panose="020B0604020202020204" pitchFamily="34" charset="0"/>
+              <a:buChar char="•"/>
+            </a:pPr>
+            <a:endParaRPr lang="de-DE" sz="1400" dirty="0"/>
+          </a:p>
+          <a:p>
+            <a:pPr marL="285750" indent="-285750">
+              <a:buFont typeface="Arial" panose="020B0604020202020204" pitchFamily="34" charset="0"/>
+              <a:buChar char="•"/>
+            </a:pPr>
+            <a:r>
+              <a:rPr lang="de-DE" sz="1400" dirty="0"/>
+              <a:t>Hier wird die Richtung des Sprites geändert</a:t>
+            </a:r>
+          </a:p>
+          <a:p>
+            <a:pPr marL="285750" indent="-285750">
+              <a:buFont typeface="Arial" panose="020B0604020202020204" pitchFamily="34" charset="0"/>
+              <a:buChar char="•"/>
+            </a:pPr>
+            <a:endParaRPr lang="de-DE" sz="1400" dirty="0"/>
+          </a:p>
+          <a:p>
+            <a:pPr marL="285750" indent="-285750">
+              <a:buFont typeface="Arial" panose="020B0604020202020204" pitchFamily="34" charset="0"/>
+              <a:buChar char="•"/>
+            </a:pPr>
+            <a:r>
+              <a:rPr lang="de-DE" sz="1400" dirty="0"/>
+              <a:t>Schiebt den Sprite sofort auf einen x- bzw. x-Wert</a:t>
+            </a:r>
+          </a:p>
+          <a:p>
+            <a:endParaRPr lang="de-DE" sz="1400" dirty="0"/>
+          </a:p>
+          <a:p>
+            <a:pPr marL="285750" indent="-285750">
+              <a:buFont typeface="Arial" panose="020B0604020202020204" pitchFamily="34" charset="0"/>
+              <a:buChar char="•"/>
+            </a:pPr>
+            <a:r>
+              <a:rPr lang="de-DE" sz="1400" dirty="0"/>
+              <a:t>Es kann noch mehr als nur </a:t>
+            </a:r>
+          </a:p>
+          <a:p>
+            <a:r>
+              <a:rPr lang="de-DE" sz="1400" dirty="0"/>
+              <a:t>       die Koordinaten geändert </a:t>
+            </a:r>
+          </a:p>
+          <a:p>
+            <a:r>
+              <a:rPr lang="de-DE" sz="1400" dirty="0"/>
+              <a:t>       werden</a:t>
+            </a:r>
+          </a:p>
+          <a:p>
+            <a:endParaRPr lang="de-DE" sz="1400" dirty="0"/>
+          </a:p>
+          <a:p>
+            <a:pPr marL="285750" indent="-285750">
+              <a:buFont typeface="Arial" panose="020B0604020202020204" pitchFamily="34" charset="0"/>
+              <a:buChar char="•"/>
+            </a:pPr>
+            <a:r>
+              <a:rPr lang="de-DE" sz="1400" dirty="0"/>
+              <a:t>Hiermit können die Eigenschaften x-, y-Wert, Helligkeit… des Sprites abgefragt werden</a:t>
+            </a:r>
+          </a:p>
+          <a:p>
+            <a:endParaRPr lang="de-DE" sz="1400" dirty="0"/>
+          </a:p>
+          <a:p>
+            <a:pPr marL="285750" indent="-285750">
+              <a:buFont typeface="Arial" panose="020B0604020202020204" pitchFamily="34" charset="0"/>
+              <a:buChar char="•"/>
+            </a:pPr>
+            <a:r>
+              <a:rPr lang="de-DE" sz="1400" dirty="0"/>
+              <a:t>Startet einen Countdown mit Animation z.B. vor Beginn des Spieles</a:t>
+            </a:r>
+          </a:p>
+          <a:p>
+            <a:pPr marL="285750" indent="-285750">
+              <a:buFont typeface="Arial" panose="020B0604020202020204" pitchFamily="34" charset="0"/>
+              <a:buChar char="•"/>
+            </a:pPr>
+            <a:endParaRPr lang="de-DE" sz="1400" dirty="0"/>
+          </a:p>
+          <a:p>
+            <a:pPr marL="285750" indent="-285750">
+              <a:buFont typeface="Arial" panose="020B0604020202020204" pitchFamily="34" charset="0"/>
+              <a:buChar char="•"/>
+            </a:pPr>
+            <a:endParaRPr lang="de-DE" sz="1400" dirty="0"/>
+          </a:p>
+          <a:p>
+            <a:pPr marL="285750" indent="-285750">
+              <a:buFont typeface="Arial" panose="020B0604020202020204" pitchFamily="34" charset="0"/>
+              <a:buChar char="•"/>
+            </a:pPr>
+            <a:r>
+              <a:rPr lang="de-DE" sz="1400" dirty="0"/>
+              <a:t>Sinnvoll zum abfragen, ob der Sprite den Rand oder z.B. einen anderen Sprite berührt</a:t>
+            </a:r>
+          </a:p>
+        </p:txBody>
+      </p:sp>
+      <p:sp>
+        <p:nvSpPr>
+          <p:cNvPr id="2" name="Titel 1"/>
+          <p:cNvSpPr>
+            <a:spLocks noGrp="1"/>
+          </p:cNvSpPr>
+          <p:nvPr>
+            <p:ph type="title"/>
+          </p:nvPr>
+        </p:nvSpPr>
+        <p:spPr>
+          <a:xfrm>
+            <a:off x="471488" y="205740"/>
+            <a:ext cx="5915025" cy="895350"/>
+          </a:xfrm>
+        </p:spPr>
+        <p:txBody>
+          <a:bodyPr/>
+          <a:lstStyle/>
+          <a:p>
+            <a:r>
+              <a:rPr lang="de-DE" dirty="0"/>
+              <a:t>Kurzanleitung zu den Spielbefehlen</a:t>
+            </a:r>
+          </a:p>
+        </p:txBody>
+      </p:sp>
+      <p:sp>
+        <p:nvSpPr>
+          <p:cNvPr id="8" name="Textfeld 7"/>
+          <p:cNvSpPr txBox="1"/>
           <p:nvPr/>
-        </p:nvPicPr>
-        <p:blipFill>
-          <a:blip r:embed="rId14" cstate="print">
-            <a:extLst>
-              <a:ext uri="{28A0092B-C50C-407E-A947-70E740481C1C}">
-                <a14:useLocalDpi xmlns:a14="http://schemas.microsoft.com/office/drawing/2010/main" val="0"/>
-              </a:ext>
-            </a:extLst>
-          </a:blip>
-          <a:stretch>
-            <a:fillRect/>
-          </a:stretch>
-        </p:blipFill>
-        <p:spPr>
-          <a:xfrm>
-            <a:off x="89706" y="5338824"/>
-            <a:ext cx="1571724" cy="250485"/>
+        </p:nvSpPr>
+        <p:spPr>
+          <a:xfrm>
+            <a:off x="100448" y="5119293"/>
+            <a:ext cx="3399028" cy="4370427"/>
           </a:xfrm>
           <a:prstGeom prst="rect">
             <a:avLst/>
           </a:prstGeom>
-        </p:spPr>
-      </p:pic>
-      <p:pic>
-        <p:nvPicPr>
-          <p:cNvPr id="44" name="Grafik 43">
-            <a:extLst>
-              <a:ext uri="{FF2B5EF4-FFF2-40B4-BE49-F238E27FC236}">
-                <a16:creationId xmlns:a16="http://schemas.microsoft.com/office/drawing/2014/main" id="{95570309-4FE3-41F5-85C4-38F31F0A2849}"/>
-              </a:ext>
-            </a:extLst>
-          </p:cNvPr>
-          <p:cNvPicPr>
-            <a:picLocks noChangeAspect="1"/>
-          </p:cNvPicPr>
-          <p:nvPr/>
-        </p:nvPicPr>
-        <p:blipFill>
-          <a:blip r:embed="rId15" cstate="print">
-            <a:extLst>
-              <a:ext uri="{28A0092B-C50C-407E-A947-70E740481C1C}">
-                <a14:useLocalDpi xmlns:a14="http://schemas.microsoft.com/office/drawing/2010/main" val="0"/>
-              </a:ext>
-            </a:extLst>
-          </a:blip>
-          <a:stretch>
-            <a:fillRect/>
-          </a:stretch>
-        </p:blipFill>
-        <p:spPr>
-          <a:xfrm>
-            <a:off x="3486700" y="5015601"/>
-            <a:ext cx="2175822" cy="250839"/>
-          </a:xfrm>
-          <a:prstGeom prst="rect">
-            <a:avLst/>
-          </a:prstGeom>
-        </p:spPr>
-      </p:pic>
-      <p:pic>
-        <p:nvPicPr>
-          <p:cNvPr id="46" name="Grafik 45">
-            <a:extLst>
-              <a:ext uri="{FF2B5EF4-FFF2-40B4-BE49-F238E27FC236}">
-                <a16:creationId xmlns:a16="http://schemas.microsoft.com/office/drawing/2014/main" id="{EC3E0558-A2EF-44EC-A27C-D08A79A3DAED}"/>
-              </a:ext>
-            </a:extLst>
-          </p:cNvPr>
-          <p:cNvPicPr>
-            <a:picLocks noChangeAspect="1"/>
-          </p:cNvPicPr>
-          <p:nvPr/>
-        </p:nvPicPr>
-        <p:blipFill>
-          <a:blip r:embed="rId16">
-            <a:extLst>
-              <a:ext uri="{28A0092B-C50C-407E-A947-70E740481C1C}">
-                <a14:useLocalDpi xmlns:a14="http://schemas.microsoft.com/office/drawing/2010/main" val="0"/>
-              </a:ext>
-            </a:extLst>
-          </a:blip>
-          <a:stretch>
-            <a:fillRect/>
-          </a:stretch>
-        </p:blipFill>
-        <p:spPr>
-          <a:xfrm>
-            <a:off x="2125836" y="7800933"/>
-            <a:ext cx="1105566" cy="233570"/>
-          </a:xfrm>
-          <a:prstGeom prst="rect">
-            <a:avLst/>
-          </a:prstGeom>
-        </p:spPr>
-      </p:pic>
-      <p:pic>
-        <p:nvPicPr>
-          <p:cNvPr id="48" name="Grafik 47">
-            <a:extLst>
-              <a:ext uri="{FF2B5EF4-FFF2-40B4-BE49-F238E27FC236}">
-                <a16:creationId xmlns:a16="http://schemas.microsoft.com/office/drawing/2014/main" id="{D543BE9B-02F4-4F98-8C0C-35285CF166CC}"/>
-              </a:ext>
-            </a:extLst>
-          </p:cNvPr>
-          <p:cNvPicPr>
-            <a:picLocks noChangeAspect="1"/>
-          </p:cNvPicPr>
-          <p:nvPr/>
-        </p:nvPicPr>
-        <p:blipFill>
-          <a:blip r:embed="rId17" cstate="print">
-            <a:extLst>
-              <a:ext uri="{28A0092B-C50C-407E-A947-70E740481C1C}">
-                <a14:useLocalDpi xmlns:a14="http://schemas.microsoft.com/office/drawing/2010/main" val="0"/>
-              </a:ext>
-            </a:extLst>
-          </a:blip>
-          <a:stretch>
-            <a:fillRect/>
-          </a:stretch>
-        </p:blipFill>
-        <p:spPr>
-          <a:xfrm>
-            <a:off x="1084953" y="7795405"/>
-            <a:ext cx="1016549" cy="246112"/>
-          </a:xfrm>
-          <a:prstGeom prst="rect">
-            <a:avLst/>
-          </a:prstGeom>
-        </p:spPr>
-      </p:pic>
-      <p:pic>
-        <p:nvPicPr>
-          <p:cNvPr id="50" name="Grafik 49">
-            <a:extLst>
-              <a:ext uri="{FF2B5EF4-FFF2-40B4-BE49-F238E27FC236}">
-                <a16:creationId xmlns:a16="http://schemas.microsoft.com/office/drawing/2014/main" id="{922122D0-281E-49D0-9546-DA205BFCAC1C}"/>
-              </a:ext>
-            </a:extLst>
-          </p:cNvPr>
-          <p:cNvPicPr>
-            <a:picLocks noChangeAspect="1"/>
-          </p:cNvPicPr>
-          <p:nvPr/>
-        </p:nvPicPr>
-        <p:blipFill>
-          <a:blip r:embed="rId18" cstate="print">
-            <a:extLst>
-              <a:ext uri="{28A0092B-C50C-407E-A947-70E740481C1C}">
-                <a14:useLocalDpi xmlns:a14="http://schemas.microsoft.com/office/drawing/2010/main" val="0"/>
-              </a:ext>
-            </a:extLst>
-          </a:blip>
-          <a:stretch>
-            <a:fillRect/>
-          </a:stretch>
-        </p:blipFill>
-        <p:spPr>
-          <a:xfrm>
-            <a:off x="96503" y="7795405"/>
-            <a:ext cx="964116" cy="244626"/>
-          </a:xfrm>
-          <a:prstGeom prst="rect">
-            <a:avLst/>
-          </a:prstGeom>
-        </p:spPr>
-      </p:pic>
-      <p:pic>
-        <p:nvPicPr>
-          <p:cNvPr id="52" name="Grafik 51">
-            <a:extLst>
-              <a:ext uri="{FF2B5EF4-FFF2-40B4-BE49-F238E27FC236}">
-                <a16:creationId xmlns:a16="http://schemas.microsoft.com/office/drawing/2014/main" id="{2F2A6E04-484B-453E-A458-45C4CDBA7823}"/>
-              </a:ext>
-            </a:extLst>
-          </p:cNvPr>
-          <p:cNvPicPr>
-            <a:picLocks noChangeAspect="1"/>
-          </p:cNvPicPr>
-          <p:nvPr/>
-        </p:nvPicPr>
-        <p:blipFill>
-          <a:blip r:embed="rId19" cstate="print">
-            <a:extLst>
-              <a:ext uri="{28A0092B-C50C-407E-A947-70E740481C1C}">
-                <a14:useLocalDpi xmlns:a14="http://schemas.microsoft.com/office/drawing/2010/main" val="0"/>
-              </a:ext>
-            </a:extLst>
-          </a:blip>
-          <a:stretch>
-            <a:fillRect/>
-          </a:stretch>
-        </p:blipFill>
-        <p:spPr>
-          <a:xfrm>
-            <a:off x="1919815" y="5611720"/>
-            <a:ext cx="1185335" cy="231572"/>
-          </a:xfrm>
-          <a:prstGeom prst="rect">
-            <a:avLst/>
-          </a:prstGeom>
-        </p:spPr>
-      </p:pic>
-      <p:pic>
-        <p:nvPicPr>
-          <p:cNvPr id="55" name="Grafik 54">
-            <a:extLst>
-              <a:ext uri="{FF2B5EF4-FFF2-40B4-BE49-F238E27FC236}">
-                <a16:creationId xmlns:a16="http://schemas.microsoft.com/office/drawing/2014/main" id="{13FF4794-6108-49A8-9F63-FD9436C37E3D}"/>
-              </a:ext>
-            </a:extLst>
-          </p:cNvPr>
-          <p:cNvPicPr>
-            <a:picLocks noChangeAspect="1"/>
-          </p:cNvPicPr>
-          <p:nvPr/>
-        </p:nvPicPr>
-        <p:blipFill>
-          <a:blip r:embed="rId20"/>
-          <a:stretch>
-            <a:fillRect/>
-          </a:stretch>
-        </p:blipFill>
-        <p:spPr>
-          <a:xfrm>
-            <a:off x="294806" y="1290910"/>
-            <a:ext cx="1131240" cy="3426307"/>
-          </a:xfrm>
-          <a:prstGeom prst="rect">
-            <a:avLst/>
-          </a:prstGeom>
-        </p:spPr>
-      </p:pic>
-      <p:sp>
-        <p:nvSpPr>
-          <p:cNvPr id="56" name="Rechteck 55">
-            <a:extLst>
-              <a:ext uri="{FF2B5EF4-FFF2-40B4-BE49-F238E27FC236}">
-                <a16:creationId xmlns:a16="http://schemas.microsoft.com/office/drawing/2014/main" id="{CECCD2CE-9E92-420C-8FA9-C30AA2D41DF6}"/>
-              </a:ext>
-            </a:extLst>
-          </p:cNvPr>
-          <p:cNvSpPr/>
-          <p:nvPr/>
-        </p:nvSpPr>
-        <p:spPr>
-          <a:xfrm>
-            <a:off x="321073" y="4114298"/>
-            <a:ext cx="1098152" cy="214312"/>
-          </a:xfrm>
-          <a:prstGeom prst="rect">
-            <a:avLst/>
-          </a:prstGeom>
           <a:noFill/>
-          <a:ln w="38100">
-            <a:solidFill>
-              <a:srgbClr val="FF0000"/>
-            </a:solidFill>
-          </a:ln>
-        </p:spPr>
-        <p:style>
-          <a:lnRef idx="2">
-            <a:schemeClr val="accent1">
-              <a:shade val="50000"/>
-            </a:schemeClr>
-          </a:lnRef>
-          <a:fillRef idx="1">
-            <a:schemeClr val="accent1"/>
-          </a:fillRef>
-          <a:effectRef idx="0">
-            <a:schemeClr val="accent1"/>
-          </a:effectRef>
-          <a:fontRef idx="minor">
-            <a:schemeClr val="lt1"/>
-          </a:fontRef>
-        </p:style>
-        <p:txBody>
-          <a:bodyPr rtlCol="0" anchor="ctr"/>
+        </p:spPr>
+        <p:txBody>
+          <a:bodyPr wrap="square" rtlCol="0">
+            <a:spAutoFit/>
+          </a:bodyPr>
           <a:lstStyle/>
           <a:p>
-            <a:pPr algn="ctr"/>
-            <a:endParaRPr lang="de-DE"/>
+            <a:pPr marL="342900" indent="-342900">
+              <a:buFont typeface="Arial" panose="020B0604020202020204" pitchFamily="34" charset="0"/>
+              <a:buChar char="•"/>
+            </a:pPr>
+            <a:r>
+              <a:rPr lang="de-DE" sz="1400" dirty="0"/>
+              <a:t>Es kann auch ein Spielstand erzeugt und verändert werden, dieser wird nachdem ein Spiel beendet wurde in der Animation angezeigt</a:t>
+            </a:r>
+          </a:p>
+          <a:p>
+            <a:r>
+              <a:rPr lang="de-DE" sz="1400" b="1" dirty="0"/>
+              <a:t>Hinweis: </a:t>
+            </a:r>
+            <a:r>
+              <a:rPr lang="de-DE" sz="1400" dirty="0"/>
+              <a:t>wenn der Spielstand geändert wird erscheint eine Animation auf dem </a:t>
+            </a:r>
+            <a:r>
+              <a:rPr lang="de-DE" sz="1400" dirty="0" err="1"/>
+              <a:t>Calliope</a:t>
+            </a:r>
+            <a:r>
+              <a:rPr lang="de-DE" sz="1400" dirty="0"/>
+              <a:t>. Dies lässt sich umgehen indem man den Spielstand auf seinen aktuellen Wert +1 </a:t>
+            </a:r>
+            <a:r>
+              <a:rPr lang="de-DE" sz="1400" u="sng" dirty="0"/>
+              <a:t>setzt</a:t>
+            </a:r>
+            <a:r>
+              <a:rPr lang="de-DE" sz="1400" dirty="0"/>
+              <a:t>. (</a:t>
+            </a:r>
+            <a:r>
+              <a:rPr lang="de-DE" sz="1000" i="1" dirty="0"/>
+              <a:t>Spielstand=Spielstand+1</a:t>
+            </a:r>
+            <a:r>
+              <a:rPr lang="de-DE" sz="1400" i="1" dirty="0"/>
+              <a:t>)</a:t>
+            </a:r>
+          </a:p>
+          <a:p>
+            <a:endParaRPr lang="de-DE" sz="1400" i="1" dirty="0"/>
+          </a:p>
+          <a:p>
+            <a:endParaRPr lang="de-DE" sz="1400" i="1" dirty="0"/>
+          </a:p>
+          <a:p>
+            <a:endParaRPr lang="de-DE" sz="1000" i="1" dirty="0"/>
+          </a:p>
+          <a:p>
+            <a:endParaRPr lang="de-DE" sz="1400" dirty="0"/>
+          </a:p>
+          <a:p>
+            <a:pPr marL="342900" indent="-342900">
+              <a:buFont typeface="Arial" panose="020B0604020202020204" pitchFamily="34" charset="0"/>
+              <a:buChar char="•"/>
+            </a:pPr>
+            <a:r>
+              <a:rPr lang="de-DE" sz="1400" dirty="0"/>
+              <a:t>Diese Blöcke lassen das Spiel Pausieren, wieder fortsetzen oder Beenden</a:t>
+            </a:r>
+          </a:p>
+          <a:p>
+            <a:pPr marL="342900" indent="-342900">
+              <a:buFont typeface="Arial" panose="020B0604020202020204" pitchFamily="34" charset="0"/>
+              <a:buChar char="•"/>
+            </a:pPr>
+            <a:endParaRPr lang="de-DE" sz="1400" dirty="0"/>
+          </a:p>
+          <a:p>
+            <a:pPr marL="342900" indent="-342900">
+              <a:buFont typeface="Arial" panose="020B0604020202020204" pitchFamily="34" charset="0"/>
+              <a:buChar char="•"/>
+            </a:pPr>
+            <a:endParaRPr lang="de-DE" sz="1400" dirty="0"/>
+          </a:p>
+          <a:p>
+            <a:pPr marL="342900" indent="-342900">
+              <a:buFont typeface="Arial" panose="020B0604020202020204" pitchFamily="34" charset="0"/>
+              <a:buChar char="•"/>
+            </a:pPr>
+            <a:r>
+              <a:rPr lang="de-DE" sz="1400" dirty="0"/>
+              <a:t>Lässt den Sprite vom Rand der LED-Matrix abprallen</a:t>
+            </a:r>
+          </a:p>
+          <a:p>
+            <a:endParaRPr lang="de-DE" sz="1600" dirty="0"/>
           </a:p>
         </p:txBody>
       </p:sp>
@@ -6770,15 +7990,15 @@
           </p:cNvPr>
           <p:cNvCxnSpPr>
             <a:cxnSpLocks/>
-            <a:stCxn id="63" idx="0"/>
+            <a:stCxn id="63" idx="1"/>
             <a:endCxn id="56" idx="3"/>
           </p:cNvCxnSpPr>
           <p:nvPr/>
         </p:nvCxnSpPr>
         <p:spPr>
           <a:xfrm flipH="1" flipV="1">
-            <a:off x="1419225" y="4221454"/>
-            <a:ext cx="590934" cy="521766"/>
+            <a:off x="1330273" y="3695963"/>
+            <a:ext cx="520693" cy="90294"/>
           </a:xfrm>
           <a:prstGeom prst="straightConnector1">
             <a:avLst/>
@@ -6819,7 +8039,7 @@
         </p:nvSpPr>
         <p:spPr>
           <a:xfrm>
-            <a:off x="1366330" y="4743220"/>
+            <a:off x="1850966" y="3524647"/>
             <a:ext cx="1287657" cy="523220"/>
           </a:xfrm>
           <a:prstGeom prst="rect">
@@ -6855,14 +8075,14 @@
           <p:nvPr/>
         </p:nvPicPr>
         <p:blipFill>
-          <a:blip r:embed="rId21"/>
+          <a:blip r:embed="rId2"/>
           <a:stretch>
             <a:fillRect/>
           </a:stretch>
         </p:blipFill>
         <p:spPr>
           <a:xfrm>
-            <a:off x="1985738" y="1598591"/>
+            <a:off x="1965051" y="807061"/>
             <a:ext cx="1295652" cy="1231191"/>
           </a:xfrm>
           <a:prstGeom prst="rect">
@@ -6886,7 +8106,7 @@
         </p:nvCxnSpPr>
         <p:spPr>
           <a:xfrm>
-            <a:off x="2164314" y="1685527"/>
+            <a:off x="2143627" y="893997"/>
             <a:ext cx="994996" cy="0"/>
           </a:xfrm>
           <a:prstGeom prst="straightConnector1">
@@ -6930,7 +8150,7 @@
         </p:nvCxnSpPr>
         <p:spPr>
           <a:xfrm>
-            <a:off x="2071164" y="1755377"/>
+            <a:off x="2050477" y="963847"/>
             <a:ext cx="0" cy="862206"/>
           </a:xfrm>
           <a:prstGeom prst="straightConnector1">
@@ -6972,7 +8192,7 @@
         </p:nvSpPr>
         <p:spPr>
           <a:xfrm rot="16200000" flipH="1">
-            <a:off x="1578678" y="1887995"/>
+            <a:off x="1557991" y="1096465"/>
             <a:ext cx="689035" cy="261610"/>
           </a:xfrm>
           <a:prstGeom prst="rect">
@@ -7011,7 +8231,7 @@
         </p:nvSpPr>
         <p:spPr>
           <a:xfrm>
-            <a:off x="2119139" y="1391338"/>
+            <a:off x="2098452" y="599808"/>
             <a:ext cx="1162993" cy="261610"/>
           </a:xfrm>
           <a:prstGeom prst="rect">
@@ -7050,7 +8270,7 @@
         </p:nvSpPr>
         <p:spPr>
           <a:xfrm>
-            <a:off x="1521390" y="3349251"/>
+            <a:off x="1500703" y="2557721"/>
             <a:ext cx="1838325" cy="796720"/>
           </a:xfrm>
           <a:prstGeom prst="wedgeEllipseCallout">
@@ -7098,6 +8318,1017 @@
           </a:p>
         </p:txBody>
       </p:sp>
+      <p:pic>
+        <p:nvPicPr>
+          <p:cNvPr id="11" name="Grafik 10">
+            <a:extLst>
+              <a:ext uri="{FF2B5EF4-FFF2-40B4-BE49-F238E27FC236}">
+                <a16:creationId xmlns:a16="http://schemas.microsoft.com/office/drawing/2014/main" id="{B3605E57-F681-4EE3-B838-9E98D6380C2E}"/>
+              </a:ext>
+            </a:extLst>
+          </p:cNvPr>
+          <p:cNvPicPr>
+            <a:picLocks noChangeAspect="1"/>
+          </p:cNvPicPr>
+          <p:nvPr/>
+        </p:nvPicPr>
+        <p:blipFill>
+          <a:blip r:embed="rId3">
+            <a:extLst>
+              <a:ext uri="{28A0092B-C50C-407E-A947-70E740481C1C}">
+                <a14:useLocalDpi xmlns:a14="http://schemas.microsoft.com/office/drawing/2010/main" val="0"/>
+              </a:ext>
+            </a:extLst>
+          </a:blip>
+          <a:stretch>
+            <a:fillRect/>
+          </a:stretch>
+        </p:blipFill>
+        <p:spPr>
+          <a:xfrm>
+            <a:off x="5171912" y="3421207"/>
+            <a:ext cx="1622390" cy="308794"/>
+          </a:xfrm>
+          <a:prstGeom prst="rect">
+            <a:avLst/>
+          </a:prstGeom>
+        </p:spPr>
+      </p:pic>
+      <p:pic>
+        <p:nvPicPr>
+          <p:cNvPr id="13" name="Grafik 12">
+            <a:extLst>
+              <a:ext uri="{FF2B5EF4-FFF2-40B4-BE49-F238E27FC236}">
+                <a16:creationId xmlns:a16="http://schemas.microsoft.com/office/drawing/2014/main" id="{9466B098-4EA3-44CD-96E2-FE5101C07CEC}"/>
+              </a:ext>
+            </a:extLst>
+          </p:cNvPr>
+          <p:cNvPicPr>
+            <a:picLocks noChangeAspect="1"/>
+          </p:cNvPicPr>
+          <p:nvPr/>
+        </p:nvPicPr>
+        <p:blipFill>
+          <a:blip r:embed="rId4">
+            <a:extLst>
+              <a:ext uri="{28A0092B-C50C-407E-A947-70E740481C1C}">
+                <a14:useLocalDpi xmlns:a14="http://schemas.microsoft.com/office/drawing/2010/main" val="0"/>
+              </a:ext>
+            </a:extLst>
+          </a:blip>
+          <a:stretch>
+            <a:fillRect/>
+          </a:stretch>
+        </p:blipFill>
+        <p:spPr>
+          <a:xfrm>
+            <a:off x="4258336" y="4309501"/>
+            <a:ext cx="2076990" cy="299430"/>
+          </a:xfrm>
+          <a:prstGeom prst="rect">
+            <a:avLst/>
+          </a:prstGeom>
+        </p:spPr>
+      </p:pic>
+      <p:pic>
+        <p:nvPicPr>
+          <p:cNvPr id="15" name="Grafik 14">
+            <a:extLst>
+              <a:ext uri="{FF2B5EF4-FFF2-40B4-BE49-F238E27FC236}">
+                <a16:creationId xmlns:a16="http://schemas.microsoft.com/office/drawing/2014/main" id="{EA5117E4-58E2-4860-B1F0-B675A824E8B7}"/>
+              </a:ext>
+            </a:extLst>
+          </p:cNvPr>
+          <p:cNvPicPr>
+            <a:picLocks noChangeAspect="1"/>
+          </p:cNvPicPr>
+          <p:nvPr/>
+        </p:nvPicPr>
+        <p:blipFill>
+          <a:blip r:embed="rId5">
+            <a:extLst>
+              <a:ext uri="{28A0092B-C50C-407E-A947-70E740481C1C}">
+                <a14:useLocalDpi xmlns:a14="http://schemas.microsoft.com/office/drawing/2010/main" val="0"/>
+              </a:ext>
+            </a:extLst>
+          </a:blip>
+          <a:stretch>
+            <a:fillRect/>
+          </a:stretch>
+        </p:blipFill>
+        <p:spPr>
+          <a:xfrm>
+            <a:off x="4913342" y="2729436"/>
+            <a:ext cx="1352194" cy="258016"/>
+          </a:xfrm>
+          <a:prstGeom prst="rect">
+            <a:avLst/>
+          </a:prstGeom>
+        </p:spPr>
+      </p:pic>
+      <p:pic>
+        <p:nvPicPr>
+          <p:cNvPr id="17" name="Grafik 16">
+            <a:extLst>
+              <a:ext uri="{FF2B5EF4-FFF2-40B4-BE49-F238E27FC236}">
+                <a16:creationId xmlns:a16="http://schemas.microsoft.com/office/drawing/2014/main" id="{1F63C131-6D58-44A3-AF8A-4B9A9F9ECBB7}"/>
+              </a:ext>
+            </a:extLst>
+          </p:cNvPr>
+          <p:cNvPicPr>
+            <a:picLocks noChangeAspect="1"/>
+          </p:cNvPicPr>
+          <p:nvPr/>
+        </p:nvPicPr>
+        <p:blipFill>
+          <a:blip r:embed="rId6">
+            <a:extLst>
+              <a:ext uri="{28A0092B-C50C-407E-A947-70E740481C1C}">
+                <a14:useLocalDpi xmlns:a14="http://schemas.microsoft.com/office/drawing/2010/main" val="0"/>
+              </a:ext>
+            </a:extLst>
+          </a:blip>
+          <a:stretch>
+            <a:fillRect/>
+          </a:stretch>
+        </p:blipFill>
+        <p:spPr>
+          <a:xfrm>
+            <a:off x="4347479" y="6283779"/>
+            <a:ext cx="1127667" cy="329157"/>
+          </a:xfrm>
+          <a:prstGeom prst="rect">
+            <a:avLst/>
+          </a:prstGeom>
+        </p:spPr>
+      </p:pic>
+      <p:pic>
+        <p:nvPicPr>
+          <p:cNvPr id="23" name="Grafik 22">
+            <a:extLst>
+              <a:ext uri="{FF2B5EF4-FFF2-40B4-BE49-F238E27FC236}">
+                <a16:creationId xmlns:a16="http://schemas.microsoft.com/office/drawing/2014/main" id="{00E46212-3132-4A7A-9500-0CAE932A67F0}"/>
+              </a:ext>
+            </a:extLst>
+          </p:cNvPr>
+          <p:cNvPicPr>
+            <a:picLocks noChangeAspect="1"/>
+          </p:cNvPicPr>
+          <p:nvPr/>
+        </p:nvPicPr>
+        <p:blipFill>
+          <a:blip r:embed="rId7">
+            <a:extLst>
+              <a:ext uri="{28A0092B-C50C-407E-A947-70E740481C1C}">
+                <a14:useLocalDpi xmlns:a14="http://schemas.microsoft.com/office/drawing/2010/main" val="0"/>
+              </a:ext>
+            </a:extLst>
+          </a:blip>
+          <a:stretch>
+            <a:fillRect/>
+          </a:stretch>
+        </p:blipFill>
+        <p:spPr>
+          <a:xfrm>
+            <a:off x="4504781" y="4774324"/>
+            <a:ext cx="2310193" cy="384016"/>
+          </a:xfrm>
+          <a:prstGeom prst="rect">
+            <a:avLst/>
+          </a:prstGeom>
+        </p:spPr>
+      </p:pic>
+      <p:pic>
+        <p:nvPicPr>
+          <p:cNvPr id="27" name="Grafik 26">
+            <a:extLst>
+              <a:ext uri="{FF2B5EF4-FFF2-40B4-BE49-F238E27FC236}">
+                <a16:creationId xmlns:a16="http://schemas.microsoft.com/office/drawing/2014/main" id="{62651E7B-3602-4CE8-9D1A-0C9860D4C1AE}"/>
+              </a:ext>
+            </a:extLst>
+          </p:cNvPr>
+          <p:cNvPicPr>
+            <a:picLocks noChangeAspect="1"/>
+          </p:cNvPicPr>
+          <p:nvPr/>
+        </p:nvPicPr>
+        <p:blipFill>
+          <a:blip r:embed="rId8">
+            <a:extLst>
+              <a:ext uri="{28A0092B-C50C-407E-A947-70E740481C1C}">
+                <a14:useLocalDpi xmlns:a14="http://schemas.microsoft.com/office/drawing/2010/main" val="0"/>
+              </a:ext>
+            </a:extLst>
+          </a:blip>
+          <a:stretch>
+            <a:fillRect/>
+          </a:stretch>
+        </p:blipFill>
+        <p:spPr>
+          <a:xfrm>
+            <a:off x="1676769" y="4517704"/>
+            <a:ext cx="1436422" cy="337666"/>
+          </a:xfrm>
+          <a:prstGeom prst="rect">
+            <a:avLst/>
+          </a:prstGeom>
+        </p:spPr>
+      </p:pic>
+      <p:pic>
+        <p:nvPicPr>
+          <p:cNvPr id="31" name="Grafik 30">
+            <a:extLst>
+              <a:ext uri="{FF2B5EF4-FFF2-40B4-BE49-F238E27FC236}">
+                <a16:creationId xmlns:a16="http://schemas.microsoft.com/office/drawing/2014/main" id="{4FE6528E-ACC0-4EF2-B40B-F14B30EAE828}"/>
+              </a:ext>
+            </a:extLst>
+          </p:cNvPr>
+          <p:cNvPicPr>
+            <a:picLocks noChangeAspect="1"/>
+          </p:cNvPicPr>
+          <p:nvPr/>
+        </p:nvPicPr>
+        <p:blipFill>
+          <a:blip r:embed="rId9">
+            <a:extLst>
+              <a:ext uri="{28A0092B-C50C-407E-A947-70E740481C1C}">
+                <a14:useLocalDpi xmlns:a14="http://schemas.microsoft.com/office/drawing/2010/main" val="0"/>
+              </a:ext>
+            </a:extLst>
+          </a:blip>
+          <a:stretch>
+            <a:fillRect/>
+          </a:stretch>
+        </p:blipFill>
+        <p:spPr>
+          <a:xfrm>
+            <a:off x="4437804" y="7190232"/>
+            <a:ext cx="1926177" cy="384016"/>
+          </a:xfrm>
+          <a:prstGeom prst="rect">
+            <a:avLst/>
+          </a:prstGeom>
+        </p:spPr>
+      </p:pic>
+      <p:pic>
+        <p:nvPicPr>
+          <p:cNvPr id="35" name="Grafik 34">
+            <a:extLst>
+              <a:ext uri="{FF2B5EF4-FFF2-40B4-BE49-F238E27FC236}">
+                <a16:creationId xmlns:a16="http://schemas.microsoft.com/office/drawing/2014/main" id="{53E38BBA-C5B3-44F2-BCCD-7F7AB206B9ED}"/>
+              </a:ext>
+            </a:extLst>
+          </p:cNvPr>
+          <p:cNvPicPr>
+            <a:picLocks noChangeAspect="1"/>
+          </p:cNvPicPr>
+          <p:nvPr/>
+        </p:nvPicPr>
+        <p:blipFill>
+          <a:blip r:embed="rId10">
+            <a:extLst>
+              <a:ext uri="{28A0092B-C50C-407E-A947-70E740481C1C}">
+                <a14:useLocalDpi xmlns:a14="http://schemas.microsoft.com/office/drawing/2010/main" val="0"/>
+              </a:ext>
+            </a:extLst>
+          </a:blip>
+          <a:stretch>
+            <a:fillRect/>
+          </a:stretch>
+        </p:blipFill>
+        <p:spPr>
+          <a:xfrm>
+            <a:off x="3783030" y="1462634"/>
+            <a:ext cx="2663732" cy="274297"/>
+          </a:xfrm>
+          <a:prstGeom prst="rect">
+            <a:avLst/>
+          </a:prstGeom>
+        </p:spPr>
+      </p:pic>
+      <p:pic>
+        <p:nvPicPr>
+          <p:cNvPr id="39" name="Grafik 38">
+            <a:extLst>
+              <a:ext uri="{FF2B5EF4-FFF2-40B4-BE49-F238E27FC236}">
+                <a16:creationId xmlns:a16="http://schemas.microsoft.com/office/drawing/2014/main" id="{00ADA546-B31A-4783-8A0E-C89284993A8E}"/>
+              </a:ext>
+            </a:extLst>
+          </p:cNvPr>
+          <p:cNvPicPr>
+            <a:picLocks noChangeAspect="1"/>
+          </p:cNvPicPr>
+          <p:nvPr/>
+        </p:nvPicPr>
+        <p:blipFill>
+          <a:blip r:embed="rId11">
+            <a:extLst>
+              <a:ext uri="{28A0092B-C50C-407E-A947-70E740481C1C}">
+                <a14:useLocalDpi xmlns:a14="http://schemas.microsoft.com/office/drawing/2010/main" val="0"/>
+              </a:ext>
+            </a:extLst>
+          </a:blip>
+          <a:stretch>
+            <a:fillRect/>
+          </a:stretch>
+        </p:blipFill>
+        <p:spPr>
+          <a:xfrm>
+            <a:off x="1285785" y="7055104"/>
+            <a:ext cx="574218" cy="309194"/>
+          </a:xfrm>
+          <a:prstGeom prst="rect">
+            <a:avLst/>
+          </a:prstGeom>
+        </p:spPr>
+      </p:pic>
+      <p:pic>
+        <p:nvPicPr>
+          <p:cNvPr id="58" name="Grafik 57">
+            <a:extLst>
+              <a:ext uri="{FF2B5EF4-FFF2-40B4-BE49-F238E27FC236}">
+                <a16:creationId xmlns:a16="http://schemas.microsoft.com/office/drawing/2014/main" id="{D30EDAE1-7435-4A43-8B6C-30B665E0C6AA}"/>
+              </a:ext>
+            </a:extLst>
+          </p:cNvPr>
+          <p:cNvPicPr>
+            <a:picLocks noChangeAspect="1"/>
+          </p:cNvPicPr>
+          <p:nvPr/>
+        </p:nvPicPr>
+        <p:blipFill>
+          <a:blip r:embed="rId12">
+            <a:extLst>
+              <a:ext uri="{28A0092B-C50C-407E-A947-70E740481C1C}">
+                <a14:useLocalDpi xmlns:a14="http://schemas.microsoft.com/office/drawing/2010/main" val="0"/>
+              </a:ext>
+            </a:extLst>
+          </a:blip>
+          <a:stretch>
+            <a:fillRect/>
+          </a:stretch>
+        </p:blipFill>
+        <p:spPr>
+          <a:xfrm>
+            <a:off x="3743697" y="2687325"/>
+            <a:ext cx="1028952" cy="334144"/>
+          </a:xfrm>
+          <a:prstGeom prst="rect">
+            <a:avLst/>
+          </a:prstGeom>
+        </p:spPr>
+      </p:pic>
+      <p:pic>
+        <p:nvPicPr>
+          <p:cNvPr id="61" name="Grafik 60">
+            <a:extLst>
+              <a:ext uri="{FF2B5EF4-FFF2-40B4-BE49-F238E27FC236}">
+                <a16:creationId xmlns:a16="http://schemas.microsoft.com/office/drawing/2014/main" id="{E1518B9E-9057-4ABE-8D58-0B74D46F2597}"/>
+              </a:ext>
+            </a:extLst>
+          </p:cNvPr>
+          <p:cNvPicPr>
+            <a:picLocks noChangeAspect="1"/>
+          </p:cNvPicPr>
+          <p:nvPr/>
+        </p:nvPicPr>
+        <p:blipFill>
+          <a:blip r:embed="rId13">
+            <a:extLst>
+              <a:ext uri="{28A0092B-C50C-407E-A947-70E740481C1C}">
+                <a14:useLocalDpi xmlns:a14="http://schemas.microsoft.com/office/drawing/2010/main" val="0"/>
+              </a:ext>
+            </a:extLst>
+          </a:blip>
+          <a:stretch>
+            <a:fillRect/>
+          </a:stretch>
+        </p:blipFill>
+        <p:spPr>
+          <a:xfrm>
+            <a:off x="246772" y="7068627"/>
+            <a:ext cx="528262" cy="311032"/>
+          </a:xfrm>
+          <a:prstGeom prst="rect">
+            <a:avLst/>
+          </a:prstGeom>
+        </p:spPr>
+      </p:pic>
+      <p:pic>
+        <p:nvPicPr>
+          <p:cNvPr id="66" name="Grafik 65">
+            <a:extLst>
+              <a:ext uri="{FF2B5EF4-FFF2-40B4-BE49-F238E27FC236}">
+                <a16:creationId xmlns:a16="http://schemas.microsoft.com/office/drawing/2014/main" id="{0F5C7BF6-9709-40F9-ABC2-3A4162E4DEC2}"/>
+              </a:ext>
+            </a:extLst>
+          </p:cNvPr>
+          <p:cNvPicPr>
+            <a:picLocks noChangeAspect="1"/>
+          </p:cNvPicPr>
+          <p:nvPr/>
+        </p:nvPicPr>
+        <p:blipFill>
+          <a:blip r:embed="rId14">
+            <a:extLst>
+              <a:ext uri="{28A0092B-C50C-407E-A947-70E740481C1C}">
+                <a14:useLocalDpi xmlns:a14="http://schemas.microsoft.com/office/drawing/2010/main" val="0"/>
+              </a:ext>
+            </a:extLst>
+          </a:blip>
+          <a:stretch>
+            <a:fillRect/>
+          </a:stretch>
+        </p:blipFill>
+        <p:spPr>
+          <a:xfrm>
+            <a:off x="223074" y="4529231"/>
+            <a:ext cx="1273448" cy="299356"/>
+          </a:xfrm>
+          <a:prstGeom prst="rect">
+            <a:avLst/>
+          </a:prstGeom>
+        </p:spPr>
+      </p:pic>
+      <p:pic>
+        <p:nvPicPr>
+          <p:cNvPr id="71" name="Grafik 70">
+            <a:extLst>
+              <a:ext uri="{FF2B5EF4-FFF2-40B4-BE49-F238E27FC236}">
+                <a16:creationId xmlns:a16="http://schemas.microsoft.com/office/drawing/2014/main" id="{C4008F56-E18C-4240-9F83-AF36A2593551}"/>
+              </a:ext>
+            </a:extLst>
+          </p:cNvPr>
+          <p:cNvPicPr>
+            <a:picLocks noChangeAspect="1"/>
+          </p:cNvPicPr>
+          <p:nvPr/>
+        </p:nvPicPr>
+        <p:blipFill>
+          <a:blip r:embed="rId15">
+            <a:extLst>
+              <a:ext uri="{28A0092B-C50C-407E-A947-70E740481C1C}">
+                <a14:useLocalDpi xmlns:a14="http://schemas.microsoft.com/office/drawing/2010/main" val="0"/>
+              </a:ext>
+            </a:extLst>
+          </a:blip>
+          <a:stretch>
+            <a:fillRect/>
+          </a:stretch>
+        </p:blipFill>
+        <p:spPr>
+          <a:xfrm>
+            <a:off x="2421194" y="7049853"/>
+            <a:ext cx="694672" cy="299756"/>
+          </a:xfrm>
+          <a:prstGeom prst="rect">
+            <a:avLst/>
+          </a:prstGeom>
+        </p:spPr>
+      </p:pic>
+      <p:pic>
+        <p:nvPicPr>
+          <p:cNvPr id="77" name="Grafik 76">
+            <a:extLst>
+              <a:ext uri="{FF2B5EF4-FFF2-40B4-BE49-F238E27FC236}">
+                <a16:creationId xmlns:a16="http://schemas.microsoft.com/office/drawing/2014/main" id="{CF6EA7DD-E2FC-40A9-9299-AA269DDEE570}"/>
+              </a:ext>
+            </a:extLst>
+          </p:cNvPr>
+          <p:cNvPicPr>
+            <a:picLocks noChangeAspect="1"/>
+          </p:cNvPicPr>
+          <p:nvPr/>
+        </p:nvPicPr>
+        <p:blipFill>
+          <a:blip r:embed="rId16">
+            <a:extLst>
+              <a:ext uri="{28A0092B-C50C-407E-A947-70E740481C1C}">
+                <a14:useLocalDpi xmlns:a14="http://schemas.microsoft.com/office/drawing/2010/main" val="0"/>
+              </a:ext>
+            </a:extLst>
+          </a:blip>
+          <a:stretch>
+            <a:fillRect/>
+          </a:stretch>
+        </p:blipFill>
+        <p:spPr>
+          <a:xfrm>
+            <a:off x="475782" y="4855599"/>
+            <a:ext cx="768032" cy="280393"/>
+          </a:xfrm>
+          <a:prstGeom prst="rect">
+            <a:avLst/>
+          </a:prstGeom>
+        </p:spPr>
+      </p:pic>
+      <p:pic>
+        <p:nvPicPr>
+          <p:cNvPr id="81" name="Grafik 80">
+            <a:extLst>
+              <a:ext uri="{FF2B5EF4-FFF2-40B4-BE49-F238E27FC236}">
+                <a16:creationId xmlns:a16="http://schemas.microsoft.com/office/drawing/2014/main" id="{ADB59766-DCD1-4043-B8F1-366B9189EB05}"/>
+              </a:ext>
+            </a:extLst>
+          </p:cNvPr>
+          <p:cNvPicPr>
+            <a:picLocks noChangeAspect="1"/>
+          </p:cNvPicPr>
+          <p:nvPr/>
+        </p:nvPicPr>
+        <p:blipFill>
+          <a:blip r:embed="rId17">
+            <a:extLst>
+              <a:ext uri="{28A0092B-C50C-407E-A947-70E740481C1C}">
+                <a14:useLocalDpi xmlns:a14="http://schemas.microsoft.com/office/drawing/2010/main" val="0"/>
+              </a:ext>
+            </a:extLst>
+          </a:blip>
+          <a:stretch>
+            <a:fillRect/>
+          </a:stretch>
+        </p:blipFill>
+        <p:spPr>
+          <a:xfrm>
+            <a:off x="3397157" y="3446368"/>
+            <a:ext cx="1713794" cy="284878"/>
+          </a:xfrm>
+          <a:prstGeom prst="rect">
+            <a:avLst/>
+          </a:prstGeom>
+        </p:spPr>
+      </p:pic>
+      <p:pic>
+        <p:nvPicPr>
+          <p:cNvPr id="83" name="Grafik 82">
+            <a:extLst>
+              <a:ext uri="{FF2B5EF4-FFF2-40B4-BE49-F238E27FC236}">
+                <a16:creationId xmlns:a16="http://schemas.microsoft.com/office/drawing/2014/main" id="{F96A3900-2FAB-4669-B748-57C7A8F09AAA}"/>
+              </a:ext>
+            </a:extLst>
+          </p:cNvPr>
+          <p:cNvPicPr>
+            <a:picLocks noChangeAspect="1"/>
+          </p:cNvPicPr>
+          <p:nvPr/>
+        </p:nvPicPr>
+        <p:blipFill>
+          <a:blip r:embed="rId18">
+            <a:extLst>
+              <a:ext uri="{28A0092B-C50C-407E-A947-70E740481C1C}">
+                <a14:useLocalDpi xmlns:a14="http://schemas.microsoft.com/office/drawing/2010/main" val="0"/>
+              </a:ext>
+            </a:extLst>
+          </a:blip>
+          <a:stretch>
+            <a:fillRect/>
+          </a:stretch>
+        </p:blipFill>
+        <p:spPr>
+          <a:xfrm>
+            <a:off x="5253936" y="8054349"/>
+            <a:ext cx="1427768" cy="271478"/>
+          </a:xfrm>
+          <a:prstGeom prst="rect">
+            <a:avLst/>
+          </a:prstGeom>
+        </p:spPr>
+      </p:pic>
+      <p:pic>
+        <p:nvPicPr>
+          <p:cNvPr id="85" name="Grafik 84">
+            <a:extLst>
+              <a:ext uri="{FF2B5EF4-FFF2-40B4-BE49-F238E27FC236}">
+                <a16:creationId xmlns:a16="http://schemas.microsoft.com/office/drawing/2014/main" id="{EBDCD23B-0AC5-44C0-AB79-45FF303D68BA}"/>
+              </a:ext>
+            </a:extLst>
+          </p:cNvPr>
+          <p:cNvPicPr>
+            <a:picLocks noChangeAspect="1"/>
+          </p:cNvPicPr>
+          <p:nvPr/>
+        </p:nvPicPr>
+        <p:blipFill>
+          <a:blip r:embed="rId19">
+            <a:extLst>
+              <a:ext uri="{28A0092B-C50C-407E-A947-70E740481C1C}">
+                <a14:useLocalDpi xmlns:a14="http://schemas.microsoft.com/office/drawing/2010/main" val="0"/>
+              </a:ext>
+            </a:extLst>
+          </a:blip>
+          <a:stretch>
+            <a:fillRect/>
+          </a:stretch>
+        </p:blipFill>
+        <p:spPr>
+          <a:xfrm>
+            <a:off x="3748402" y="8100411"/>
+            <a:ext cx="1395642" cy="237648"/>
+          </a:xfrm>
+          <a:prstGeom prst="rect">
+            <a:avLst/>
+          </a:prstGeom>
+        </p:spPr>
+      </p:pic>
+      <p:pic>
+        <p:nvPicPr>
+          <p:cNvPr id="86" name="Grafik 85">
+            <a:extLst>
+              <a:ext uri="{FF2B5EF4-FFF2-40B4-BE49-F238E27FC236}">
+                <a16:creationId xmlns:a16="http://schemas.microsoft.com/office/drawing/2014/main" id="{34E81B9A-1C20-4888-8691-BA60CDEA65F5}"/>
+              </a:ext>
+            </a:extLst>
+          </p:cNvPr>
+          <p:cNvPicPr>
+            <a:picLocks noChangeAspect="1"/>
+          </p:cNvPicPr>
+          <p:nvPr/>
+        </p:nvPicPr>
+        <p:blipFill>
+          <a:blip r:embed="rId7">
+            <a:extLst>
+              <a:ext uri="{28A0092B-C50C-407E-A947-70E740481C1C}">
+                <a14:useLocalDpi xmlns:a14="http://schemas.microsoft.com/office/drawing/2010/main" val="0"/>
+              </a:ext>
+            </a:extLst>
+          </a:blip>
+          <a:stretch>
+            <a:fillRect/>
+          </a:stretch>
+        </p:blipFill>
+        <p:spPr>
+          <a:xfrm>
+            <a:off x="4706653" y="5431772"/>
+            <a:ext cx="2144898" cy="356540"/>
+          </a:xfrm>
+          <a:prstGeom prst="rect">
+            <a:avLst/>
+          </a:prstGeom>
+        </p:spPr>
+      </p:pic>
+      <p:pic>
+        <p:nvPicPr>
+          <p:cNvPr id="87" name="Grafik 86">
+            <a:extLst>
+              <a:ext uri="{FF2B5EF4-FFF2-40B4-BE49-F238E27FC236}">
+                <a16:creationId xmlns:a16="http://schemas.microsoft.com/office/drawing/2014/main" id="{461FB0A8-D7F1-4DCC-9815-472243434E60}"/>
+              </a:ext>
+            </a:extLst>
+          </p:cNvPr>
+          <p:cNvPicPr>
+            <a:picLocks noChangeAspect="1"/>
+          </p:cNvPicPr>
+          <p:nvPr/>
+        </p:nvPicPr>
+        <p:blipFill rotWithShape="1">
+          <a:blip r:embed="rId20"/>
+          <a:srcRect l="10861" t="1966" r="23666" b="24666"/>
+          <a:stretch/>
+        </p:blipFill>
+        <p:spPr>
+          <a:xfrm>
+            <a:off x="160247" y="585186"/>
+            <a:ext cx="1145951" cy="3699244"/>
+          </a:xfrm>
+          <a:prstGeom prst="rect">
+            <a:avLst/>
+          </a:prstGeom>
+        </p:spPr>
+      </p:pic>
+      <p:sp>
+        <p:nvSpPr>
+          <p:cNvPr id="56" name="Rechteck 55">
+            <a:extLst>
+              <a:ext uri="{FF2B5EF4-FFF2-40B4-BE49-F238E27FC236}">
+                <a16:creationId xmlns:a16="http://schemas.microsoft.com/office/drawing/2014/main" id="{CECCD2CE-9E92-420C-8FA9-C30AA2D41DF6}"/>
+              </a:ext>
+            </a:extLst>
+          </p:cNvPr>
+          <p:cNvSpPr/>
+          <p:nvPr/>
+        </p:nvSpPr>
+        <p:spPr>
+          <a:xfrm>
+            <a:off x="232121" y="3588807"/>
+            <a:ext cx="1098152" cy="214312"/>
+          </a:xfrm>
+          <a:prstGeom prst="rect">
+            <a:avLst/>
+          </a:prstGeom>
+          <a:noFill/>
+          <a:ln w="38100">
+            <a:solidFill>
+              <a:srgbClr val="FF0000"/>
+            </a:solidFill>
+          </a:ln>
+        </p:spPr>
+        <p:style>
+          <a:lnRef idx="2">
+            <a:schemeClr val="accent1">
+              <a:shade val="50000"/>
+            </a:schemeClr>
+          </a:lnRef>
+          <a:fillRef idx="1">
+            <a:schemeClr val="accent1"/>
+          </a:fillRef>
+          <a:effectRef idx="0">
+            <a:schemeClr val="accent1"/>
+          </a:effectRef>
+          <a:fontRef idx="minor">
+            <a:schemeClr val="lt1"/>
+          </a:fontRef>
+        </p:style>
+        <p:txBody>
+          <a:bodyPr rtlCol="0" anchor="ctr"/>
+          <a:lstStyle/>
+          <a:p>
+            <a:pPr algn="ctr"/>
+            <a:endParaRPr lang="de-DE"/>
+          </a:p>
+        </p:txBody>
+      </p:sp>
+      <p:pic>
+        <p:nvPicPr>
+          <p:cNvPr id="90" name="Grafik 89">
+            <a:extLst>
+              <a:ext uri="{FF2B5EF4-FFF2-40B4-BE49-F238E27FC236}">
+                <a16:creationId xmlns:a16="http://schemas.microsoft.com/office/drawing/2014/main" id="{16F56689-E2CD-4269-9E5B-EE40EF76F2AC}"/>
+              </a:ext>
+            </a:extLst>
+          </p:cNvPr>
+          <p:cNvPicPr>
+            <a:picLocks noChangeAspect="1"/>
+          </p:cNvPicPr>
+          <p:nvPr/>
+        </p:nvPicPr>
+        <p:blipFill>
+          <a:blip r:embed="rId21">
+            <a:extLst>
+              <a:ext uri="{28A0092B-C50C-407E-A947-70E740481C1C}">
+                <a14:useLocalDpi xmlns:a14="http://schemas.microsoft.com/office/drawing/2010/main" val="0"/>
+              </a:ext>
+            </a:extLst>
+          </a:blip>
+          <a:stretch>
+            <a:fillRect/>
+          </a:stretch>
+        </p:blipFill>
+        <p:spPr>
+          <a:xfrm>
+            <a:off x="221781" y="8321574"/>
+            <a:ext cx="2314450" cy="416082"/>
+          </a:xfrm>
+          <a:prstGeom prst="rect">
+            <a:avLst/>
+          </a:prstGeom>
+        </p:spPr>
+      </p:pic>
+      <p:pic>
+        <p:nvPicPr>
+          <p:cNvPr id="92" name="Grafik 91">
+            <a:extLst>
+              <a:ext uri="{FF2B5EF4-FFF2-40B4-BE49-F238E27FC236}">
+                <a16:creationId xmlns:a16="http://schemas.microsoft.com/office/drawing/2014/main" id="{E1BDA5F5-C646-456E-8F59-772BC841B2EA}"/>
+              </a:ext>
+            </a:extLst>
+          </p:cNvPr>
+          <p:cNvPicPr>
+            <a:picLocks noChangeAspect="1"/>
+          </p:cNvPicPr>
+          <p:nvPr/>
+        </p:nvPicPr>
+        <p:blipFill>
+          <a:blip r:embed="rId22">
+            <a:extLst>
+              <a:ext uri="{28A0092B-C50C-407E-A947-70E740481C1C}">
+                <a14:useLocalDpi xmlns:a14="http://schemas.microsoft.com/office/drawing/2010/main" val="0"/>
+              </a:ext>
+            </a:extLst>
+          </a:blip>
+          <a:stretch>
+            <a:fillRect/>
+          </a:stretch>
+        </p:blipFill>
+        <p:spPr>
+          <a:xfrm>
+            <a:off x="95161" y="7512909"/>
+            <a:ext cx="932420" cy="229284"/>
+          </a:xfrm>
+          <a:prstGeom prst="rect">
+            <a:avLst/>
+          </a:prstGeom>
+        </p:spPr>
+      </p:pic>
+      <p:pic>
+        <p:nvPicPr>
+          <p:cNvPr id="93" name="Grafik 92">
+            <a:extLst>
+              <a:ext uri="{FF2B5EF4-FFF2-40B4-BE49-F238E27FC236}">
+                <a16:creationId xmlns:a16="http://schemas.microsoft.com/office/drawing/2014/main" id="{BE887494-E269-4290-AB52-8B0CA8188F1B}"/>
+              </a:ext>
+            </a:extLst>
+          </p:cNvPr>
+          <p:cNvPicPr>
+            <a:picLocks noChangeAspect="1"/>
+          </p:cNvPicPr>
+          <p:nvPr/>
+        </p:nvPicPr>
+        <p:blipFill>
+          <a:blip r:embed="rId23">
+            <a:extLst>
+              <a:ext uri="{28A0092B-C50C-407E-A947-70E740481C1C}">
+                <a14:useLocalDpi xmlns:a14="http://schemas.microsoft.com/office/drawing/2010/main" val="0"/>
+              </a:ext>
+            </a:extLst>
+          </a:blip>
+          <a:stretch>
+            <a:fillRect/>
+          </a:stretch>
+        </p:blipFill>
+        <p:spPr>
+          <a:xfrm>
+            <a:off x="1330259" y="7495675"/>
+            <a:ext cx="484042" cy="229284"/>
+          </a:xfrm>
+          <a:prstGeom prst="rect">
+            <a:avLst/>
+          </a:prstGeom>
+        </p:spPr>
+      </p:pic>
+      <p:pic>
+        <p:nvPicPr>
+          <p:cNvPr id="94" name="Grafik 93">
+            <a:extLst>
+              <a:ext uri="{FF2B5EF4-FFF2-40B4-BE49-F238E27FC236}">
+                <a16:creationId xmlns:a16="http://schemas.microsoft.com/office/drawing/2014/main" id="{C51E01AE-E86F-4CAF-890C-A130AD5582A7}"/>
+              </a:ext>
+            </a:extLst>
+          </p:cNvPr>
+          <p:cNvPicPr>
+            <a:picLocks noChangeAspect="1"/>
+          </p:cNvPicPr>
+          <p:nvPr/>
+        </p:nvPicPr>
+        <p:blipFill>
+          <a:blip r:embed="rId24">
+            <a:extLst>
+              <a:ext uri="{28A0092B-C50C-407E-A947-70E740481C1C}">
+                <a14:useLocalDpi xmlns:a14="http://schemas.microsoft.com/office/drawing/2010/main" val="0"/>
+              </a:ext>
+            </a:extLst>
+          </a:blip>
+          <a:stretch>
+            <a:fillRect/>
+          </a:stretch>
+        </p:blipFill>
+        <p:spPr>
+          <a:xfrm>
+            <a:off x="2238927" y="7469627"/>
+            <a:ext cx="1075086" cy="234380"/>
+          </a:xfrm>
+          <a:prstGeom prst="rect">
+            <a:avLst/>
+          </a:prstGeom>
+        </p:spPr>
+      </p:pic>
+      <p:pic>
+        <p:nvPicPr>
+          <p:cNvPr id="95" name="Grafik 94">
+            <a:extLst>
+              <a:ext uri="{FF2B5EF4-FFF2-40B4-BE49-F238E27FC236}">
+                <a16:creationId xmlns:a16="http://schemas.microsoft.com/office/drawing/2014/main" id="{21B5BDF4-C504-47EE-901F-669E34D68C5A}"/>
+              </a:ext>
+            </a:extLst>
+          </p:cNvPr>
+          <p:cNvPicPr>
+            <a:picLocks noChangeAspect="1"/>
+          </p:cNvPicPr>
+          <p:nvPr/>
+        </p:nvPicPr>
+        <p:blipFill>
+          <a:blip r:embed="rId25">
+            <a:extLst>
+              <a:ext uri="{28A0092B-C50C-407E-A947-70E740481C1C}">
+                <a14:useLocalDpi xmlns:a14="http://schemas.microsoft.com/office/drawing/2010/main" val="0"/>
+              </a:ext>
+            </a:extLst>
+          </a:blip>
+          <a:stretch>
+            <a:fillRect/>
+          </a:stretch>
+        </p:blipFill>
+        <p:spPr>
+          <a:xfrm>
+            <a:off x="4763558" y="615452"/>
+            <a:ext cx="1010590" cy="290718"/>
+          </a:xfrm>
+          <a:prstGeom prst="rect">
+            <a:avLst/>
+          </a:prstGeom>
+        </p:spPr>
+      </p:pic>
+      <p:pic>
+        <p:nvPicPr>
+          <p:cNvPr id="96" name="Grafik 95">
+            <a:extLst>
+              <a:ext uri="{FF2B5EF4-FFF2-40B4-BE49-F238E27FC236}">
+                <a16:creationId xmlns:a16="http://schemas.microsoft.com/office/drawing/2014/main" id="{FC67E3C5-2EE1-428D-9AF3-0CF3EB469C76}"/>
+              </a:ext>
+            </a:extLst>
+          </p:cNvPr>
+          <p:cNvPicPr>
+            <a:picLocks noChangeAspect="1"/>
+          </p:cNvPicPr>
+          <p:nvPr/>
+        </p:nvPicPr>
+        <p:blipFill>
+          <a:blip r:embed="rId26">
+            <a:extLst>
+              <a:ext uri="{28A0092B-C50C-407E-A947-70E740481C1C}">
+                <a14:useLocalDpi xmlns:a14="http://schemas.microsoft.com/office/drawing/2010/main" val="0"/>
+              </a:ext>
+            </a:extLst>
+          </a:blip>
+          <a:stretch>
+            <a:fillRect/>
+          </a:stretch>
+        </p:blipFill>
+        <p:spPr>
+          <a:xfrm>
+            <a:off x="5813813" y="605629"/>
+            <a:ext cx="1056734" cy="290718"/>
+          </a:xfrm>
+          <a:prstGeom prst="rect">
+            <a:avLst/>
+          </a:prstGeom>
+        </p:spPr>
+      </p:pic>
+      <p:pic>
+        <p:nvPicPr>
+          <p:cNvPr id="97" name="Grafik 96">
+            <a:extLst>
+              <a:ext uri="{FF2B5EF4-FFF2-40B4-BE49-F238E27FC236}">
+                <a16:creationId xmlns:a16="http://schemas.microsoft.com/office/drawing/2014/main" id="{D2BD5E4A-615E-4CF7-91F0-9D8E476AD506}"/>
+              </a:ext>
+            </a:extLst>
+          </p:cNvPr>
+          <p:cNvPicPr>
+            <a:picLocks noChangeAspect="1"/>
+          </p:cNvPicPr>
+          <p:nvPr/>
+        </p:nvPicPr>
+        <p:blipFill>
+          <a:blip r:embed="rId27">
+            <a:extLst>
+              <a:ext uri="{28A0092B-C50C-407E-A947-70E740481C1C}">
+                <a14:useLocalDpi xmlns:a14="http://schemas.microsoft.com/office/drawing/2010/main" val="0"/>
+              </a:ext>
+            </a:extLst>
+          </a:blip>
+          <a:stretch>
+            <a:fillRect/>
+          </a:stretch>
+        </p:blipFill>
+        <p:spPr>
+          <a:xfrm>
+            <a:off x="3579483" y="616315"/>
+            <a:ext cx="1144410" cy="290718"/>
+          </a:xfrm>
+          <a:prstGeom prst="rect">
+            <a:avLst/>
+          </a:prstGeom>
+        </p:spPr>
+      </p:pic>
+      <p:pic>
+        <p:nvPicPr>
+          <p:cNvPr id="98" name="Grafik 97">
+            <a:extLst>
+              <a:ext uri="{FF2B5EF4-FFF2-40B4-BE49-F238E27FC236}">
+                <a16:creationId xmlns:a16="http://schemas.microsoft.com/office/drawing/2014/main" id="{3B4524E3-4489-498D-8522-EADF00E22960}"/>
+              </a:ext>
+            </a:extLst>
+          </p:cNvPr>
+          <p:cNvPicPr>
+            <a:picLocks noChangeAspect="1"/>
+          </p:cNvPicPr>
+          <p:nvPr/>
+        </p:nvPicPr>
+        <p:blipFill>
+          <a:blip r:embed="rId28"/>
+          <a:stretch>
+            <a:fillRect/>
+          </a:stretch>
+        </p:blipFill>
+        <p:spPr>
+          <a:xfrm>
+            <a:off x="5864458" y="5687918"/>
+            <a:ext cx="645390" cy="872342"/>
+          </a:xfrm>
+          <a:prstGeom prst="rect">
+            <a:avLst/>
+          </a:prstGeom>
+        </p:spPr>
+      </p:pic>
     </p:spTree>
     <p:extLst>
       <p:ext uri="{BB962C8B-B14F-4D97-AF65-F5344CB8AC3E}">
@@ -7111,7 +9342,7 @@
 </p:sld>
 </file>
 
-<file path=ppt/slides/slide13.xml><?xml version="1.0" encoding="utf-8"?>
+<file path=ppt/slides/slide15.xml><?xml version="1.0" encoding="utf-8"?>
 <p:sld xmlns:a="http://schemas.openxmlformats.org/drawingml/2006/main" xmlns:r="http://schemas.openxmlformats.org/officeDocument/2006/relationships" xmlns:p="http://schemas.openxmlformats.org/presentationml/2006/main">
   <p:cSld>
     <p:spTree>
@@ -10680,11 +12911,19 @@
             </a:r>
             <a:r>
               <a:rPr lang="de-DE" sz="1400" b="1" dirty="0"/>
-              <a:t>makecode.calliope.cc </a:t>
+              <a:t>makecode.calliope.cc/</a:t>
+            </a:r>
+            <a:r>
+              <a:rPr lang="de-DE" sz="1400" b="1" dirty="0" err="1"/>
+              <a:t>beta</a:t>
+            </a:r>
+            <a:r>
+              <a:rPr lang="de-DE" sz="1400" b="1" dirty="0"/>
+              <a:t> </a:t>
             </a:r>
             <a:r>
               <a:rPr lang="de-DE" sz="1400" dirty="0"/>
-              <a:t>in Web-Browser.</a:t>
+              <a:t>im Web-Browser.</a:t>
             </a:r>
           </a:p>
           <a:p>
@@ -10701,46 +12940,81 @@
             </a:pPr>
             <a:r>
               <a:rPr lang="de-DE" sz="1400" dirty="0"/>
-              <a:t>Der PXT-Editor teilt sich in 3 Bereiche </a:t>
-            </a:r>
-          </a:p>
-          <a:p>
-            <a:pPr marL="742950" lvl="1" indent="-400050">
+              <a:t>Auf der Startseite kann ein neues Projekt erstellt werden. Klicke dazu auf das große Symbol mit dem „+“</a:t>
+            </a:r>
+          </a:p>
+          <a:p>
+            <a:pPr marL="228600" lvl="0" indent="-228600">
               <a:buFont typeface="+mj-lt"/>
-              <a:buAutoNum type="romanUcPeriod"/>
+              <a:buAutoNum type="arabicPeriod"/>
             </a:pPr>
+            <a:endParaRPr lang="de-DE" sz="1400" dirty="0"/>
+          </a:p>
+          <a:p>
+            <a:pPr marL="228600" lvl="0" indent="-228600">
+              <a:buFont typeface="+mj-lt"/>
+              <a:buAutoNum type="arabicPeriod"/>
+            </a:pPr>
+            <a:endParaRPr lang="de-DE" sz="1400" dirty="0"/>
+          </a:p>
+          <a:p>
+            <a:pPr marL="228600" lvl="0" indent="-228600">
+              <a:buFont typeface="+mj-lt"/>
+              <a:buAutoNum type="arabicPeriod"/>
+            </a:pPr>
+            <a:endParaRPr lang="de-DE" sz="1400" dirty="0"/>
+          </a:p>
+          <a:p>
+            <a:pPr marL="228600" lvl="0" indent="-228600">
+              <a:buFont typeface="+mj-lt"/>
+              <a:buAutoNum type="arabicPeriod"/>
+            </a:pPr>
+            <a:endParaRPr lang="de-DE" sz="1400" dirty="0"/>
+          </a:p>
+          <a:p>
+            <a:pPr marL="228600" lvl="0" indent="-228600">
+              <a:buFont typeface="+mj-lt"/>
+              <a:buAutoNum type="arabicPeriod"/>
+            </a:pPr>
+            <a:endParaRPr lang="de-DE" sz="1400" dirty="0"/>
+          </a:p>
+          <a:p>
+            <a:pPr marL="228600" lvl="0" indent="-228600">
+              <a:buFont typeface="+mj-lt"/>
+              <a:buAutoNum type="arabicPeriod"/>
+            </a:pPr>
+            <a:endParaRPr lang="de-DE" sz="1400" dirty="0"/>
+          </a:p>
+          <a:p>
+            <a:pPr marL="228600" lvl="0" indent="-228600">
+              <a:buFont typeface="+mj-lt"/>
+              <a:buAutoNum type="arabicPeriod"/>
+            </a:pPr>
+            <a:endParaRPr lang="de-DE" sz="1400" dirty="0"/>
+          </a:p>
+          <a:p>
+            <a:pPr marL="228600" lvl="0" indent="-228600">
+              <a:buFont typeface="+mj-lt"/>
+              <a:buAutoNum type="arabicPeriod"/>
+            </a:pPr>
             <a:r>
               <a:rPr lang="de-DE" sz="1400" dirty="0"/>
-              <a:t>Voransicht &amp; Simulation (hier sieht man eine Simulation des Programmes ohne es vorher auf den </a:t>
-            </a:r>
-            <a:r>
-              <a:rPr lang="de-DE" sz="1400" dirty="0" err="1"/>
-              <a:t>Calliope</a:t>
-            </a:r>
-            <a:r>
-              <a:rPr lang="de-DE" sz="1400" dirty="0"/>
-              <a:t> Mini laden zu müssen)</a:t>
-            </a:r>
-          </a:p>
-          <a:p>
-            <a:pPr marL="742950" lvl="1" indent="-400050">
+              <a:t>Anschließend öffnet sich ein Fenster hier kannst du deinem Projekt schonmal einen Namen geben z.B. „mein-Code“.</a:t>
+            </a:r>
+          </a:p>
+          <a:p>
+            <a:pPr marL="228600" lvl="0" indent="-228600">
               <a:buFont typeface="+mj-lt"/>
-              <a:buAutoNum type="romanUcPeriod"/>
+              <a:buAutoNum type="arabicPeriod"/>
             </a:pPr>
-            <a:r>
-              <a:rPr lang="de-DE" sz="1400" dirty="0"/>
-              <a:t>Blockbereich (hier findet man die Programmblöcke mit denen man ein Programm schreiben kann)</a:t>
-            </a:r>
-          </a:p>
-          <a:p>
-            <a:pPr marL="742950" lvl="1" indent="-400050">
+            <a:endParaRPr lang="de-DE" sz="1400" dirty="0"/>
+          </a:p>
+          <a:p>
+            <a:pPr marL="228600" lvl="0" indent="-228600">
               <a:buFont typeface="+mj-lt"/>
-              <a:buAutoNum type="romanUcPeriod"/>
+              <a:buAutoNum type="arabicPeriod"/>
             </a:pPr>
-            <a:r>
-              <a:rPr lang="de-DE" sz="1400" dirty="0"/>
-              <a:t>Arbeitsbereich (hier schreibt man das Programm in dem man die Programmblöcke zusammenschiebt)</a:t>
-            </a:r>
+            <a:endParaRPr lang="de-DE" sz="1400" dirty="0"/>
           </a:p>
           <a:p>
             <a:pPr marL="228600" indent="-228600">
@@ -10753,38 +13027,73 @@
       </p:sp>
       <p:pic>
         <p:nvPicPr>
-          <p:cNvPr id="14" name="Grafik 13"/>
+          <p:cNvPr id="18" name="Grafik 17">
+            <a:extLst>
+              <a:ext uri="{FF2B5EF4-FFF2-40B4-BE49-F238E27FC236}">
+                <a16:creationId xmlns:a16="http://schemas.microsoft.com/office/drawing/2014/main" id="{2764BD61-AD4D-4518-8ABB-169F4C44AB89}"/>
+              </a:ext>
+            </a:extLst>
+          </p:cNvPr>
           <p:cNvPicPr>
             <a:picLocks noChangeAspect="1"/>
           </p:cNvPicPr>
           <p:nvPr/>
         </p:nvPicPr>
         <p:blipFill>
-          <a:blip r:embed="rId2">
-            <a:extLst>
-              <a:ext uri="{28A0092B-C50C-407E-A947-70E740481C1C}">
-                <a14:useLocalDpi xmlns:a14="http://schemas.microsoft.com/office/drawing/2010/main" val="0"/>
-              </a:ext>
-            </a:extLst>
-          </a:blip>
+          <a:blip r:embed="rId2"/>
           <a:stretch>
             <a:fillRect/>
           </a:stretch>
         </p:blipFill>
         <p:spPr>
           <a:xfrm>
-            <a:off x="468000" y="4082958"/>
-            <a:ext cx="5918512" cy="4898888"/>
+            <a:off x="1573604" y="2852648"/>
+            <a:ext cx="2354436" cy="1585050"/>
           </a:xfrm>
           <a:prstGeom prst="rect">
             <a:avLst/>
           </a:prstGeom>
+        </p:spPr>
+      </p:pic>
+      <p:pic>
+        <p:nvPicPr>
+          <p:cNvPr id="19" name="Grafik 18">
+            <a:extLst>
+              <a:ext uri="{FF2B5EF4-FFF2-40B4-BE49-F238E27FC236}">
+                <a16:creationId xmlns:a16="http://schemas.microsoft.com/office/drawing/2014/main" id="{7B4CF9CE-2FC2-4B38-8190-6950EE6EC6A1}"/>
+              </a:ext>
+            </a:extLst>
+          </p:cNvPr>
+          <p:cNvPicPr>
+            <a:picLocks noChangeAspect="1"/>
+          </p:cNvPicPr>
+          <p:nvPr/>
+        </p:nvPicPr>
+        <p:blipFill>
+          <a:blip r:embed="rId3"/>
+          <a:stretch>
+            <a:fillRect/>
+          </a:stretch>
+        </p:blipFill>
+        <p:spPr>
+          <a:xfrm>
+            <a:off x="1343982" y="5066342"/>
+            <a:ext cx="2620009" cy="1773369"/>
+          </a:xfrm>
+          <a:prstGeom prst="rect">
+            <a:avLst/>
+          </a:prstGeom>
+          <a:ln>
+            <a:solidFill>
+              <a:schemeClr val="tx1"/>
+            </a:solidFill>
+          </a:ln>
         </p:spPr>
       </p:pic>
     </p:spTree>
     <p:extLst>
       <p:ext uri="{BB962C8B-B14F-4D97-AF65-F5344CB8AC3E}">
-        <p14:creationId xmlns:p14="http://schemas.microsoft.com/office/powerpoint/2010/main" val="3625129120"/>
+        <p14:creationId xmlns:p14="http://schemas.microsoft.com/office/powerpoint/2010/main" val="1180951049"/>
       </p:ext>
     </p:extLst>
   </p:cSld>
@@ -10889,47 +13198,62 @@
           <a:bodyPr/>
           <a:lstStyle/>
           <a:p>
-            <a:pPr marL="228600" lvl="0" indent="-228600">
+            <a:pPr lvl="0"/>
+            <a:r>
+              <a:rPr lang="de-DE" sz="1400" dirty="0"/>
+              <a:t>Der Editor teilt sich in 3 Bereiche </a:t>
+            </a:r>
+          </a:p>
+          <a:p>
+            <a:pPr marL="742950" lvl="1" indent="-400050">
               <a:buFont typeface="+mj-lt"/>
-              <a:buAutoNum type="arabicPeriod"/>
+              <a:buAutoNum type="romanUcPeriod"/>
             </a:pPr>
             <a:r>
               <a:rPr lang="de-DE" sz="1400" dirty="0"/>
-              <a:t>Jedes Projekt startet mit einem Beispiel-Code im Arbeitsbereich. Diesen löst man, indem man den (umfassenden) Block anklickt und mit gedrückter Maustaste auf den Blockbereich schiebt.</a:t>
-            </a:r>
-          </a:p>
-          <a:p>
-            <a:pPr marL="228600" lvl="0" indent="-228600">
+              <a:t>Voransicht &amp; Simulation (hier sieht man eine Simulation des Programmes ohne es vorher auf den </a:t>
+            </a:r>
+            <a:r>
+              <a:rPr lang="de-DE" sz="1400" dirty="0" err="1"/>
+              <a:t>Calliope</a:t>
+            </a:r>
+            <a:r>
+              <a:rPr lang="de-DE" sz="1400" dirty="0"/>
+              <a:t> Mini laden zu müssen)</a:t>
+            </a:r>
+          </a:p>
+          <a:p>
+            <a:pPr marL="742950" lvl="1" indent="-400050">
               <a:buFont typeface="+mj-lt"/>
-              <a:buAutoNum type="arabicPeriod"/>
+              <a:buAutoNum type="romanUcPeriod"/>
             </a:pPr>
             <a:endParaRPr lang="de-DE" sz="1400" dirty="0"/>
           </a:p>
           <a:p>
-            <a:pPr marL="228600" lvl="0" indent="-228600">
+            <a:pPr marL="742950" lvl="1" indent="-400050">
               <a:buFont typeface="+mj-lt"/>
-              <a:buAutoNum type="arabicPeriod"/>
+              <a:buAutoNum type="romanUcPeriod"/>
             </a:pPr>
             <a:r>
               <a:rPr lang="de-DE" sz="1400" dirty="0"/>
-              <a:t>Nun können wir mit unserem Programm beginnen. Hierfür öffnen wir im Blockbereich den Bereich „Eingabe“ und ziehe den Block „wenn Knopf A gedrückt“ auf den Arbeitsbereich</a:t>
-            </a:r>
-          </a:p>
-          <a:p>
-            <a:pPr marL="228600" lvl="0" indent="-228600">
+              <a:t>Blockbereich (hier findet man die Programmblöcke mit denen man ein Programm schreiben kann)</a:t>
+            </a:r>
+          </a:p>
+          <a:p>
+            <a:pPr marL="742950" lvl="1" indent="-400050">
               <a:buFont typeface="+mj-lt"/>
-              <a:buAutoNum type="arabicPeriod"/>
+              <a:buAutoNum type="romanUcPeriod"/>
             </a:pPr>
             <a:endParaRPr lang="de-DE" sz="1400" dirty="0"/>
           </a:p>
           <a:p>
-            <a:pPr marL="228600" lvl="0" indent="-228600">
+            <a:pPr marL="742950" lvl="1" indent="-400050">
               <a:buFont typeface="+mj-lt"/>
-              <a:buAutoNum type="arabicPeriod"/>
+              <a:buAutoNum type="romanUcPeriod"/>
             </a:pPr>
             <a:r>
               <a:rPr lang="de-DE" sz="1400" dirty="0"/>
-              <a:t>Anschließend wiederholen wir das gleiche noch einmal mit dem Block „zeige Zeichenfolge“ aus dem Bereich „Grundlagen“</a:t>
+              <a:t>Arbeitsbereich (hier schreibt man das Programm in dem man die Programmblöcke zusammenschiebt)</a:t>
             </a:r>
           </a:p>
           <a:p>
@@ -10941,40 +13265,343 @@
           </a:p>
         </p:txBody>
       </p:sp>
-      <p:pic>
-        <p:nvPicPr>
-          <p:cNvPr id="6" name="Grafik 5"/>
-          <p:cNvPicPr>
-            <a:picLocks noChangeAspect="1"/>
-          </p:cNvPicPr>
+      <p:grpSp>
+        <p:nvGrpSpPr>
+          <p:cNvPr id="6" name="Gruppieren 5">
+            <a:extLst>
+              <a:ext uri="{FF2B5EF4-FFF2-40B4-BE49-F238E27FC236}">
+                <a16:creationId xmlns:a16="http://schemas.microsoft.com/office/drawing/2014/main" id="{881A0A60-7F4F-4C80-90C3-C665B7447BF5}"/>
+              </a:ext>
+            </a:extLst>
+          </p:cNvPr>
+          <p:cNvGrpSpPr/>
           <p:nvPr/>
-        </p:nvPicPr>
-        <p:blipFill>
-          <a:blip r:embed="rId2">
-            <a:extLst>
-              <a:ext uri="{28A0092B-C50C-407E-A947-70E740481C1C}">
-                <a14:useLocalDpi xmlns:a14="http://schemas.microsoft.com/office/drawing/2010/main" val="0"/>
-              </a:ext>
-            </a:extLst>
-          </a:blip>
-          <a:stretch>
-            <a:fillRect/>
-          </a:stretch>
-        </p:blipFill>
-        <p:spPr>
-          <a:xfrm>
-            <a:off x="460433" y="4076240"/>
-            <a:ext cx="5926079" cy="4905151"/>
-          </a:xfrm>
-          <a:prstGeom prst="rect">
-            <a:avLst/>
-          </a:prstGeom>
-        </p:spPr>
-      </p:pic>
+        </p:nvGrpSpPr>
+        <p:grpSpPr>
+          <a:xfrm>
+            <a:off x="214837" y="4663829"/>
+            <a:ext cx="6401017" cy="3886291"/>
+            <a:chOff x="-7828528" y="4752110"/>
+            <a:chExt cx="6401017" cy="3886291"/>
+          </a:xfrm>
+        </p:grpSpPr>
+        <p:pic>
+          <p:nvPicPr>
+            <p:cNvPr id="7" name="Grafik 6">
+              <a:extLst>
+                <a:ext uri="{FF2B5EF4-FFF2-40B4-BE49-F238E27FC236}">
+                  <a16:creationId xmlns:a16="http://schemas.microsoft.com/office/drawing/2014/main" id="{5C3F5D40-A588-46AD-AD94-463DA21EB0FA}"/>
+                </a:ext>
+              </a:extLst>
+            </p:cNvPr>
+            <p:cNvPicPr>
+              <a:picLocks noChangeAspect="1"/>
+            </p:cNvPicPr>
+            <p:nvPr/>
+          </p:nvPicPr>
+          <p:blipFill rotWithShape="1">
+            <a:blip r:embed="rId2"/>
+            <a:srcRect b="809"/>
+            <a:stretch/>
+          </p:blipFill>
+          <p:spPr>
+            <a:xfrm>
+              <a:off x="-7814023" y="4752110"/>
+              <a:ext cx="6386512" cy="3886291"/>
+            </a:xfrm>
+            <a:prstGeom prst="rect">
+              <a:avLst/>
+            </a:prstGeom>
+          </p:spPr>
+        </p:pic>
+        <p:sp>
+          <p:nvSpPr>
+            <p:cNvPr id="8" name="Rechteck 7">
+              <a:extLst>
+                <a:ext uri="{FF2B5EF4-FFF2-40B4-BE49-F238E27FC236}">
+                  <a16:creationId xmlns:a16="http://schemas.microsoft.com/office/drawing/2014/main" id="{4854579F-A1B6-4888-99F4-1DA57E25894C}"/>
+                </a:ext>
+              </a:extLst>
+            </p:cNvPr>
+            <p:cNvSpPr/>
+            <p:nvPr/>
+          </p:nvSpPr>
+          <p:spPr>
+            <a:xfrm>
+              <a:off x="-7814023" y="5646371"/>
+              <a:ext cx="1652752" cy="2682240"/>
+            </a:xfrm>
+            <a:prstGeom prst="rect">
+              <a:avLst/>
+            </a:prstGeom>
+            <a:noFill/>
+            <a:ln w="28575">
+              <a:solidFill>
+                <a:srgbClr val="FF0000"/>
+              </a:solidFill>
+            </a:ln>
+          </p:spPr>
+          <p:style>
+            <a:lnRef idx="2">
+              <a:schemeClr val="accent1">
+                <a:shade val="50000"/>
+              </a:schemeClr>
+            </a:lnRef>
+            <a:fillRef idx="1">
+              <a:schemeClr val="accent1"/>
+            </a:fillRef>
+            <a:effectRef idx="0">
+              <a:schemeClr val="accent1"/>
+            </a:effectRef>
+            <a:fontRef idx="minor">
+              <a:schemeClr val="lt1"/>
+            </a:fontRef>
+          </p:style>
+          <p:txBody>
+            <a:bodyPr rtlCol="0" anchor="ctr"/>
+            <a:lstStyle/>
+            <a:p>
+              <a:pPr algn="ctr"/>
+              <a:endParaRPr lang="de-DE"/>
+            </a:p>
+          </p:txBody>
+        </p:sp>
+        <p:sp>
+          <p:nvSpPr>
+            <p:cNvPr id="9" name="Rechteck 8">
+              <a:extLst>
+                <a:ext uri="{FF2B5EF4-FFF2-40B4-BE49-F238E27FC236}">
+                  <a16:creationId xmlns:a16="http://schemas.microsoft.com/office/drawing/2014/main" id="{74A4165A-8A74-4244-85E1-E65DE0BB398C}"/>
+                </a:ext>
+              </a:extLst>
+            </p:cNvPr>
+            <p:cNvSpPr/>
+            <p:nvPr/>
+          </p:nvSpPr>
+          <p:spPr>
+            <a:xfrm>
+              <a:off x="-6121648" y="5646371"/>
+              <a:ext cx="1071113" cy="2682240"/>
+            </a:xfrm>
+            <a:prstGeom prst="rect">
+              <a:avLst/>
+            </a:prstGeom>
+            <a:noFill/>
+            <a:ln w="28575">
+              <a:solidFill>
+                <a:srgbClr val="7030A0"/>
+              </a:solidFill>
+            </a:ln>
+          </p:spPr>
+          <p:style>
+            <a:lnRef idx="2">
+              <a:schemeClr val="accent1">
+                <a:shade val="50000"/>
+              </a:schemeClr>
+            </a:lnRef>
+            <a:fillRef idx="1">
+              <a:schemeClr val="accent1"/>
+            </a:fillRef>
+            <a:effectRef idx="0">
+              <a:schemeClr val="accent1"/>
+            </a:effectRef>
+            <a:fontRef idx="minor">
+              <a:schemeClr val="lt1"/>
+            </a:fontRef>
+          </p:style>
+          <p:txBody>
+            <a:bodyPr rtlCol="0" anchor="ctr"/>
+            <a:lstStyle/>
+            <a:p>
+              <a:pPr algn="ctr"/>
+              <a:endParaRPr lang="de-DE"/>
+            </a:p>
+          </p:txBody>
+        </p:sp>
+        <p:sp>
+          <p:nvSpPr>
+            <p:cNvPr id="10" name="Rechteck 9">
+              <a:extLst>
+                <a:ext uri="{FF2B5EF4-FFF2-40B4-BE49-F238E27FC236}">
+                  <a16:creationId xmlns:a16="http://schemas.microsoft.com/office/drawing/2014/main" id="{D25E01A1-24AA-4A42-BEF5-7A4F9ACB201D}"/>
+                </a:ext>
+              </a:extLst>
+            </p:cNvPr>
+            <p:cNvSpPr/>
+            <p:nvPr/>
+          </p:nvSpPr>
+          <p:spPr>
+            <a:xfrm>
+              <a:off x="-5010912" y="5646371"/>
+              <a:ext cx="3471359" cy="2682240"/>
+            </a:xfrm>
+            <a:prstGeom prst="rect">
+              <a:avLst/>
+            </a:prstGeom>
+            <a:noFill/>
+            <a:ln w="28575">
+              <a:solidFill>
+                <a:srgbClr val="92D050"/>
+              </a:solidFill>
+            </a:ln>
+          </p:spPr>
+          <p:style>
+            <a:lnRef idx="2">
+              <a:schemeClr val="accent1">
+                <a:shade val="50000"/>
+              </a:schemeClr>
+            </a:lnRef>
+            <a:fillRef idx="1">
+              <a:schemeClr val="accent1"/>
+            </a:fillRef>
+            <a:effectRef idx="0">
+              <a:schemeClr val="accent1"/>
+            </a:effectRef>
+            <a:fontRef idx="minor">
+              <a:schemeClr val="lt1"/>
+            </a:fontRef>
+          </p:style>
+          <p:txBody>
+            <a:bodyPr rtlCol="0" anchor="ctr"/>
+            <a:lstStyle/>
+            <a:p>
+              <a:pPr algn="ctr"/>
+              <a:endParaRPr lang="de-DE"/>
+            </a:p>
+          </p:txBody>
+        </p:sp>
+        <p:sp>
+          <p:nvSpPr>
+            <p:cNvPr id="11" name="Textfeld 10">
+              <a:extLst>
+                <a:ext uri="{FF2B5EF4-FFF2-40B4-BE49-F238E27FC236}">
+                  <a16:creationId xmlns:a16="http://schemas.microsoft.com/office/drawing/2014/main" id="{6A372E1D-87A4-4801-8C6D-A2F624F659FC}"/>
+                </a:ext>
+              </a:extLst>
+            </p:cNvPr>
+            <p:cNvSpPr txBox="1"/>
+            <p:nvPr/>
+          </p:nvSpPr>
+          <p:spPr>
+            <a:xfrm>
+              <a:off x="-7828528" y="7698676"/>
+              <a:ext cx="1287468" cy="523220"/>
+            </a:xfrm>
+            <a:prstGeom prst="rect">
+              <a:avLst/>
+            </a:prstGeom>
+            <a:noFill/>
+          </p:spPr>
+          <p:txBody>
+            <a:bodyPr wrap="none" rtlCol="0">
+              <a:spAutoFit/>
+            </a:bodyPr>
+            <a:lstStyle/>
+            <a:p>
+              <a:r>
+                <a:rPr lang="de-DE" sz="1400" dirty="0">
+                  <a:solidFill>
+                    <a:srgbClr val="FF0000"/>
+                  </a:solidFill>
+                </a:rPr>
+                <a:t>Voransicht </a:t>
+              </a:r>
+            </a:p>
+            <a:p>
+              <a:r>
+                <a:rPr lang="de-DE" sz="1400" dirty="0">
+                  <a:solidFill>
+                    <a:srgbClr val="FF0000"/>
+                  </a:solidFill>
+                </a:rPr>
+                <a:t>und Simulation</a:t>
+              </a:r>
+            </a:p>
+          </p:txBody>
+        </p:sp>
+        <p:sp>
+          <p:nvSpPr>
+            <p:cNvPr id="12" name="Textfeld 11">
+              <a:extLst>
+                <a:ext uri="{FF2B5EF4-FFF2-40B4-BE49-F238E27FC236}">
+                  <a16:creationId xmlns:a16="http://schemas.microsoft.com/office/drawing/2014/main" id="{F3CDFC2C-C488-4F15-9478-2520B1CE9CE7}"/>
+                </a:ext>
+              </a:extLst>
+            </p:cNvPr>
+            <p:cNvSpPr txBox="1"/>
+            <p:nvPr/>
+          </p:nvSpPr>
+          <p:spPr>
+            <a:xfrm>
+              <a:off x="-6132566" y="7917526"/>
+              <a:ext cx="1121654" cy="307777"/>
+            </a:xfrm>
+            <a:prstGeom prst="rect">
+              <a:avLst/>
+            </a:prstGeom>
+            <a:noFill/>
+          </p:spPr>
+          <p:txBody>
+            <a:bodyPr wrap="none" rtlCol="0">
+              <a:spAutoFit/>
+            </a:bodyPr>
+            <a:lstStyle/>
+            <a:p>
+              <a:r>
+                <a:rPr lang="de-DE" sz="1400" dirty="0">
+                  <a:solidFill>
+                    <a:srgbClr val="7030A0"/>
+                  </a:solidFill>
+                </a:rPr>
+                <a:t>Blockbereich</a:t>
+              </a:r>
+            </a:p>
+          </p:txBody>
+        </p:sp>
+        <p:sp>
+          <p:nvSpPr>
+            <p:cNvPr id="13" name="Textfeld 12">
+              <a:extLst>
+                <a:ext uri="{FF2B5EF4-FFF2-40B4-BE49-F238E27FC236}">
+                  <a16:creationId xmlns:a16="http://schemas.microsoft.com/office/drawing/2014/main" id="{A7B756B9-8E83-4E57-8815-E3C0C4E00501}"/>
+                </a:ext>
+              </a:extLst>
+            </p:cNvPr>
+            <p:cNvSpPr txBox="1"/>
+            <p:nvPr/>
+          </p:nvSpPr>
+          <p:spPr>
+            <a:xfrm>
+              <a:off x="-5005972" y="7919674"/>
+              <a:ext cx="1254702" cy="307777"/>
+            </a:xfrm>
+            <a:prstGeom prst="rect">
+              <a:avLst/>
+            </a:prstGeom>
+            <a:noFill/>
+          </p:spPr>
+          <p:txBody>
+            <a:bodyPr wrap="none" rtlCol="0">
+              <a:spAutoFit/>
+            </a:bodyPr>
+            <a:lstStyle/>
+            <a:p>
+              <a:r>
+                <a:rPr lang="de-DE" sz="1400" dirty="0">
+                  <a:solidFill>
+                    <a:srgbClr val="92D050"/>
+                  </a:solidFill>
+                </a:rPr>
+                <a:t>Arbeitsbereich</a:t>
+              </a:r>
+            </a:p>
+          </p:txBody>
+        </p:sp>
+      </p:grpSp>
     </p:spTree>
     <p:extLst>
       <p:ext uri="{BB962C8B-B14F-4D97-AF65-F5344CB8AC3E}">
-        <p14:creationId xmlns:p14="http://schemas.microsoft.com/office/powerpoint/2010/main" val="525361280"/>
+        <p14:creationId xmlns:p14="http://schemas.microsoft.com/office/powerpoint/2010/main" val="3625129120"/>
       </p:ext>
     </p:extLst>
   </p:cSld>
@@ -11003,7 +13630,13 @@
       </p:grpSpPr>
       <p:sp>
         <p:nvSpPr>
-          <p:cNvPr id="2" name="Titel 1"/>
+          <p:cNvPr id="2" name="Titel 1">
+            <a:extLst>
+              <a:ext uri="{FF2B5EF4-FFF2-40B4-BE49-F238E27FC236}">
+                <a16:creationId xmlns:a16="http://schemas.microsoft.com/office/drawing/2014/main" id="{F01C108E-3D85-40F5-8AA6-15C99F4E024D}"/>
+              </a:ext>
+            </a:extLst>
+          </p:cNvPr>
           <p:cNvSpPr>
             <a:spLocks noGrp="1"/>
           </p:cNvSpPr>
@@ -11013,9 +13646,7 @@
         </p:nvSpPr>
         <p:spPr/>
         <p:txBody>
-          <a:bodyPr>
-            <a:normAutofit/>
-          </a:bodyPr>
+          <a:bodyPr/>
           <a:lstStyle/>
           <a:p>
             <a:r>
@@ -11028,18 +13659,109 @@
             </a:r>
             <a:r>
               <a:rPr lang="de-DE" dirty="0"/>
-              <a:t> schreiben</a:t>
-            </a:r>
-            <a:br>
-              <a:rPr lang="de-DE" dirty="0"/>
-            </a:br>
+              <a:t> </a:t>
+            </a:r>
+            <a:r>
+              <a:rPr lang="de-DE" dirty="0" err="1"/>
+              <a:t>chreiben</a:t>
+            </a:r>
             <a:endParaRPr lang="de-DE" dirty="0"/>
           </a:p>
         </p:txBody>
       </p:sp>
       <p:sp>
         <p:nvSpPr>
-          <p:cNvPr id="3" name="Textplatzhalter 2"/>
+          <p:cNvPr id="4" name="Inhaltsplatzhalter 3">
+            <a:extLst>
+              <a:ext uri="{FF2B5EF4-FFF2-40B4-BE49-F238E27FC236}">
+                <a16:creationId xmlns:a16="http://schemas.microsoft.com/office/drawing/2014/main" id="{EAB73A5D-D926-406C-8FA2-6AA88FADBBBB}"/>
+              </a:ext>
+            </a:extLst>
+          </p:cNvPr>
+          <p:cNvSpPr>
+            <a:spLocks noGrp="1"/>
+          </p:cNvSpPr>
+          <p:nvPr>
+            <p:ph sz="quarter" idx="14"/>
+          </p:nvPr>
+        </p:nvSpPr>
+        <p:spPr/>
+        <p:txBody>
+          <a:bodyPr/>
+          <a:lstStyle/>
+          <a:p>
+            <a:pPr lvl="0"/>
+            <a:r>
+              <a:rPr lang="de-DE" sz="1400" dirty="0"/>
+              <a:t>Der Editor teilt sich in 3 Bereiche </a:t>
+            </a:r>
+          </a:p>
+          <a:p>
+            <a:pPr marL="742950" lvl="1" indent="-400050">
+              <a:buFont typeface="+mj-lt"/>
+              <a:buAutoNum type="romanUcPeriod"/>
+            </a:pPr>
+            <a:r>
+              <a:rPr lang="de-DE" sz="1400" dirty="0"/>
+              <a:t>Voransicht &amp; Simulation (hier sieht man eine Simulation des Programmes ohne es vorher auf den </a:t>
+            </a:r>
+            <a:r>
+              <a:rPr lang="de-DE" sz="1400" dirty="0" err="1"/>
+              <a:t>Calliope</a:t>
+            </a:r>
+            <a:r>
+              <a:rPr lang="de-DE" sz="1400" dirty="0"/>
+              <a:t> Mini laden zu müssen)</a:t>
+            </a:r>
+          </a:p>
+          <a:p>
+            <a:pPr marL="742950" lvl="1" indent="-400050">
+              <a:buFont typeface="+mj-lt"/>
+              <a:buAutoNum type="romanUcPeriod"/>
+            </a:pPr>
+            <a:endParaRPr lang="de-DE" sz="1400" dirty="0"/>
+          </a:p>
+          <a:p>
+            <a:pPr marL="742950" lvl="1" indent="-400050">
+              <a:buFont typeface="+mj-lt"/>
+              <a:buAutoNum type="romanUcPeriod"/>
+            </a:pPr>
+            <a:r>
+              <a:rPr lang="de-DE" sz="1400" dirty="0"/>
+              <a:t>Blockbereich (hier findet man die Programmblöcke mit denen man ein Programm schreiben kann)</a:t>
+            </a:r>
+          </a:p>
+          <a:p>
+            <a:pPr marL="742950" lvl="1" indent="-400050">
+              <a:buFont typeface="+mj-lt"/>
+              <a:buAutoNum type="romanUcPeriod"/>
+            </a:pPr>
+            <a:endParaRPr lang="de-DE" sz="1400" dirty="0"/>
+          </a:p>
+          <a:p>
+            <a:pPr marL="742950" lvl="1" indent="-400050">
+              <a:buFont typeface="+mj-lt"/>
+              <a:buAutoNum type="romanUcPeriod"/>
+            </a:pPr>
+            <a:r>
+              <a:rPr lang="de-DE" sz="1400" dirty="0"/>
+              <a:t>Arbeitsbereich (hier schreibt man das Programm in dem man die Programmblöcke zusammenschiebt)</a:t>
+            </a:r>
+          </a:p>
+          <a:p>
+            <a:endParaRPr lang="de-DE" dirty="0"/>
+          </a:p>
+        </p:txBody>
+      </p:sp>
+      <p:sp>
+        <p:nvSpPr>
+          <p:cNvPr id="7" name="Textplatzhalter 6">
+            <a:extLst>
+              <a:ext uri="{FF2B5EF4-FFF2-40B4-BE49-F238E27FC236}">
+                <a16:creationId xmlns:a16="http://schemas.microsoft.com/office/drawing/2014/main" id="{F94CCE07-8F27-4E19-B453-93A0B15C5242}"/>
+              </a:ext>
+            </a:extLst>
+          </p:cNvPr>
           <p:cNvSpPr>
             <a:spLocks noGrp="1"/>
           </p:cNvSpPr>
@@ -11059,120 +13781,343 @@
           </a:p>
         </p:txBody>
       </p:sp>
-      <p:sp>
-        <p:nvSpPr>
-          <p:cNvPr id="4" name="Inhaltsplatzhalter 3"/>
-          <p:cNvSpPr>
-            <a:spLocks noGrp="1"/>
-          </p:cNvSpPr>
-          <p:nvPr>
-            <p:ph sz="quarter" idx="14"/>
-          </p:nvPr>
-        </p:nvSpPr>
-        <p:spPr>
-          <a:xfrm>
-            <a:off x="456983" y="1806764"/>
-            <a:ext cx="5929529" cy="6743356"/>
-          </a:xfrm>
-        </p:spPr>
-        <p:txBody>
-          <a:bodyPr/>
-          <a:lstStyle/>
-          <a:p>
-            <a:pPr marL="228600" lvl="0" indent="-228600">
-              <a:buFont typeface="+mj-lt"/>
-              <a:buAutoNum type="arabicPeriod"/>
-            </a:pPr>
-            <a:r>
-              <a:rPr lang="de-DE" sz="1400" dirty="0"/>
-              <a:t>Füge nun den Block „zeige Zeichenfolge“ in den Block „Wenn Knopf A gedrückt“ ein</a:t>
-            </a:r>
-          </a:p>
-          <a:p>
-            <a:pPr marL="228600" lvl="0" indent="-228600">
-              <a:buFont typeface="+mj-lt"/>
-              <a:buAutoNum type="arabicPeriod"/>
-            </a:pPr>
-            <a:endParaRPr lang="de-DE" sz="1400" dirty="0"/>
-          </a:p>
-          <a:p>
-            <a:pPr marL="228600" lvl="0" indent="-228600">
-              <a:buFont typeface="+mj-lt"/>
-              <a:buAutoNum type="arabicPeriod"/>
-            </a:pPr>
-            <a:r>
-              <a:rPr lang="de-DE" sz="1400" dirty="0"/>
-              <a:t>Schreibe in den Textbereich des Blockes „zeige Zeichenfolge“ folgenden Text: „</a:t>
-            </a:r>
-            <a:r>
-              <a:rPr lang="de-DE" sz="1400" dirty="0" err="1"/>
-              <a:t>Hello</a:t>
-            </a:r>
-            <a:r>
-              <a:rPr lang="de-DE" sz="1400" dirty="0"/>
-              <a:t> World!“</a:t>
-            </a:r>
-          </a:p>
-          <a:p>
-            <a:pPr marL="228600" lvl="0" indent="-228600">
-              <a:buFont typeface="+mj-lt"/>
-              <a:buAutoNum type="arabicPeriod"/>
-            </a:pPr>
-            <a:endParaRPr lang="de-DE" sz="1400" dirty="0"/>
-          </a:p>
-          <a:p>
-            <a:pPr marL="228600" lvl="0" indent="-228600">
-              <a:buFont typeface="+mj-lt"/>
-              <a:buAutoNum type="arabicPeriod"/>
-            </a:pPr>
-            <a:r>
-              <a:rPr lang="de-DE" sz="1400" dirty="0"/>
-              <a:t>Das Programm ist fertig und kann im „Vorschau &amp; Simulationsbereich“ auf der linken Seite angeschaut werden. Durch einen Klick auf den Knopf A wird die Laufschrift aktiviert.</a:t>
-            </a:r>
-          </a:p>
-          <a:p>
-            <a:pPr marL="228600" indent="-228600">
-              <a:buFont typeface="+mj-lt"/>
-              <a:buAutoNum type="arabicPeriod"/>
-            </a:pPr>
-            <a:endParaRPr lang="de-DE" dirty="0"/>
-          </a:p>
-        </p:txBody>
-      </p:sp>
-      <p:pic>
-        <p:nvPicPr>
-          <p:cNvPr id="7" name="Grafik 6"/>
-          <p:cNvPicPr>
-            <a:picLocks noChangeAspect="1"/>
-          </p:cNvPicPr>
+      <p:grpSp>
+        <p:nvGrpSpPr>
+          <p:cNvPr id="19" name="Gruppieren 18">
+            <a:extLst>
+              <a:ext uri="{FF2B5EF4-FFF2-40B4-BE49-F238E27FC236}">
+                <a16:creationId xmlns:a16="http://schemas.microsoft.com/office/drawing/2014/main" id="{3D84DD9E-34D4-4C4E-BFBF-13A4666D5F3C}"/>
+              </a:ext>
+            </a:extLst>
+          </p:cNvPr>
+          <p:cNvGrpSpPr/>
           <p:nvPr/>
-        </p:nvPicPr>
-        <p:blipFill>
-          <a:blip r:embed="rId2">
-            <a:extLst>
-              <a:ext uri="{28A0092B-C50C-407E-A947-70E740481C1C}">
-                <a14:useLocalDpi xmlns:a14="http://schemas.microsoft.com/office/drawing/2010/main" val="0"/>
-              </a:ext>
-            </a:extLst>
-          </a:blip>
-          <a:stretch>
-            <a:fillRect/>
-          </a:stretch>
-        </p:blipFill>
-        <p:spPr>
-          <a:xfrm>
-            <a:off x="469744" y="4082959"/>
-            <a:ext cx="5918512" cy="4898887"/>
-          </a:xfrm>
-          <a:prstGeom prst="rect">
-            <a:avLst/>
-          </a:prstGeom>
-        </p:spPr>
-      </p:pic>
+        </p:nvGrpSpPr>
+        <p:grpSpPr>
+          <a:xfrm>
+            <a:off x="214837" y="4663829"/>
+            <a:ext cx="6401017" cy="3886291"/>
+            <a:chOff x="-7828528" y="4752110"/>
+            <a:chExt cx="6401017" cy="3886291"/>
+          </a:xfrm>
+        </p:grpSpPr>
+        <p:pic>
+          <p:nvPicPr>
+            <p:cNvPr id="20" name="Grafik 19">
+              <a:extLst>
+                <a:ext uri="{FF2B5EF4-FFF2-40B4-BE49-F238E27FC236}">
+                  <a16:creationId xmlns:a16="http://schemas.microsoft.com/office/drawing/2014/main" id="{FF7DCECA-001C-4516-A434-DE5EAD51A2A5}"/>
+                </a:ext>
+              </a:extLst>
+            </p:cNvPr>
+            <p:cNvPicPr>
+              <a:picLocks noChangeAspect="1"/>
+            </p:cNvPicPr>
+            <p:nvPr/>
+          </p:nvPicPr>
+          <p:blipFill rotWithShape="1">
+            <a:blip r:embed="rId2"/>
+            <a:srcRect b="809"/>
+            <a:stretch/>
+          </p:blipFill>
+          <p:spPr>
+            <a:xfrm>
+              <a:off x="-7814023" y="4752110"/>
+              <a:ext cx="6386512" cy="3886291"/>
+            </a:xfrm>
+            <a:prstGeom prst="rect">
+              <a:avLst/>
+            </a:prstGeom>
+          </p:spPr>
+        </p:pic>
+        <p:sp>
+          <p:nvSpPr>
+            <p:cNvPr id="21" name="Rechteck 20">
+              <a:extLst>
+                <a:ext uri="{FF2B5EF4-FFF2-40B4-BE49-F238E27FC236}">
+                  <a16:creationId xmlns:a16="http://schemas.microsoft.com/office/drawing/2014/main" id="{CD4CA4F2-6335-4CF2-BBFA-1AC0635E0D52}"/>
+                </a:ext>
+              </a:extLst>
+            </p:cNvPr>
+            <p:cNvSpPr/>
+            <p:nvPr/>
+          </p:nvSpPr>
+          <p:spPr>
+            <a:xfrm>
+              <a:off x="-7814023" y="5646371"/>
+              <a:ext cx="1652752" cy="2682240"/>
+            </a:xfrm>
+            <a:prstGeom prst="rect">
+              <a:avLst/>
+            </a:prstGeom>
+            <a:noFill/>
+            <a:ln w="28575">
+              <a:solidFill>
+                <a:srgbClr val="FF0000"/>
+              </a:solidFill>
+            </a:ln>
+          </p:spPr>
+          <p:style>
+            <a:lnRef idx="2">
+              <a:schemeClr val="accent1">
+                <a:shade val="50000"/>
+              </a:schemeClr>
+            </a:lnRef>
+            <a:fillRef idx="1">
+              <a:schemeClr val="accent1"/>
+            </a:fillRef>
+            <a:effectRef idx="0">
+              <a:schemeClr val="accent1"/>
+            </a:effectRef>
+            <a:fontRef idx="minor">
+              <a:schemeClr val="lt1"/>
+            </a:fontRef>
+          </p:style>
+          <p:txBody>
+            <a:bodyPr rtlCol="0" anchor="ctr"/>
+            <a:lstStyle/>
+            <a:p>
+              <a:pPr algn="ctr"/>
+              <a:endParaRPr lang="de-DE"/>
+            </a:p>
+          </p:txBody>
+        </p:sp>
+        <p:sp>
+          <p:nvSpPr>
+            <p:cNvPr id="22" name="Rechteck 21">
+              <a:extLst>
+                <a:ext uri="{FF2B5EF4-FFF2-40B4-BE49-F238E27FC236}">
+                  <a16:creationId xmlns:a16="http://schemas.microsoft.com/office/drawing/2014/main" id="{935E9B02-A4A0-4F56-A1BA-8277C5884B4C}"/>
+                </a:ext>
+              </a:extLst>
+            </p:cNvPr>
+            <p:cNvSpPr/>
+            <p:nvPr/>
+          </p:nvSpPr>
+          <p:spPr>
+            <a:xfrm>
+              <a:off x="-6121648" y="5646371"/>
+              <a:ext cx="1071113" cy="2682240"/>
+            </a:xfrm>
+            <a:prstGeom prst="rect">
+              <a:avLst/>
+            </a:prstGeom>
+            <a:noFill/>
+            <a:ln w="28575">
+              <a:solidFill>
+                <a:srgbClr val="7030A0"/>
+              </a:solidFill>
+            </a:ln>
+          </p:spPr>
+          <p:style>
+            <a:lnRef idx="2">
+              <a:schemeClr val="accent1">
+                <a:shade val="50000"/>
+              </a:schemeClr>
+            </a:lnRef>
+            <a:fillRef idx="1">
+              <a:schemeClr val="accent1"/>
+            </a:fillRef>
+            <a:effectRef idx="0">
+              <a:schemeClr val="accent1"/>
+            </a:effectRef>
+            <a:fontRef idx="minor">
+              <a:schemeClr val="lt1"/>
+            </a:fontRef>
+          </p:style>
+          <p:txBody>
+            <a:bodyPr rtlCol="0" anchor="ctr"/>
+            <a:lstStyle/>
+            <a:p>
+              <a:pPr algn="ctr"/>
+              <a:endParaRPr lang="de-DE"/>
+            </a:p>
+          </p:txBody>
+        </p:sp>
+        <p:sp>
+          <p:nvSpPr>
+            <p:cNvPr id="23" name="Rechteck 22">
+              <a:extLst>
+                <a:ext uri="{FF2B5EF4-FFF2-40B4-BE49-F238E27FC236}">
+                  <a16:creationId xmlns:a16="http://schemas.microsoft.com/office/drawing/2014/main" id="{2D7AF647-8E8F-4014-BA17-13185CF36FF6}"/>
+                </a:ext>
+              </a:extLst>
+            </p:cNvPr>
+            <p:cNvSpPr/>
+            <p:nvPr/>
+          </p:nvSpPr>
+          <p:spPr>
+            <a:xfrm>
+              <a:off x="-5010912" y="5646371"/>
+              <a:ext cx="3471359" cy="2682240"/>
+            </a:xfrm>
+            <a:prstGeom prst="rect">
+              <a:avLst/>
+            </a:prstGeom>
+            <a:noFill/>
+            <a:ln w="28575">
+              <a:solidFill>
+                <a:srgbClr val="92D050"/>
+              </a:solidFill>
+            </a:ln>
+          </p:spPr>
+          <p:style>
+            <a:lnRef idx="2">
+              <a:schemeClr val="accent1">
+                <a:shade val="50000"/>
+              </a:schemeClr>
+            </a:lnRef>
+            <a:fillRef idx="1">
+              <a:schemeClr val="accent1"/>
+            </a:fillRef>
+            <a:effectRef idx="0">
+              <a:schemeClr val="accent1"/>
+            </a:effectRef>
+            <a:fontRef idx="minor">
+              <a:schemeClr val="lt1"/>
+            </a:fontRef>
+          </p:style>
+          <p:txBody>
+            <a:bodyPr rtlCol="0" anchor="ctr"/>
+            <a:lstStyle/>
+            <a:p>
+              <a:pPr algn="ctr"/>
+              <a:endParaRPr lang="de-DE"/>
+            </a:p>
+          </p:txBody>
+        </p:sp>
+        <p:sp>
+          <p:nvSpPr>
+            <p:cNvPr id="24" name="Textfeld 23">
+              <a:extLst>
+                <a:ext uri="{FF2B5EF4-FFF2-40B4-BE49-F238E27FC236}">
+                  <a16:creationId xmlns:a16="http://schemas.microsoft.com/office/drawing/2014/main" id="{1232B4A4-E92B-41B3-95D2-8CE821D96669}"/>
+                </a:ext>
+              </a:extLst>
+            </p:cNvPr>
+            <p:cNvSpPr txBox="1"/>
+            <p:nvPr/>
+          </p:nvSpPr>
+          <p:spPr>
+            <a:xfrm>
+              <a:off x="-7828528" y="7698676"/>
+              <a:ext cx="1287468" cy="523220"/>
+            </a:xfrm>
+            <a:prstGeom prst="rect">
+              <a:avLst/>
+            </a:prstGeom>
+            <a:noFill/>
+          </p:spPr>
+          <p:txBody>
+            <a:bodyPr wrap="none" rtlCol="0">
+              <a:spAutoFit/>
+            </a:bodyPr>
+            <a:lstStyle/>
+            <a:p>
+              <a:r>
+                <a:rPr lang="de-DE" sz="1400" dirty="0">
+                  <a:solidFill>
+                    <a:srgbClr val="FF0000"/>
+                  </a:solidFill>
+                </a:rPr>
+                <a:t>Voransicht </a:t>
+              </a:r>
+            </a:p>
+            <a:p>
+              <a:r>
+                <a:rPr lang="de-DE" sz="1400" dirty="0">
+                  <a:solidFill>
+                    <a:srgbClr val="FF0000"/>
+                  </a:solidFill>
+                </a:rPr>
+                <a:t>und Simulation</a:t>
+              </a:r>
+            </a:p>
+          </p:txBody>
+        </p:sp>
+        <p:sp>
+          <p:nvSpPr>
+            <p:cNvPr id="25" name="Textfeld 24">
+              <a:extLst>
+                <a:ext uri="{FF2B5EF4-FFF2-40B4-BE49-F238E27FC236}">
+                  <a16:creationId xmlns:a16="http://schemas.microsoft.com/office/drawing/2014/main" id="{5296C0D3-265D-4CAE-8D8F-FEB344DCE191}"/>
+                </a:ext>
+              </a:extLst>
+            </p:cNvPr>
+            <p:cNvSpPr txBox="1"/>
+            <p:nvPr/>
+          </p:nvSpPr>
+          <p:spPr>
+            <a:xfrm>
+              <a:off x="-6132566" y="7917526"/>
+              <a:ext cx="1121654" cy="307777"/>
+            </a:xfrm>
+            <a:prstGeom prst="rect">
+              <a:avLst/>
+            </a:prstGeom>
+            <a:noFill/>
+          </p:spPr>
+          <p:txBody>
+            <a:bodyPr wrap="none" rtlCol="0">
+              <a:spAutoFit/>
+            </a:bodyPr>
+            <a:lstStyle/>
+            <a:p>
+              <a:r>
+                <a:rPr lang="de-DE" sz="1400" dirty="0">
+                  <a:solidFill>
+                    <a:srgbClr val="7030A0"/>
+                  </a:solidFill>
+                </a:rPr>
+                <a:t>Blockbereich</a:t>
+              </a:r>
+            </a:p>
+          </p:txBody>
+        </p:sp>
+        <p:sp>
+          <p:nvSpPr>
+            <p:cNvPr id="26" name="Textfeld 25">
+              <a:extLst>
+                <a:ext uri="{FF2B5EF4-FFF2-40B4-BE49-F238E27FC236}">
+                  <a16:creationId xmlns:a16="http://schemas.microsoft.com/office/drawing/2014/main" id="{65461D69-7F27-4AAF-98C3-DFB26DFBBEBC}"/>
+                </a:ext>
+              </a:extLst>
+            </p:cNvPr>
+            <p:cNvSpPr txBox="1"/>
+            <p:nvPr/>
+          </p:nvSpPr>
+          <p:spPr>
+            <a:xfrm>
+              <a:off x="-5005972" y="7919674"/>
+              <a:ext cx="1254702" cy="307777"/>
+            </a:xfrm>
+            <a:prstGeom prst="rect">
+              <a:avLst/>
+            </a:prstGeom>
+            <a:noFill/>
+          </p:spPr>
+          <p:txBody>
+            <a:bodyPr wrap="none" rtlCol="0">
+              <a:spAutoFit/>
+            </a:bodyPr>
+            <a:lstStyle/>
+            <a:p>
+              <a:r>
+                <a:rPr lang="de-DE" sz="1400" dirty="0">
+                  <a:solidFill>
+                    <a:srgbClr val="92D050"/>
+                  </a:solidFill>
+                </a:rPr>
+                <a:t>Arbeitsbereich</a:t>
+              </a:r>
+            </a:p>
+          </p:txBody>
+        </p:sp>
+      </p:grpSp>
     </p:spTree>
     <p:extLst>
       <p:ext uri="{BB962C8B-B14F-4D97-AF65-F5344CB8AC3E}">
-        <p14:creationId xmlns:p14="http://schemas.microsoft.com/office/powerpoint/2010/main" val="1453808479"/>
+        <p14:creationId xmlns:p14="http://schemas.microsoft.com/office/powerpoint/2010/main" val="1771070158"/>
       </p:ext>
     </p:extLst>
   </p:cSld>
@@ -11211,12 +14156,14 @@
         </p:nvSpPr>
         <p:spPr/>
         <p:txBody>
-          <a:bodyPr/>
+          <a:bodyPr>
+            <a:normAutofit/>
+          </a:bodyPr>
           <a:lstStyle/>
           <a:p>
             <a:r>
               <a:rPr lang="de-DE" dirty="0"/>
-              <a:t>Ein Programm auf den </a:t>
+              <a:t>Ein Programm für den </a:t>
             </a:r>
             <a:r>
               <a:rPr lang="de-DE" dirty="0" err="1"/>
@@ -11224,7 +14171,7 @@
             </a:r>
             <a:r>
               <a:rPr lang="de-DE" dirty="0"/>
-              <a:t> hochladen</a:t>
+              <a:t> schreiben</a:t>
             </a:r>
             <a:br>
               <a:rPr lang="de-DE" dirty="0"/>
@@ -11267,8 +14214,8 @@
         </p:nvSpPr>
         <p:spPr>
           <a:xfrm>
-            <a:off x="468001" y="2085975"/>
-            <a:ext cx="3619258" cy="6629400"/>
+            <a:off x="456983" y="1806764"/>
+            <a:ext cx="5929529" cy="6743356"/>
           </a:xfrm>
         </p:spPr>
         <p:txBody>
@@ -11281,22 +14228,7 @@
             </a:pPr>
             <a:r>
               <a:rPr lang="de-DE" sz="1400" dirty="0"/>
-              <a:t>Öffne </a:t>
-            </a:r>
-            <a:r>
-              <a:rPr lang="de-DE" sz="1400" b="1" dirty="0"/>
-              <a:t>makecode.calliope.cc </a:t>
-            </a:r>
-            <a:r>
-              <a:rPr lang="de-DE" sz="1400" dirty="0"/>
-              <a:t>im </a:t>
-            </a:r>
-            <a:br>
-              <a:rPr lang="de-DE" sz="1400" dirty="0"/>
-            </a:br>
-            <a:r>
-              <a:rPr lang="de-DE" sz="1400" dirty="0"/>
-              <a:t>Web-Browser.</a:t>
+              <a:t>Bei jedem neuen Projekt sind zu Beginn die Blocke „beim Start“ und „dauerhaft“ diese löscht man, indem man den Block anklickt und mit gedrückter Maustaste auf den Blockbereich schiebt.</a:t>
             </a:r>
           </a:p>
           <a:p>
@@ -11313,22 +14245,7 @@
             </a:pPr>
             <a:r>
               <a:rPr lang="de-DE" sz="1400" dirty="0"/>
-              <a:t>Die Erstellung des Beispielcodes </a:t>
-            </a:r>
-            <a:br>
-              <a:rPr lang="de-DE" sz="1400" dirty="0"/>
-            </a:br>
-            <a:r>
-              <a:rPr lang="de-DE" sz="1400" dirty="0"/>
-              <a:t>„</a:t>
-            </a:r>
-            <a:r>
-              <a:rPr lang="de-DE" sz="1400" dirty="0" err="1"/>
-              <a:t>Hello</a:t>
-            </a:r>
-            <a:r>
-              <a:rPr lang="de-DE" sz="1400" dirty="0"/>
-              <a:t> World“ haben wir im vorherigen Kapitel behandelt.</a:t>
+              <a:t>Nun können wir mit unserem Programm beginnen. Hierfür öffnen wir im Blockbereich den Bereich „Eingabe“ und ziehe den Block „wenn Knopf A gedrückt“ auf den Arbeitsbereich</a:t>
             </a:r>
           </a:p>
           <a:p>
@@ -11345,140 +14262,7 @@
             </a:pPr>
             <a:r>
               <a:rPr lang="de-DE" sz="1400" dirty="0"/>
-              <a:t>Wähle nun einen Namen für das Programm, z.B. «</a:t>
-            </a:r>
-            <a:r>
-              <a:rPr lang="de-DE" sz="1400" dirty="0" err="1"/>
-              <a:t>mein_Code</a:t>
-            </a:r>
-            <a:r>
-              <a:rPr lang="de-DE" sz="1400" dirty="0"/>
-              <a:t>».</a:t>
-            </a:r>
-          </a:p>
-          <a:p>
-            <a:pPr marL="228600" indent="-228600">
-              <a:buFont typeface="+mj-lt"/>
-              <a:buAutoNum type="arabicPeriod"/>
-            </a:pPr>
-            <a:endParaRPr lang="de-DE" sz="1400" dirty="0"/>
-          </a:p>
-          <a:p>
-            <a:pPr marL="228600" lvl="0" indent="-228600">
-              <a:buFont typeface="+mj-lt"/>
-              <a:buAutoNum type="arabicPeriod"/>
-            </a:pPr>
-            <a:r>
-              <a:rPr lang="de-DE" sz="1400" dirty="0"/>
-              <a:t>Klicke auf «Herunterladen» und speichere die Datei «mini-</a:t>
-            </a:r>
-            <a:r>
-              <a:rPr lang="de-DE" sz="1400" dirty="0" err="1"/>
-              <a:t>mein_Code.hex</a:t>
-            </a:r>
-            <a:r>
-              <a:rPr lang="de-DE" sz="1400" dirty="0"/>
-              <a:t>».</a:t>
-            </a:r>
-          </a:p>
-          <a:p>
-            <a:pPr marL="228600" indent="-228600">
-              <a:buFont typeface="+mj-lt"/>
-              <a:buAutoNum type="arabicPeriod"/>
-            </a:pPr>
-            <a:endParaRPr lang="de-DE" sz="1400" dirty="0"/>
-          </a:p>
-          <a:p>
-            <a:pPr marL="228600" indent="-228600">
-              <a:buFont typeface="+mj-lt"/>
-              <a:buAutoNum type="arabicPeriod"/>
-            </a:pPr>
-            <a:r>
-              <a:rPr lang="de-DE" sz="1400" dirty="0"/>
-              <a:t>Schließe den </a:t>
-            </a:r>
-            <a:r>
-              <a:rPr lang="de-DE" sz="1400" dirty="0" err="1"/>
-              <a:t>Calliope</a:t>
-            </a:r>
-            <a:r>
-              <a:rPr lang="de-DE" sz="1400" dirty="0"/>
-              <a:t> über das USB-Kabel an. </a:t>
-            </a:r>
-          </a:p>
-          <a:p>
-            <a:pPr marL="228600" indent="-228600">
-              <a:buFont typeface="+mj-lt"/>
-              <a:buAutoNum type="arabicPeriod"/>
-            </a:pPr>
-            <a:endParaRPr lang="de-DE" sz="1400" dirty="0"/>
-          </a:p>
-          <a:p>
-            <a:pPr marL="228600" lvl="0" indent="-228600">
-              <a:buFont typeface="+mj-lt"/>
-              <a:buAutoNum type="arabicPeriod"/>
-            </a:pPr>
-            <a:r>
-              <a:rPr lang="de-DE" sz="1400" dirty="0"/>
-              <a:t>Öffne den Datei-Explorer (</a:t>
-            </a:r>
-            <a:r>
-              <a:rPr lang="de-DE" sz="1400" dirty="0" err="1"/>
-              <a:t>Win</a:t>
-            </a:r>
-            <a:r>
-              <a:rPr lang="de-DE" sz="1400" dirty="0"/>
-              <a:t>) oder Finder (Mac) und ziehe die gespeicherte Datei auf das Laufwerk «MINI».</a:t>
-            </a:r>
-          </a:p>
-          <a:p>
-            <a:pPr marL="228600" indent="-228600">
-              <a:buFont typeface="+mj-lt"/>
-              <a:buAutoNum type="arabicPeriod"/>
-            </a:pPr>
-            <a:endParaRPr lang="de-DE" sz="1400" dirty="0"/>
-          </a:p>
-          <a:p>
-            <a:pPr marL="228600" lvl="0" indent="-228600">
-              <a:buFont typeface="+mj-lt"/>
-              <a:buAutoNum type="arabicPeriod"/>
-            </a:pPr>
-            <a:r>
-              <a:rPr lang="de-DE" sz="1400" dirty="0"/>
-              <a:t>Solange das Programm auf den </a:t>
-            </a:r>
-            <a:r>
-              <a:rPr lang="de-DE" sz="1400" dirty="0" err="1"/>
-              <a:t>Calliope</a:t>
-            </a:r>
-            <a:r>
-              <a:rPr lang="de-DE" sz="1400" dirty="0"/>
-              <a:t> hochgeladen wird, blinkt ein gelbes Licht auf der Vorderseite. Das Programm startet anschließend von selbst.</a:t>
-            </a:r>
-          </a:p>
-          <a:p>
-            <a:pPr marL="228600" indent="-228600">
-              <a:buFont typeface="+mj-lt"/>
-              <a:buAutoNum type="arabicPeriod"/>
-            </a:pPr>
-            <a:endParaRPr lang="de-DE" sz="1400" dirty="0"/>
-          </a:p>
-          <a:p>
-            <a:pPr marL="228600" lvl="0" indent="-228600">
-              <a:buFont typeface="+mj-lt"/>
-              <a:buAutoNum type="arabicPeriod"/>
-            </a:pPr>
-            <a:r>
-              <a:rPr lang="de-DE" sz="1400" dirty="0"/>
-              <a:t>Bei jeder Änderung des Programmes muss es neu auf den </a:t>
-            </a:r>
-            <a:r>
-              <a:rPr lang="de-DE" sz="1400" dirty="0" err="1"/>
-              <a:t>Calliope</a:t>
-            </a:r>
-            <a:r>
-              <a:rPr lang="de-DE" sz="1400" dirty="0"/>
-              <a:t> hochgeladen werden (Schritt 4 - 7 wiederholen).</a:t>
+              <a:t>Anschließend wiederholen wir das gleiche noch einmal mit dem Block „zeige Text“ aus dem Bereich „Grundlagen“</a:t>
             </a:r>
           </a:p>
           <a:p>
@@ -11492,111 +14276,56 @@
       </p:sp>
       <p:pic>
         <p:nvPicPr>
-          <p:cNvPr id="6" name="Grafik 5"/>
-          <p:cNvPicPr/>
+          <p:cNvPr id="14" name="Grafik 13">
+            <a:extLst>
+              <a:ext uri="{FF2B5EF4-FFF2-40B4-BE49-F238E27FC236}">
+                <a16:creationId xmlns:a16="http://schemas.microsoft.com/office/drawing/2014/main" id="{F807541A-269F-4C77-A750-05AC8496725F}"/>
+              </a:ext>
+            </a:extLst>
+          </p:cNvPr>
+          <p:cNvPicPr>
+            <a:picLocks noChangeAspect="1"/>
+          </p:cNvPicPr>
           <p:nvPr/>
         </p:nvPicPr>
         <p:blipFill>
-          <a:blip r:embed="rId2">
-            <a:extLst>
-              <a:ext uri="{28A0092B-C50C-407E-A947-70E740481C1C}">
-                <a14:useLocalDpi xmlns:a14="http://schemas.microsoft.com/office/drawing/2010/main" val="0"/>
-              </a:ext>
-            </a:extLst>
-          </a:blip>
+          <a:blip r:embed="rId2"/>
           <a:stretch>
             <a:fillRect/>
           </a:stretch>
         </p:blipFill>
         <p:spPr>
           <a:xfrm>
-            <a:off x="4087259" y="3676111"/>
-            <a:ext cx="2152650" cy="373380"/>
+            <a:off x="242146" y="4663829"/>
+            <a:ext cx="6380110" cy="3908195"/>
           </a:xfrm>
           <a:prstGeom prst="rect">
             <a:avLst/>
           </a:prstGeom>
         </p:spPr>
       </p:pic>
-      <p:pic>
-        <p:nvPicPr>
-          <p:cNvPr id="7" name="Grafik 6"/>
-          <p:cNvPicPr/>
-          <p:nvPr/>
-        </p:nvPicPr>
-        <p:blipFill>
-          <a:blip r:embed="rId3" cstate="print">
-            <a:extLst>
-              <a:ext uri="{28A0092B-C50C-407E-A947-70E740481C1C}">
-                <a14:useLocalDpi xmlns:a14="http://schemas.microsoft.com/office/drawing/2010/main" val="0"/>
-              </a:ext>
-            </a:extLst>
-          </a:blip>
-          <a:stretch>
-            <a:fillRect/>
-          </a:stretch>
-        </p:blipFill>
-        <p:spPr>
-          <a:xfrm>
-            <a:off x="4087259" y="4401197"/>
-            <a:ext cx="1684655" cy="406400"/>
-          </a:xfrm>
-          <a:prstGeom prst="rect">
-            <a:avLst/>
-          </a:prstGeom>
-        </p:spPr>
-      </p:pic>
-      <p:pic>
-        <p:nvPicPr>
-          <p:cNvPr id="8" name="Grafik 7"/>
-          <p:cNvPicPr/>
-          <p:nvPr/>
-        </p:nvPicPr>
-        <p:blipFill rotWithShape="1">
-          <a:blip r:embed="rId4" cstate="print">
-            <a:extLst>
-              <a:ext uri="{28A0092B-C50C-407E-A947-70E740481C1C}">
-                <a14:useLocalDpi xmlns:a14="http://schemas.microsoft.com/office/drawing/2010/main" val="0"/>
-              </a:ext>
-            </a:extLst>
-          </a:blip>
-          <a:srcRect r="14640"/>
-          <a:stretch/>
-        </p:blipFill>
-        <p:spPr bwMode="auto">
-          <a:xfrm>
-            <a:off x="4120889" y="5159303"/>
-            <a:ext cx="2409825" cy="3336290"/>
-          </a:xfrm>
-          <a:prstGeom prst="rect">
-            <a:avLst/>
-          </a:prstGeom>
-          <a:ln>
-            <a:noFill/>
-          </a:ln>
-          <a:extLst>
-            <a:ext uri="{53640926-AAD7-44D8-BBD7-CCE9431645EC}">
-              <a14:shadowObscured xmlns:a14="http://schemas.microsoft.com/office/drawing/2010/main"/>
-            </a:ext>
-          </a:extLst>
-        </p:spPr>
-      </p:pic>
-      <p:sp>
-        <p:nvSpPr>
-          <p:cNvPr id="9" name="Ellipse 8"/>
+      <p:sp>
+        <p:nvSpPr>
+          <p:cNvPr id="15" name="Rechteck 14">
+            <a:extLst>
+              <a:ext uri="{FF2B5EF4-FFF2-40B4-BE49-F238E27FC236}">
+                <a16:creationId xmlns:a16="http://schemas.microsoft.com/office/drawing/2014/main" id="{5D18AAA0-CEB6-4BA4-B019-A39E927F2E19}"/>
+              </a:ext>
+            </a:extLst>
+          </p:cNvPr>
           <p:cNvSpPr/>
           <p:nvPr/>
         </p:nvSpPr>
         <p:spPr>
           <a:xfrm>
-            <a:off x="5382659" y="5868969"/>
-            <a:ext cx="1266825" cy="361950"/>
-          </a:xfrm>
-          <a:prstGeom prst="ellipse">
+            <a:off x="235744" y="5558090"/>
+            <a:ext cx="1652752" cy="2682240"/>
+          </a:xfrm>
+          <a:prstGeom prst="rect">
             <a:avLst/>
           </a:prstGeom>
           <a:noFill/>
-          <a:ln w="19050">
+          <a:ln w="28575">
             <a:solidFill>
               <a:srgbClr val="FF0000"/>
             </a:solidFill>
@@ -11604,149 +14333,264 @@
         </p:spPr>
         <p:style>
           <a:lnRef idx="2">
-            <a:schemeClr val="accent2"/>
+            <a:schemeClr val="accent1">
+              <a:shade val="50000"/>
+            </a:schemeClr>
           </a:lnRef>
           <a:fillRef idx="1">
-            <a:schemeClr val="lt1"/>
-          </a:fillRef>
-          <a:effectRef idx="0">
-            <a:schemeClr val="accent2"/>
-          </a:effectRef>
-          <a:fontRef idx="minor">
-            <a:schemeClr val="dk1"/>
-          </a:fontRef>
-        </p:style>
-        <p:txBody>
-          <a:bodyPr rot="0" spcFirstLastPara="0" vert="horz" wrap="square" lIns="91440" tIns="45720" rIns="91440" bIns="45720" numCol="1" spcCol="0" rtlCol="0" fromWordArt="0" anchor="ctr" anchorCtr="0" forceAA="0" compatLnSpc="1">
-            <a:prstTxWarp prst="textNoShape">
-              <a:avLst/>
-            </a:prstTxWarp>
-            <a:noAutofit/>
-          </a:bodyPr>
-          <a:lstStyle/>
-          <a:p>
-            <a:endParaRPr lang="de-DE"/>
-          </a:p>
-        </p:txBody>
-      </p:sp>
-      <p:sp>
-        <p:nvSpPr>
-          <p:cNvPr id="10" name="Ellipse 9"/>
-          <p:cNvSpPr/>
-          <p:nvPr/>
-        </p:nvSpPr>
-        <p:spPr>
-          <a:xfrm>
-            <a:off x="4087259" y="7963199"/>
-            <a:ext cx="762000" cy="304800"/>
-          </a:xfrm>
-          <a:prstGeom prst="ellipse">
-            <a:avLst/>
-          </a:prstGeom>
-          <a:noFill/>
-          <a:ln w="19050">
-            <a:solidFill>
-              <a:srgbClr val="FF0000"/>
-            </a:solidFill>
-          </a:ln>
-        </p:spPr>
-        <p:style>
-          <a:lnRef idx="2">
-            <a:schemeClr val="accent2"/>
-          </a:lnRef>
-          <a:fillRef idx="1">
-            <a:schemeClr val="lt1"/>
-          </a:fillRef>
-          <a:effectRef idx="0">
-            <a:schemeClr val="accent2"/>
-          </a:effectRef>
-          <a:fontRef idx="minor">
-            <a:schemeClr val="dk1"/>
-          </a:fontRef>
-        </p:style>
-        <p:txBody>
-          <a:bodyPr rot="0" spcFirstLastPara="0" vert="horz" wrap="square" lIns="91440" tIns="45720" rIns="91440" bIns="45720" numCol="1" spcCol="0" rtlCol="0" fromWordArt="0" anchor="ctr" anchorCtr="0" forceAA="0" compatLnSpc="1">
-            <a:prstTxWarp prst="textNoShape">
-              <a:avLst/>
-            </a:prstTxWarp>
-            <a:noAutofit/>
-          </a:bodyPr>
-          <a:lstStyle/>
-          <a:p>
-            <a:endParaRPr lang="de-DE"/>
-          </a:p>
-        </p:txBody>
-      </p:sp>
-      <p:cxnSp>
-        <p:nvCxnSpPr>
-          <p:cNvPr id="11" name="Gerade Verbindung mit Pfeil 10"/>
-          <p:cNvCxnSpPr/>
-          <p:nvPr/>
-        </p:nvCxnSpPr>
-        <p:spPr>
-          <a:xfrm flipH="1">
-            <a:off x="4810524" y="6239174"/>
-            <a:ext cx="1181100" cy="1790700"/>
-          </a:xfrm>
-          <a:prstGeom prst="straightConnector1">
-            <a:avLst/>
-          </a:prstGeom>
-          <a:ln w="19050">
-            <a:solidFill>
-              <a:srgbClr val="FF0000"/>
-            </a:solidFill>
-            <a:tailEnd type="triangle"/>
-          </a:ln>
-        </p:spPr>
-        <p:style>
-          <a:lnRef idx="1">
-            <a:schemeClr val="accent1"/>
-          </a:lnRef>
-          <a:fillRef idx="0">
             <a:schemeClr val="accent1"/>
           </a:fillRef>
           <a:effectRef idx="0">
             <a:schemeClr val="accent1"/>
           </a:effectRef>
           <a:fontRef idx="minor">
-            <a:schemeClr val="tx1"/>
+            <a:schemeClr val="lt1"/>
           </a:fontRef>
         </p:style>
-      </p:cxnSp>
-      <p:pic>
-        <p:nvPicPr>
-          <p:cNvPr id="12" name="Grafik 11"/>
-          <p:cNvPicPr>
-            <a:picLocks noChangeAspect="1"/>
-          </p:cNvPicPr>
+        <p:txBody>
+          <a:bodyPr rtlCol="0" anchor="ctr"/>
+          <a:lstStyle/>
+          <a:p>
+            <a:pPr algn="ctr"/>
+            <a:endParaRPr lang="de-DE"/>
+          </a:p>
+        </p:txBody>
+      </p:sp>
+      <p:sp>
+        <p:nvSpPr>
+          <p:cNvPr id="16" name="Rechteck 15">
+            <a:extLst>
+              <a:ext uri="{FF2B5EF4-FFF2-40B4-BE49-F238E27FC236}">
+                <a16:creationId xmlns:a16="http://schemas.microsoft.com/office/drawing/2014/main" id="{2FEB994B-03E9-4052-A32C-89578FCF97CE}"/>
+              </a:ext>
+            </a:extLst>
+          </p:cNvPr>
+          <p:cNvSpPr/>
           <p:nvPr/>
-        </p:nvPicPr>
-        <p:blipFill>
-          <a:blip r:embed="rId5">
-            <a:extLst>
-              <a:ext uri="{28A0092B-C50C-407E-A947-70E740481C1C}">
-                <a14:useLocalDpi xmlns:a14="http://schemas.microsoft.com/office/drawing/2010/main" val="0"/>
-              </a:ext>
-            </a:extLst>
-          </a:blip>
-          <a:stretch>
-            <a:fillRect/>
-          </a:stretch>
-        </p:blipFill>
-        <p:spPr>
-          <a:xfrm>
-            <a:off x="3224411" y="2085975"/>
-            <a:ext cx="3258329" cy="714837"/>
+        </p:nvSpPr>
+        <p:spPr>
+          <a:xfrm>
+            <a:off x="3038855" y="5558090"/>
+            <a:ext cx="3471359" cy="2682240"/>
           </a:xfrm>
           <a:prstGeom prst="rect">
             <a:avLst/>
           </a:prstGeom>
-        </p:spPr>
-      </p:pic>
+          <a:noFill/>
+          <a:ln w="28575">
+            <a:solidFill>
+              <a:srgbClr val="92D050"/>
+            </a:solidFill>
+          </a:ln>
+        </p:spPr>
+        <p:style>
+          <a:lnRef idx="2">
+            <a:schemeClr val="accent1">
+              <a:shade val="50000"/>
+            </a:schemeClr>
+          </a:lnRef>
+          <a:fillRef idx="1">
+            <a:schemeClr val="accent1"/>
+          </a:fillRef>
+          <a:effectRef idx="0">
+            <a:schemeClr val="accent1"/>
+          </a:effectRef>
+          <a:fontRef idx="minor">
+            <a:schemeClr val="lt1"/>
+          </a:fontRef>
+        </p:style>
+        <p:txBody>
+          <a:bodyPr rtlCol="0" anchor="ctr"/>
+          <a:lstStyle/>
+          <a:p>
+            <a:pPr algn="ctr"/>
+            <a:endParaRPr lang="de-DE"/>
+          </a:p>
+        </p:txBody>
+      </p:sp>
+      <p:sp>
+        <p:nvSpPr>
+          <p:cNvPr id="17" name="Textfeld 16">
+            <a:extLst>
+              <a:ext uri="{FF2B5EF4-FFF2-40B4-BE49-F238E27FC236}">
+                <a16:creationId xmlns:a16="http://schemas.microsoft.com/office/drawing/2014/main" id="{0936F6A9-65C0-4D46-B30A-A87EB7CABA20}"/>
+              </a:ext>
+            </a:extLst>
+          </p:cNvPr>
+          <p:cNvSpPr txBox="1"/>
+          <p:nvPr/>
+        </p:nvSpPr>
+        <p:spPr>
+          <a:xfrm>
+            <a:off x="221239" y="7610395"/>
+            <a:ext cx="1287468" cy="523220"/>
+          </a:xfrm>
+          <a:prstGeom prst="rect">
+            <a:avLst/>
+          </a:prstGeom>
+          <a:noFill/>
+        </p:spPr>
+        <p:txBody>
+          <a:bodyPr wrap="none" rtlCol="0">
+            <a:spAutoFit/>
+          </a:bodyPr>
+          <a:lstStyle/>
+          <a:p>
+            <a:r>
+              <a:rPr lang="de-DE" sz="1400" dirty="0">
+                <a:solidFill>
+                  <a:srgbClr val="FF0000"/>
+                </a:solidFill>
+              </a:rPr>
+              <a:t>Voransicht </a:t>
+            </a:r>
+          </a:p>
+          <a:p>
+            <a:r>
+              <a:rPr lang="de-DE" sz="1400" dirty="0">
+                <a:solidFill>
+                  <a:srgbClr val="FF0000"/>
+                </a:solidFill>
+              </a:rPr>
+              <a:t>und Simulation</a:t>
+            </a:r>
+          </a:p>
+        </p:txBody>
+      </p:sp>
+      <p:sp>
+        <p:nvSpPr>
+          <p:cNvPr id="18" name="Textfeld 17">
+            <a:extLst>
+              <a:ext uri="{FF2B5EF4-FFF2-40B4-BE49-F238E27FC236}">
+                <a16:creationId xmlns:a16="http://schemas.microsoft.com/office/drawing/2014/main" id="{A3D5272A-67BC-4880-B423-B612DFB55E51}"/>
+              </a:ext>
+            </a:extLst>
+          </p:cNvPr>
+          <p:cNvSpPr txBox="1"/>
+          <p:nvPr/>
+        </p:nvSpPr>
+        <p:spPr>
+          <a:xfrm>
+            <a:off x="1917201" y="7829245"/>
+            <a:ext cx="1121654" cy="307777"/>
+          </a:xfrm>
+          <a:prstGeom prst="rect">
+            <a:avLst/>
+          </a:prstGeom>
+          <a:noFill/>
+        </p:spPr>
+        <p:txBody>
+          <a:bodyPr wrap="none" rtlCol="0">
+            <a:spAutoFit/>
+          </a:bodyPr>
+          <a:lstStyle/>
+          <a:p>
+            <a:r>
+              <a:rPr lang="de-DE" sz="1400" dirty="0">
+                <a:solidFill>
+                  <a:srgbClr val="7030A0"/>
+                </a:solidFill>
+              </a:rPr>
+              <a:t>Blockbereich</a:t>
+            </a:r>
+          </a:p>
+        </p:txBody>
+      </p:sp>
+      <p:sp>
+        <p:nvSpPr>
+          <p:cNvPr id="19" name="Textfeld 18">
+            <a:extLst>
+              <a:ext uri="{FF2B5EF4-FFF2-40B4-BE49-F238E27FC236}">
+                <a16:creationId xmlns:a16="http://schemas.microsoft.com/office/drawing/2014/main" id="{F9475554-9CD0-4571-B34D-B52E4594565C}"/>
+              </a:ext>
+            </a:extLst>
+          </p:cNvPr>
+          <p:cNvSpPr txBox="1"/>
+          <p:nvPr/>
+        </p:nvSpPr>
+        <p:spPr>
+          <a:xfrm>
+            <a:off x="3043795" y="7831393"/>
+            <a:ext cx="1254702" cy="307777"/>
+          </a:xfrm>
+          <a:prstGeom prst="rect">
+            <a:avLst/>
+          </a:prstGeom>
+          <a:noFill/>
+        </p:spPr>
+        <p:txBody>
+          <a:bodyPr wrap="none" rtlCol="0">
+            <a:spAutoFit/>
+          </a:bodyPr>
+          <a:lstStyle/>
+          <a:p>
+            <a:r>
+              <a:rPr lang="de-DE" sz="1400" dirty="0">
+                <a:solidFill>
+                  <a:srgbClr val="92D050"/>
+                </a:solidFill>
+              </a:rPr>
+              <a:t>Arbeitsbereich</a:t>
+            </a:r>
+          </a:p>
+        </p:txBody>
+      </p:sp>
+      <p:sp>
+        <p:nvSpPr>
+          <p:cNvPr id="20" name="Rechteck 19">
+            <a:extLst>
+              <a:ext uri="{FF2B5EF4-FFF2-40B4-BE49-F238E27FC236}">
+                <a16:creationId xmlns:a16="http://schemas.microsoft.com/office/drawing/2014/main" id="{484FAF5E-772A-4B37-A291-92E2B6136719}"/>
+              </a:ext>
+            </a:extLst>
+          </p:cNvPr>
+          <p:cNvSpPr/>
+          <p:nvPr/>
+        </p:nvSpPr>
+        <p:spPr>
+          <a:xfrm>
+            <a:off x="1928119" y="5558090"/>
+            <a:ext cx="1071113" cy="2682240"/>
+          </a:xfrm>
+          <a:prstGeom prst="rect">
+            <a:avLst/>
+          </a:prstGeom>
+          <a:noFill/>
+          <a:ln w="28575">
+            <a:solidFill>
+              <a:srgbClr val="7030A0"/>
+            </a:solidFill>
+          </a:ln>
+        </p:spPr>
+        <p:style>
+          <a:lnRef idx="2">
+            <a:schemeClr val="accent1">
+              <a:shade val="50000"/>
+            </a:schemeClr>
+          </a:lnRef>
+          <a:fillRef idx="1">
+            <a:schemeClr val="accent1"/>
+          </a:fillRef>
+          <a:effectRef idx="0">
+            <a:schemeClr val="accent1"/>
+          </a:effectRef>
+          <a:fontRef idx="minor">
+            <a:schemeClr val="lt1"/>
+          </a:fontRef>
+        </p:style>
+        <p:txBody>
+          <a:bodyPr rtlCol="0" anchor="ctr"/>
+          <a:lstStyle/>
+          <a:p>
+            <a:pPr algn="ctr"/>
+            <a:endParaRPr lang="de-DE"/>
+          </a:p>
+        </p:txBody>
+      </p:sp>
     </p:spTree>
     <p:extLst>
       <p:ext uri="{BB962C8B-B14F-4D97-AF65-F5344CB8AC3E}">
-        <p14:creationId xmlns:p14="http://schemas.microsoft.com/office/powerpoint/2010/main" val="492061270"/>
+        <p14:creationId xmlns:p14="http://schemas.microsoft.com/office/powerpoint/2010/main" val="525361280"/>
       </p:ext>
     </p:extLst>
   </p:cSld>
